--- a/documentation/Презентация продукта.pptx
+++ b/documentation/Презентация продукта.pptx
@@ -132,7 +132,7 @@
     <p1510:client id="{1A190BDB-38C0-465A-B5E8-EF9F6808A4EB}" v="1283" dt="2024-05-29T22:12:29.370"/>
     <p1510:client id="{1BCF3A0A-5D0D-41DD-AACC-3F3FD5972E25}" v="309" dt="2024-05-30T07:04:02.964"/>
     <p1510:client id="{269F87C0-091D-4D39-A300-2E25333606EE}" v="1596" dt="2024-05-29T13:08:02.465"/>
-    <p1510:client id="{5E479411-4741-4291-ABCB-23B8A2E03DA6}" v="163" dt="2024-05-30T09:00:28.797"/>
+    <p1510:client id="{5E479411-4741-4291-ABCB-23B8A2E03DA6}" v="208" dt="2024-05-30T11:17:04.329"/>
     <p1510:client id="{E9CA3BBD-BC64-430E-829B-682AAB8C6EF0}" v="3" dt="2024-05-29T22:14:13.658"/>
   </p1510:revLst>
 </p1510:revInfo>
@@ -634,7 +634,7 @@
           <a:p>
             <a:fld id="{F7021451-1387-4CA6-816F-3879F97B5CBC}" type="slidenum">
               <a:rPr lang="en-US"/>
-              <a:t>12</a:t>
+              <a:t>13</a:t>
             </a:fld>
             <a:endParaRPr lang="en-US"/>
           </a:p>
@@ -718,7 +718,7 @@
           <a:p>
             <a:fld id="{F7021451-1387-4CA6-816F-3879F97B5CBC}" type="slidenum">
               <a:rPr lang="en-US"/>
-              <a:t>13</a:t>
+              <a:t>14</a:t>
             </a:fld>
             <a:endParaRPr lang="en-US"/>
           </a:p>
@@ -802,7 +802,7 @@
           <a:p>
             <a:fld id="{F7021451-1387-4CA6-816F-3879F97B5CBC}" type="slidenum">
               <a:rPr lang="en-US"/>
-              <a:t>14</a:t>
+              <a:t>15</a:t>
             </a:fld>
             <a:endParaRPr lang="en-US"/>
           </a:p>
@@ -1390,7 +1390,7 @@
           <a:p>
             <a:fld id="{F7021451-1387-4CA6-816F-3879F97B5CBC}" type="slidenum">
               <a:rPr lang="en-US"/>
-              <a:t>9</a:t>
+              <a:t>10</a:t>
             </a:fld>
             <a:endParaRPr lang="en-US"/>
           </a:p>
@@ -1474,7 +1474,7 @@
           <a:p>
             <a:fld id="{F7021451-1387-4CA6-816F-3879F97B5CBC}" type="slidenum">
               <a:rPr lang="en-US"/>
-              <a:t>11</a:t>
+              <a:t>12</a:t>
             </a:fld>
             <a:endParaRPr lang="en-US"/>
           </a:p>
@@ -2203,10 +2203,10 @@
       </p:pic>
       <p:sp>
         <p:nvSpPr>
-          <p:cNvPr id="3" name="TextBox 2">
+          <p:cNvPr id="4" name="TextBox 3">
             <a:extLst>
               <a:ext uri="{FF2B5EF4-FFF2-40B4-BE49-F238E27FC236}">
-                <a16:creationId xmlns:a16="http://schemas.microsoft.com/office/drawing/2014/main" id="{2156C04B-BA33-8F43-8E56-13CAAC83C8BE}"/>
+                <a16:creationId xmlns:a16="http://schemas.microsoft.com/office/drawing/2014/main" id="{B31D0699-A9C8-D696-2CF3-9D44B9585681}"/>
               </a:ext>
             </a:extLst>
           </p:cNvPr>
@@ -2215,8 +2215,8 @@
         </p:nvSpPr>
         <p:spPr>
           <a:xfrm>
-            <a:off x="14249400" y="7821168"/>
-            <a:ext cx="377952" cy="400110"/>
+            <a:off x="14115288" y="7821168"/>
+            <a:ext cx="512064" cy="400110"/>
           </a:xfrm>
           <a:prstGeom prst="rect">
             <a:avLst/>
@@ -2241,7 +2241,7 @@
                 <a:latin typeface="Century Gothic"/>
                 <a:cs typeface="Calibri"/>
               </a:rPr>
-              <a:t>9</a:t>
+              <a:t>10</a:t>
             </a:r>
             <a:endParaRPr lang="ru-RU" sz="2000" b="1" dirty="0">
               <a:solidFill>
@@ -2471,7 +2471,7 @@
                 <a:latin typeface="Century Gothic"/>
                 <a:cs typeface="Calibri"/>
               </a:rPr>
-              <a:t>10</a:t>
+              <a:t>11</a:t>
             </a:r>
             <a:endParaRPr lang="ru-RU" sz="2000" b="1" dirty="0">
               <a:solidFill>
@@ -2864,7 +2864,7 @@
                 <a:latin typeface="Century Gothic"/>
                 <a:cs typeface="Calibri"/>
               </a:rPr>
-              <a:t>11</a:t>
+              <a:t>12</a:t>
             </a:r>
             <a:endParaRPr lang="ru-RU" sz="2000" b="1" dirty="0">
               <a:solidFill>
@@ -3602,7 +3602,7 @@
                 <a:latin typeface="Century Gothic"/>
                 <a:cs typeface="Calibri"/>
               </a:rPr>
-              <a:t>12</a:t>
+              <a:t>13</a:t>
             </a:r>
             <a:endParaRPr lang="ru-RU" sz="2000" b="1" dirty="0">
               <a:solidFill>
@@ -3978,7 +3978,7 @@
                 <a:latin typeface="Century Gothic"/>
                 <a:cs typeface="Calibri"/>
               </a:rPr>
-              <a:t>13</a:t>
+              <a:t>14</a:t>
             </a:r>
             <a:endParaRPr lang="ru-RU" sz="2000" b="1" dirty="0">
               <a:solidFill>
@@ -4199,7 +4199,7 @@
                 <a:latin typeface="Century Gothic"/>
                 <a:cs typeface="Calibri"/>
               </a:rPr>
-              <a:t>14</a:t>
+              <a:t>15</a:t>
             </a:r>
             <a:endParaRPr lang="ru-RU" sz="2000" b="1" dirty="0">
               <a:solidFill>
@@ -7316,8 +7316,8 @@
         </p:nvSpPr>
         <p:spPr>
           <a:xfrm>
-            <a:off x="5900762" y="2191941"/>
-            <a:ext cx="2490835" cy="469106"/>
+            <a:off x="6566968" y="2191941"/>
+            <a:ext cx="1171487" cy="469106"/>
           </a:xfrm>
           <a:prstGeom prst="rect">
             <a:avLst/>
@@ -7335,22 +7335,10 @@
               </a:lnSpc>
             </a:pPr>
             <a:r>
-              <a:rPr lang="en-US" sz="2800" b="1" dirty="0" err="1">
-                <a:latin typeface="Century Gothic"/>
-              </a:rPr>
-              <a:t>База</a:t>
-            </a:r>
-            <a:r>
               <a:rPr lang="en-US" sz="2800" b="1" dirty="0">
                 <a:latin typeface="Century Gothic"/>
               </a:rPr>
-              <a:t> </a:t>
-            </a:r>
-            <a:r>
-              <a:rPr lang="en-US" sz="2800" b="1" dirty="0" err="1">
-                <a:latin typeface="Century Gothic"/>
-              </a:rPr>
-              <a:t>данных</a:t>
+              <a:t>СУБД</a:t>
             </a:r>
           </a:p>
         </p:txBody>
@@ -8113,7 +8101,7 @@
                 <a:latin typeface="Century Gothic"/>
                 <a:cs typeface="Calibri"/>
               </a:rPr>
-              <a:t>8</a:t>
+              <a:t>9</a:t>
             </a:r>
             <a:endParaRPr lang="ru-RU" sz="2000" b="1" dirty="0">
               <a:solidFill>

--- a/documentation/Презентация продукта.pptx
+++ b/documentation/Презентация продукта.pptx
@@ -5,7 +5,7 @@
     <p:sldMasterId id="2147483648" r:id="rId1"/>
   </p:sldMasterIdLst>
   <p:notesMasterIdLst>
-    <p:notesMasterId r:id="rId17"/>
+    <p:notesMasterId r:id="rId16"/>
   </p:notesMasterIdLst>
   <p:sldIdLst>
     <p:sldId id="256" r:id="rId2"/>
@@ -16,13 +16,12 @@
     <p:sldId id="259" r:id="rId7"/>
     <p:sldId id="260" r:id="rId8"/>
     <p:sldId id="261" r:id="rId9"/>
-    <p:sldId id="270" r:id="rId10"/>
-    <p:sldId id="262" r:id="rId11"/>
-    <p:sldId id="268" r:id="rId12"/>
-    <p:sldId id="263" r:id="rId13"/>
-    <p:sldId id="264" r:id="rId14"/>
-    <p:sldId id="265" r:id="rId15"/>
-    <p:sldId id="269" r:id="rId16"/>
+    <p:sldId id="262" r:id="rId10"/>
+    <p:sldId id="268" r:id="rId11"/>
+    <p:sldId id="263" r:id="rId12"/>
+    <p:sldId id="264" r:id="rId13"/>
+    <p:sldId id="265" r:id="rId14"/>
+    <p:sldId id="269" r:id="rId15"/>
   </p:sldIdLst>
   <p:sldSz cx="14630400" cy="8229600"/>
   <p:notesSz cx="8229600" cy="14630400"/>
@@ -129,11 +128,8 @@
 <file path=ppt/revisionInfo.xml><?xml version="1.0" encoding="utf-8"?>
 <p1510:revInfo xmlns:a="http://schemas.openxmlformats.org/drawingml/2006/main" xmlns:r="http://schemas.openxmlformats.org/officeDocument/2006/relationships" xmlns:p1510="http://schemas.microsoft.com/office/powerpoint/2015/10/main">
   <p1510:revLst>
-    <p1510:client id="{1A190BDB-38C0-465A-B5E8-EF9F6808A4EB}" v="1283" dt="2024-05-29T22:12:29.370"/>
-    <p1510:client id="{1BCF3A0A-5D0D-41DD-AACC-3F3FD5972E25}" v="309" dt="2024-05-30T07:04:02.964"/>
-    <p1510:client id="{269F87C0-091D-4D39-A300-2E25333606EE}" v="1596" dt="2024-05-29T13:08:02.465"/>
-    <p1510:client id="{5E479411-4741-4291-ABCB-23B8A2E03DA6}" v="208" dt="2024-05-30T11:17:04.329"/>
-    <p1510:client id="{E9CA3BBD-BC64-430E-829B-682AAB8C6EF0}" v="3" dt="2024-05-29T22:14:13.658"/>
+    <p1510:client id="{93A0D5BA-DBAB-A81C-2C3A-B5F178C0E5E5}" v="852" dt="2024-06-18T12:03:03.035"/>
+    <p1510:client id="{A03A3A67-C4D1-1CC2-6585-2A1E6B4C2FF6}" v="186" dt="2024-06-18T17:38:47"/>
   </p1510:revLst>
 </p1510:revInfo>
 </file>
@@ -219,7 +215,7 @@
           </a:lstStyle>
           <a:p>
             <a:fld id="{6FDB898B-121A-41E0-AD4D-8FE2C344A5E9}" type="datetimeFigureOut">
-              <a:t>30.05.2024</a:t>
+              <a:t>20.06.2024</a:t>
             </a:fld>
             <a:endParaRPr lang="ru-RU"/>
           </a:p>
@@ -529,7 +525,7 @@
           <a:bodyPr/>
           <a:lstStyle/>
           <a:p>
-            <a:endParaRPr lang="en-US" dirty="0"/>
+            <a:endParaRPr lang="en-US"/>
           </a:p>
         </p:txBody>
       </p:sp>
@@ -613,7 +609,7 @@
           <a:bodyPr/>
           <a:lstStyle/>
           <a:p>
-            <a:endParaRPr lang="en-US" dirty="0"/>
+            <a:endParaRPr lang="en-US"/>
           </a:p>
         </p:txBody>
       </p:sp>
@@ -697,7 +693,7 @@
           <a:bodyPr/>
           <a:lstStyle/>
           <a:p>
-            <a:endParaRPr lang="en-US" dirty="0"/>
+            <a:endParaRPr lang="en-US"/>
           </a:p>
         </p:txBody>
       </p:sp>
@@ -719,90 +715,6 @@
             <a:fld id="{F7021451-1387-4CA6-816F-3879F97B5CBC}" type="slidenum">
               <a:rPr lang="en-US"/>
               <a:t>14</a:t>
-            </a:fld>
-            <a:endParaRPr lang="en-US"/>
-          </a:p>
-        </p:txBody>
-      </p:sp>
-    </p:spTree>
-    <p:extLst>
-      <p:ext uri="{BB962C8B-B14F-4D97-AF65-F5344CB8AC3E}">
-        <p14:creationId xmlns:p14="http://schemas.microsoft.com/office/powerpoint/2010/main" val="1024086991"/>
-      </p:ext>
-    </p:extLst>
-  </p:cSld>
-  <p:clrMapOvr>
-    <a:masterClrMapping/>
-  </p:clrMapOvr>
-</p:notes>
-</file>
-
-<file path=ppt/notesSlides/notesSlide12.xml><?xml version="1.0" encoding="utf-8"?>
-<p:notes xmlns:a="http://schemas.openxmlformats.org/drawingml/2006/main" xmlns:r="http://schemas.openxmlformats.org/officeDocument/2006/relationships" xmlns:p="http://schemas.openxmlformats.org/presentationml/2006/main">
-  <p:cSld>
-    <p:spTree>
-      <p:nvGrpSpPr>
-        <p:cNvPr id="1" name=""/>
-        <p:cNvGrpSpPr/>
-        <p:nvPr/>
-      </p:nvGrpSpPr>
-      <p:grpSpPr>
-        <a:xfrm>
-          <a:off x="0" y="0"/>
-          <a:ext cx="0" cy="0"/>
-          <a:chOff x="0" y="0"/>
-          <a:chExt cx="0" cy="0"/>
-        </a:xfrm>
-      </p:grpSpPr>
-      <p:sp>
-        <p:nvSpPr>
-          <p:cNvPr id="2" name="Slide Image Placeholder 1"/>
-          <p:cNvSpPr>
-            <a:spLocks noGrp="1" noRot="1" noChangeAspect="1"/>
-          </p:cNvSpPr>
-          <p:nvPr>
-            <p:ph type="sldImg"/>
-          </p:nvPr>
-        </p:nvSpPr>
-        <p:spPr/>
-      </p:sp>
-      <p:sp>
-        <p:nvSpPr>
-          <p:cNvPr id="3" name="Notes Placeholder 2"/>
-          <p:cNvSpPr>
-            <a:spLocks noGrp="1"/>
-          </p:cNvSpPr>
-          <p:nvPr>
-            <p:ph type="body" idx="1"/>
-          </p:nvPr>
-        </p:nvSpPr>
-        <p:spPr/>
-        <p:txBody>
-          <a:bodyPr/>
-          <a:lstStyle/>
-          <a:p>
-            <a:endParaRPr lang="en-US" dirty="0"/>
-          </a:p>
-        </p:txBody>
-      </p:sp>
-      <p:sp>
-        <p:nvSpPr>
-          <p:cNvPr id="4" name="Slide Number Placeholder 3"/>
-          <p:cNvSpPr>
-            <a:spLocks noGrp="1"/>
-          </p:cNvSpPr>
-          <p:nvPr>
-            <p:ph type="sldNum" sz="quarter" idx="10"/>
-          </p:nvPr>
-        </p:nvSpPr>
-        <p:spPr/>
-        <p:txBody>
-          <a:bodyPr/>
-          <a:lstStyle/>
-          <a:p>
-            <a:fld id="{F7021451-1387-4CA6-816F-3879F97B5CBC}" type="slidenum">
-              <a:rPr lang="en-US"/>
-              <a:t>15</a:t>
             </a:fld>
             <a:endParaRPr lang="en-US"/>
           </a:p>
@@ -865,7 +777,7 @@
           <a:bodyPr/>
           <a:lstStyle/>
           <a:p>
-            <a:endParaRPr lang="en-US" dirty="0"/>
+            <a:endParaRPr lang="en-US"/>
           </a:p>
         </p:txBody>
       </p:sp>
@@ -949,7 +861,7 @@
           <a:bodyPr/>
           <a:lstStyle/>
           <a:p>
-            <a:endParaRPr lang="en-US" dirty="0"/>
+            <a:endParaRPr lang="en-US"/>
           </a:p>
         </p:txBody>
       </p:sp>
@@ -1033,7 +945,7 @@
           <a:bodyPr/>
           <a:lstStyle/>
           <a:p>
-            <a:endParaRPr lang="en-US" dirty="0"/>
+            <a:endParaRPr lang="en-US"/>
           </a:p>
         </p:txBody>
       </p:sp>
@@ -1117,7 +1029,7 @@
           <a:bodyPr/>
           <a:lstStyle/>
           <a:p>
-            <a:endParaRPr lang="en-US" dirty="0"/>
+            <a:endParaRPr lang="en-US"/>
           </a:p>
         </p:txBody>
       </p:sp>
@@ -1201,7 +1113,7 @@
           <a:bodyPr/>
           <a:lstStyle/>
           <a:p>
-            <a:endParaRPr lang="en-US" dirty="0"/>
+            <a:endParaRPr lang="en-US"/>
           </a:p>
         </p:txBody>
       </p:sp>
@@ -1285,7 +1197,7 @@
           <a:bodyPr/>
           <a:lstStyle/>
           <a:p>
-            <a:endParaRPr lang="en-US" dirty="0"/>
+            <a:endParaRPr lang="en-US"/>
           </a:p>
         </p:txBody>
       </p:sp>
@@ -1315,7 +1227,7 @@
     </p:spTree>
     <p:extLst>
       <p:ext uri="{BB962C8B-B14F-4D97-AF65-F5344CB8AC3E}">
-        <p14:creationId xmlns:p14="http://schemas.microsoft.com/office/powerpoint/2010/main" val="722058391"/>
+        <p14:creationId xmlns:p14="http://schemas.microsoft.com/office/powerpoint/2010/main" val="1024086991"/>
       </p:ext>
     </p:extLst>
   </p:cSld>
@@ -1369,7 +1281,7 @@
           <a:bodyPr/>
           <a:lstStyle/>
           <a:p>
-            <a:endParaRPr lang="en-US" dirty="0"/>
+            <a:endParaRPr lang="en-US"/>
           </a:p>
         </p:txBody>
       </p:sp>
@@ -1390,7 +1302,7 @@
           <a:p>
             <a:fld id="{F7021451-1387-4CA6-816F-3879F97B5CBC}" type="slidenum">
               <a:rPr lang="en-US"/>
-              <a:t>10</a:t>
+              <a:t>11</a:t>
             </a:fld>
             <a:endParaRPr lang="en-US"/>
           </a:p>
@@ -1453,7 +1365,7 @@
           <a:bodyPr/>
           <a:lstStyle/>
           <a:p>
-            <a:endParaRPr lang="en-US" dirty="0"/>
+            <a:endParaRPr lang="en-US"/>
           </a:p>
         </p:txBody>
       </p:sp>
@@ -1845,18 +1757,143 @@
           <a:lstStyle/>
           <a:p>
             <a:pPr marL="0" indent="0">
-              <a:lnSpc>
-                <a:spcPts val="5336"/>
-              </a:lnSpc>
               <a:buNone/>
             </a:pPr>
             <a:r>
-              <a:rPr lang="en-US" sz="4250" b="1" dirty="0">
+              <a:rPr lang="en-US" sz="4250" b="1" dirty="0" err="1">
                 <a:latin typeface="Century Gothic"/>
                 <a:ea typeface="Raleway" pitchFamily="34" charset="-122"/>
                 <a:cs typeface="Raleway" pitchFamily="34" charset="-120"/>
               </a:rPr>
-              <a:t>Мобильное приложение для расчета себестоимости и конечной стоимости кондитерских изделий</a:t>
+              <a:t>Мобильное</a:t>
+            </a:r>
+            <a:r>
+              <a:rPr lang="en-US" sz="4250" b="1" dirty="0">
+                <a:latin typeface="Century Gothic"/>
+                <a:ea typeface="Raleway" pitchFamily="34" charset="-122"/>
+                <a:cs typeface="Raleway" pitchFamily="34" charset="-120"/>
+              </a:rPr>
+              <a:t> </a:t>
+            </a:r>
+            <a:r>
+              <a:rPr lang="en-US" sz="4250" b="1" dirty="0" err="1">
+                <a:latin typeface="Century Gothic"/>
+                <a:ea typeface="Raleway" pitchFamily="34" charset="-122"/>
+                <a:cs typeface="Raleway" pitchFamily="34" charset="-120"/>
+              </a:rPr>
+              <a:t>приложение</a:t>
+            </a:r>
+            <a:r>
+              <a:rPr lang="en-US" sz="4250" b="1" dirty="0">
+                <a:latin typeface="Century Gothic"/>
+                <a:ea typeface="Raleway" pitchFamily="34" charset="-122"/>
+                <a:cs typeface="Raleway" pitchFamily="34" charset="-120"/>
+              </a:rPr>
+              <a:t> </a:t>
+            </a:r>
+            <a:r>
+              <a:rPr lang="en-US" sz="4250" b="1" dirty="0" err="1">
+                <a:latin typeface="Century Gothic"/>
+                <a:ea typeface="Raleway" pitchFamily="34" charset="-122"/>
+                <a:cs typeface="Raleway" pitchFamily="34" charset="-120"/>
+              </a:rPr>
+              <a:t>для</a:t>
+            </a:r>
+            <a:r>
+              <a:rPr lang="en-US" sz="4250" b="1" dirty="0">
+                <a:latin typeface="Century Gothic"/>
+                <a:ea typeface="Raleway" pitchFamily="34" charset="-122"/>
+                <a:cs typeface="Raleway" pitchFamily="34" charset="-120"/>
+              </a:rPr>
+              <a:t> </a:t>
+            </a:r>
+            <a:r>
+              <a:rPr lang="en-US" sz="4250" b="1" dirty="0" err="1">
+                <a:latin typeface="Century Gothic"/>
+                <a:ea typeface="Raleway" pitchFamily="34" charset="-122"/>
+                <a:cs typeface="Raleway" pitchFamily="34" charset="-120"/>
+              </a:rPr>
+              <a:t>расчета</a:t>
+            </a:r>
+            <a:r>
+              <a:rPr lang="en-US" sz="4250" b="1" dirty="0">
+                <a:latin typeface="Century Gothic"/>
+                <a:ea typeface="Raleway" pitchFamily="34" charset="-122"/>
+                <a:cs typeface="Raleway" pitchFamily="34" charset="-120"/>
+              </a:rPr>
+              <a:t> </a:t>
+            </a:r>
+            <a:r>
+              <a:rPr lang="en-US" sz="4250" b="1" dirty="0" err="1">
+                <a:latin typeface="Century Gothic"/>
+                <a:ea typeface="Raleway" pitchFamily="34" charset="-122"/>
+                <a:cs typeface="Raleway" pitchFamily="34" charset="-120"/>
+              </a:rPr>
+              <a:t>себестоимости</a:t>
+            </a:r>
+            <a:r>
+              <a:rPr lang="en-US" sz="4250" b="1" dirty="0">
+                <a:latin typeface="Century Gothic"/>
+                <a:ea typeface="Raleway" pitchFamily="34" charset="-122"/>
+                <a:cs typeface="Raleway" pitchFamily="34" charset="-120"/>
+              </a:rPr>
+              <a:t> и </a:t>
+            </a:r>
+            <a:r>
+              <a:rPr lang="en-US" sz="4250" b="1" dirty="0" err="1">
+                <a:latin typeface="Century Gothic"/>
+                <a:ea typeface="Raleway" pitchFamily="34" charset="-122"/>
+                <a:cs typeface="Raleway" pitchFamily="34" charset="-120"/>
+              </a:rPr>
+              <a:t>конечной</a:t>
+            </a:r>
+            <a:r>
+              <a:rPr lang="en-US" sz="4250" b="1" dirty="0">
+                <a:latin typeface="Century Gothic"/>
+                <a:ea typeface="Raleway" pitchFamily="34" charset="-122"/>
+                <a:cs typeface="Raleway" pitchFamily="34" charset="-120"/>
+              </a:rPr>
+              <a:t> </a:t>
+            </a:r>
+            <a:r>
+              <a:rPr lang="en-US" sz="4250" b="1" dirty="0" err="1">
+                <a:latin typeface="Century Gothic"/>
+                <a:ea typeface="Raleway" pitchFamily="34" charset="-122"/>
+                <a:cs typeface="Raleway" pitchFamily="34" charset="-120"/>
+              </a:rPr>
+              <a:t>стоимости</a:t>
+            </a:r>
+            <a:r>
+              <a:rPr lang="en-US" sz="4250" b="1" dirty="0">
+                <a:latin typeface="Century Gothic"/>
+                <a:ea typeface="Raleway" pitchFamily="34" charset="-122"/>
+                <a:cs typeface="Raleway" pitchFamily="34" charset="-120"/>
+              </a:rPr>
+              <a:t> </a:t>
+            </a:r>
+            <a:r>
+              <a:rPr lang="en-US" sz="4250" b="1" dirty="0" err="1">
+                <a:latin typeface="Century Gothic"/>
+                <a:ea typeface="Raleway" pitchFamily="34" charset="-122"/>
+                <a:cs typeface="Raleway" pitchFamily="34" charset="-120"/>
+              </a:rPr>
+              <a:t>кондитерских</a:t>
+            </a:r>
+            <a:r>
+              <a:rPr lang="en-US" sz="4250" b="1" dirty="0">
+                <a:latin typeface="Century Gothic"/>
+                <a:ea typeface="Raleway" pitchFamily="34" charset="-122"/>
+                <a:cs typeface="Raleway" pitchFamily="34" charset="-120"/>
+              </a:rPr>
+              <a:t> </a:t>
+            </a:r>
+            <a:r>
+              <a:rPr lang="en-US" sz="4250" b="1" dirty="0" err="1">
+                <a:latin typeface="Century Gothic"/>
+                <a:ea typeface="Raleway" pitchFamily="34" charset="-122"/>
+                <a:cs typeface="Raleway" pitchFamily="34" charset="-120"/>
+              </a:rPr>
+              <a:t>изделий</a:t>
             </a:r>
             <a:endParaRPr lang="en-US" sz="4250" dirty="0">
               <a:latin typeface="Century Gothic"/>
@@ -2001,12 +2038,30 @@
               </a:lnSpc>
             </a:pPr>
             <a:r>
+              <a:rPr lang="en-US" sz="2400" b="1" dirty="0" err="1">
+                <a:latin typeface="Century Gothic"/>
+                <a:cs typeface="Arial"/>
+              </a:rPr>
+              <a:t>Елисеев</a:t>
+            </a:r>
+            <a:r>
               <a:rPr lang="en-US" sz="2400" b="1" dirty="0">
                 <a:latin typeface="Century Gothic"/>
                 <a:cs typeface="Arial"/>
               </a:rPr>
-              <a:t>Елисеев Александр</a:t>
-            </a:r>
+              <a:t> </a:t>
+            </a:r>
+            <a:r>
+              <a:rPr lang="en-US" sz="2400" b="1" dirty="0" err="1">
+                <a:latin typeface="Century Gothic"/>
+                <a:cs typeface="Arial"/>
+              </a:rPr>
+              <a:t>Александр</a:t>
+            </a:r>
+            <a:endParaRPr lang="en-US" sz="2400" b="1" dirty="0">
+              <a:latin typeface="Century Gothic"/>
+              <a:cs typeface="Arial"/>
+            </a:endParaRPr>
           </a:p>
           <a:p>
             <a:pPr>
@@ -2015,12 +2070,30 @@
               </a:lnSpc>
             </a:pPr>
             <a:r>
+              <a:rPr lang="en-US" sz="2400" b="1" dirty="0" err="1">
+                <a:latin typeface="Century Gothic"/>
+                <a:cs typeface="Arial"/>
+              </a:rPr>
+              <a:t>Галимов</a:t>
+            </a:r>
+            <a:r>
               <a:rPr lang="en-US" sz="2400" b="1" dirty="0">
                 <a:latin typeface="Century Gothic"/>
                 <a:cs typeface="Arial"/>
               </a:rPr>
-              <a:t>Галимов Александр</a:t>
-            </a:r>
+              <a:t> </a:t>
+            </a:r>
+            <a:r>
+              <a:rPr lang="en-US" sz="2400" b="1" dirty="0" err="1">
+                <a:latin typeface="Century Gothic"/>
+                <a:cs typeface="Arial"/>
+              </a:rPr>
+              <a:t>Александр</a:t>
+            </a:r>
+            <a:endParaRPr lang="en-US" sz="2400" b="1" dirty="0">
+              <a:latin typeface="Century Gothic"/>
+              <a:cs typeface="Arial"/>
+            </a:endParaRPr>
           </a:p>
           <a:p>
             <a:pPr>
@@ -2029,13 +2102,27 @@
               </a:lnSpc>
             </a:pPr>
             <a:r>
+              <a:rPr lang="en-US" sz="2400" b="1" dirty="0" err="1">
+                <a:latin typeface="Century Gothic"/>
+                <a:cs typeface="Arial"/>
+              </a:rPr>
+              <a:t>Скарга</a:t>
+            </a:r>
+            <a:r>
               <a:rPr lang="en-US" sz="2400" b="1" dirty="0">
                 <a:latin typeface="Century Gothic"/>
                 <a:cs typeface="Arial"/>
               </a:rPr>
-              <a:t>Скарга Дмитрий</a:t>
-            </a:r>
-            <a:endParaRPr lang="en-US" sz="2400" b="1">
+              <a:t> </a:t>
+            </a:r>
+            <a:r>
+              <a:rPr lang="en-US" sz="2400" b="1" dirty="0" err="1">
+                <a:latin typeface="Century Gothic"/>
+                <a:cs typeface="Arial"/>
+              </a:rPr>
+              <a:t>Дмитрий</a:t>
+            </a:r>
+            <a:endParaRPr lang="en-US" sz="2400" b="1" dirty="0">
               <a:latin typeface="Century Gothic"/>
               <a:cs typeface="Arial"/>
             </a:endParaRPr>
@@ -2051,216 +2138,6 @@
 </file>
 
 <file path=ppt/slides/slide10.xml><?xml version="1.0" encoding="utf-8"?>
-<p:sld xmlns:a="http://schemas.openxmlformats.org/drawingml/2006/main" xmlns:r="http://schemas.openxmlformats.org/officeDocument/2006/relationships" xmlns:p="http://schemas.openxmlformats.org/presentationml/2006/main">
-  <p:cSld name="Slide 7">
-    <p:spTree>
-      <p:nvGrpSpPr>
-        <p:cNvPr id="1" name=""/>
-        <p:cNvGrpSpPr/>
-        <p:nvPr/>
-      </p:nvGrpSpPr>
-      <p:grpSpPr>
-        <a:xfrm>
-          <a:off x="0" y="0"/>
-          <a:ext cx="0" cy="0"/>
-          <a:chOff x="0" y="0"/>
-          <a:chExt cx="0" cy="0"/>
-        </a:xfrm>
-      </p:grpSpPr>
-      <p:sp>
-        <p:nvSpPr>
-          <p:cNvPr id="5" name="Text 2"/>
-          <p:cNvSpPr/>
-          <p:nvPr/>
-        </p:nvSpPr>
-        <p:spPr>
-          <a:xfrm>
-            <a:off x="833199" y="1699022"/>
-            <a:ext cx="7525607" cy="694373"/>
-          </a:xfrm>
-          <a:prstGeom prst="rect">
-            <a:avLst/>
-          </a:prstGeom>
-          <a:noFill/>
-          <a:ln/>
-        </p:spPr>
-        <p:txBody>
-          <a:bodyPr wrap="none" lIns="91440" tIns="45720" rIns="91440" bIns="45720" rtlCol="0" anchor="t"/>
-          <a:lstStyle/>
-          <a:p>
-            <a:pPr marL="0" indent="0">
-              <a:lnSpc>
-                <a:spcPts val="5468"/>
-              </a:lnSpc>
-              <a:buNone/>
-            </a:pPr>
-            <a:r>
-              <a:rPr lang="en-US" sz="4400" b="1" dirty="0">
-                <a:latin typeface="Century Gothic"/>
-                <a:ea typeface="Raleway" pitchFamily="34" charset="-122"/>
-                <a:cs typeface="Raleway" pitchFamily="34" charset="-120"/>
-              </a:rPr>
-              <a:t>Демонстрация продукта</a:t>
-            </a:r>
-            <a:endParaRPr lang="en-US" sz="4400">
-              <a:latin typeface="Century Gothic"/>
-            </a:endParaRPr>
-          </a:p>
-        </p:txBody>
-      </p:sp>
-      <p:sp>
-        <p:nvSpPr>
-          <p:cNvPr id="10" name="Text 3">
-            <a:extLst>
-              <a:ext uri="{FF2B5EF4-FFF2-40B4-BE49-F238E27FC236}">
-                <a16:creationId xmlns:a16="http://schemas.microsoft.com/office/drawing/2014/main" id="{88BC1C06-F463-DA54-DD3E-5BC87A4A3F61}"/>
-              </a:ext>
-            </a:extLst>
-          </p:cNvPr>
-          <p:cNvSpPr/>
-          <p:nvPr/>
-        </p:nvSpPr>
-        <p:spPr>
-          <a:xfrm>
-            <a:off x="833199" y="2940962"/>
-            <a:ext cx="6820376" cy="1848446"/>
-          </a:xfrm>
-          <a:prstGeom prst="rect">
-            <a:avLst/>
-          </a:prstGeom>
-          <a:noFill/>
-          <a:ln/>
-        </p:spPr>
-        <p:txBody>
-          <a:bodyPr wrap="square" lIns="91440" tIns="45720" rIns="91440" bIns="45720" rtlCol="0" anchor="t"/>
-          <a:lstStyle/>
-          <a:p>
-            <a:pPr>
-              <a:lnSpc>
-                <a:spcPct val="150000"/>
-              </a:lnSpc>
-            </a:pPr>
-            <a:r>
-              <a:rPr lang="en-US" sz="3200" dirty="0" err="1">
-                <a:latin typeface="Century Gothic"/>
-                <a:ea typeface="Source Serif Pro"/>
-              </a:rPr>
-              <a:t>Управляй</a:t>
-            </a:r>
-            <a:r>
-              <a:rPr lang="en-US" sz="3200" dirty="0">
-                <a:latin typeface="Century Gothic"/>
-                <a:ea typeface="Source Serif Pro"/>
-              </a:rPr>
-              <a:t> </a:t>
-            </a:r>
-            <a:r>
-              <a:rPr lang="en-US" sz="3200" dirty="0" err="1">
-                <a:latin typeface="Century Gothic"/>
-                <a:ea typeface="Source Serif Pro"/>
-              </a:rPr>
-              <a:t>заказами</a:t>
-            </a:r>
-            <a:r>
-              <a:rPr lang="en-US" sz="3200" dirty="0">
-                <a:latin typeface="Century Gothic"/>
-                <a:ea typeface="Source Serif Pro"/>
-              </a:rPr>
-              <a:t>!</a:t>
-            </a:r>
-            <a:endParaRPr lang="ru-RU" dirty="0"/>
-          </a:p>
-        </p:txBody>
-      </p:sp>
-      <p:pic>
-        <p:nvPicPr>
-          <p:cNvPr id="12" name="Рисунок 11" descr="Изображение выглядит как текст, десерт, пирог, еда&#10;&#10;Автоматически созданное описание">
-            <a:extLst>
-              <a:ext uri="{FF2B5EF4-FFF2-40B4-BE49-F238E27FC236}">
-                <a16:creationId xmlns:a16="http://schemas.microsoft.com/office/drawing/2014/main" id="{9988B69E-710D-C8FB-E215-34FEB38C3F06}"/>
-              </a:ext>
-            </a:extLst>
-          </p:cNvPr>
-          <p:cNvPicPr>
-            <a:picLocks noChangeAspect="1"/>
-          </p:cNvPicPr>
-          <p:nvPr/>
-        </p:nvPicPr>
-        <p:blipFill rotWithShape="1">
-          <a:blip r:embed="rId3"/>
-          <a:srcRect t="3626" b="5926"/>
-          <a:stretch/>
-        </p:blipFill>
-        <p:spPr>
-          <a:xfrm>
-            <a:off x="9135325" y="2248"/>
-            <a:ext cx="4205302" cy="8221262"/>
-          </a:xfrm>
-          <a:prstGeom prst="rect">
-            <a:avLst/>
-          </a:prstGeom>
-        </p:spPr>
-      </p:pic>
-      <p:sp>
-        <p:nvSpPr>
-          <p:cNvPr id="4" name="TextBox 3">
-            <a:extLst>
-              <a:ext uri="{FF2B5EF4-FFF2-40B4-BE49-F238E27FC236}">
-                <a16:creationId xmlns:a16="http://schemas.microsoft.com/office/drawing/2014/main" id="{B31D0699-A9C8-D696-2CF3-9D44B9585681}"/>
-              </a:ext>
-            </a:extLst>
-          </p:cNvPr>
-          <p:cNvSpPr txBox="1"/>
-          <p:nvPr/>
-        </p:nvSpPr>
-        <p:spPr>
-          <a:xfrm>
-            <a:off x="14115288" y="7821168"/>
-            <a:ext cx="512064" cy="400110"/>
-          </a:xfrm>
-          <a:prstGeom prst="rect">
-            <a:avLst/>
-          </a:prstGeom>
-          <a:noFill/>
-        </p:spPr>
-        <p:txBody>
-          <a:bodyPr rot="0" spcFirstLastPara="0" vertOverflow="overflow" horzOverflow="overflow" vert="horz" wrap="square" lIns="91440" tIns="45720" rIns="91440" bIns="45720" numCol="1" spcCol="0" rtlCol="0" fromWordArt="0" anchor="t" anchorCtr="0" forceAA="0" compatLnSpc="1">
-            <a:prstTxWarp prst="textNoShape">
-              <a:avLst/>
-            </a:prstTxWarp>
-            <a:spAutoFit/>
-          </a:bodyPr>
-          <a:lstStyle/>
-          <a:p>
-            <a:pPr algn="l"/>
-            <a:r>
-              <a:rPr lang="ru-RU" sz="2000" b="1" dirty="0">
-                <a:solidFill>
-                  <a:srgbClr val="745716"/>
-                </a:solidFill>
-                <a:latin typeface="Century Gothic"/>
-                <a:cs typeface="Calibri"/>
-              </a:rPr>
-              <a:t>10</a:t>
-            </a:r>
-            <a:endParaRPr lang="ru-RU" sz="2000" b="1" dirty="0">
-              <a:solidFill>
-                <a:srgbClr val="745716"/>
-              </a:solidFill>
-              <a:latin typeface="Century Gothic"/>
-            </a:endParaRPr>
-          </a:p>
-        </p:txBody>
-      </p:sp>
-    </p:spTree>
-  </p:cSld>
-  <p:clrMapOvr>
-    <a:masterClrMapping/>
-  </p:clrMapOvr>
-</p:sld>
-</file>
-
-<file path=ppt/slides/slide11.xml><?xml version="1.0" encoding="utf-8"?>
 <p:sld xmlns:a="http://schemas.openxmlformats.org/drawingml/2006/main" xmlns:r="http://schemas.openxmlformats.org/officeDocument/2006/relationships" xmlns:p="http://schemas.openxmlformats.org/presentationml/2006/main">
   <p:cSld>
     <p:spTree>
@@ -2311,14 +2188,30 @@
               <a:buNone/>
             </a:pPr>
             <a:r>
-              <a:rPr lang="en-US" sz="4400" b="1" dirty="0">
+              <a:rPr lang="en-US" sz="4400" b="1" dirty="0" err="1">
                 <a:latin typeface="Century Gothic"/>
                 <a:ea typeface="Raleway" pitchFamily="34" charset="-122"/>
                 <a:cs typeface="Raleway" pitchFamily="34" charset="-120"/>
               </a:rPr>
-              <a:t>Демонстрация продукта</a:t>
-            </a:r>
-            <a:endParaRPr lang="en-US" sz="4400">
+              <a:t>Демонстрация</a:t>
+            </a:r>
+            <a:r>
+              <a:rPr lang="en-US" sz="4400" b="1" dirty="0">
+                <a:latin typeface="Century Gothic"/>
+                <a:ea typeface="Raleway" pitchFamily="34" charset="-122"/>
+                <a:cs typeface="Raleway" pitchFamily="34" charset="-120"/>
+              </a:rPr>
+              <a:t> </a:t>
+            </a:r>
+            <a:r>
+              <a:rPr lang="en-US" sz="4400" b="1" dirty="0" err="1">
+                <a:latin typeface="Century Gothic"/>
+                <a:ea typeface="Raleway" pitchFamily="34" charset="-122"/>
+                <a:cs typeface="Raleway" pitchFamily="34" charset="-120"/>
+              </a:rPr>
+              <a:t>продукта</a:t>
+            </a:r>
+            <a:endParaRPr lang="en-US" sz="4400" dirty="0">
               <a:latin typeface="Century Gothic"/>
             </a:endParaRPr>
           </a:p>
@@ -2339,7 +2232,7 @@
         <p:spPr>
           <a:xfrm>
             <a:off x="833199" y="2940962"/>
-            <a:ext cx="6820376" cy="1848446"/>
+            <a:ext cx="7291863" cy="1848446"/>
           </a:xfrm>
           <a:prstGeom prst="rect">
             <a:avLst/>
@@ -2351,13 +2244,13 @@
           <a:bodyPr wrap="square" lIns="91440" tIns="45720" rIns="91440" bIns="45720" rtlCol="0" anchor="t"/>
           <a:lstStyle/>
           <a:p>
-            <a:pPr>
+            <a:pPr algn="ctr">
               <a:lnSpc>
                 <a:spcPct val="150000"/>
               </a:lnSpc>
             </a:pPr>
             <a:r>
-              <a:rPr lang="en-US" sz="3200" err="1">
+              <a:rPr lang="en-US" sz="3200" dirty="0" err="1">
                 <a:latin typeface="Century Gothic"/>
                 <a:ea typeface="Source Serif Pro"/>
               </a:rPr>
@@ -2371,7 +2264,7 @@
               <a:t> </a:t>
             </a:r>
             <a:r>
-              <a:rPr lang="en-US" sz="3200" err="1">
+              <a:rPr lang="en-US" sz="3200" dirty="0" err="1">
                 <a:latin typeface="Century Gothic"/>
                 <a:ea typeface="Source Serif Pro"/>
               </a:rPr>
@@ -2385,7 +2278,7 @@
               <a:t> </a:t>
             </a:r>
             <a:r>
-              <a:rPr lang="en-US" sz="3200" err="1">
+              <a:rPr lang="en-US" sz="3200" dirty="0" err="1">
                 <a:latin typeface="Century Gothic"/>
                 <a:ea typeface="Source Serif Pro"/>
               </a:rPr>
@@ -2398,39 +2291,12 @@
               </a:rPr>
               <a:t>!</a:t>
             </a:r>
-            <a:endParaRPr lang="ru-RU"/>
-          </a:p>
-        </p:txBody>
-      </p:sp>
-      <p:pic>
-        <p:nvPicPr>
-          <p:cNvPr id="20" name="Рисунок 19" descr="Изображение выглядит как текст, снимок экрана, Шрифт, диаграмма&#10;&#10;Автоматически созданное описание">
-            <a:extLst>
-              <a:ext uri="{FF2B5EF4-FFF2-40B4-BE49-F238E27FC236}">
-                <a16:creationId xmlns:a16="http://schemas.microsoft.com/office/drawing/2014/main" id="{11D967E4-D797-33AF-B398-A06A7641AC9F}"/>
-              </a:ext>
-            </a:extLst>
-          </p:cNvPr>
-          <p:cNvPicPr>
-            <a:picLocks noChangeAspect="1"/>
-          </p:cNvPicPr>
-          <p:nvPr/>
-        </p:nvPicPr>
-        <p:blipFill rotWithShape="1">
-          <a:blip r:embed="rId2"/>
-          <a:srcRect t="4233" b="5291"/>
-          <a:stretch/>
-        </p:blipFill>
-        <p:spPr>
-          <a:xfrm>
-            <a:off x="9131189" y="1"/>
-            <a:ext cx="4199205" cy="8229597"/>
-          </a:xfrm>
-          <a:prstGeom prst="rect">
-            <a:avLst/>
-          </a:prstGeom>
-        </p:spPr>
-      </p:pic>
+            <a:endParaRPr lang="ru-RU" dirty="0">
+              <a:cs typeface="Calibri" panose="020F0502020204030204"/>
+            </a:endParaRPr>
+          </a:p>
+        </p:txBody>
+      </p:sp>
       <p:sp>
         <p:nvSpPr>
           <p:cNvPr id="3" name="TextBox 2">
@@ -2471,7 +2337,7 @@
                 <a:latin typeface="Century Gothic"/>
                 <a:cs typeface="Calibri"/>
               </a:rPr>
-              <a:t>11</a:t>
+              <a:t>10</a:t>
             </a:r>
             <a:endParaRPr lang="ru-RU" sz="2000" b="1" dirty="0">
               <a:solidFill>
@@ -2482,6 +2348,35 @@
           </a:p>
         </p:txBody>
       </p:sp>
+      <p:pic>
+        <p:nvPicPr>
+          <p:cNvPr id="4" name="Рисунок 3">
+            <a:extLst>
+              <a:ext uri="{FF2B5EF4-FFF2-40B4-BE49-F238E27FC236}">
+                <a16:creationId xmlns:a16="http://schemas.microsoft.com/office/drawing/2014/main" id="{B4878931-5596-41B8-A4C3-A1547DA64814}"/>
+              </a:ext>
+            </a:extLst>
+          </p:cNvPr>
+          <p:cNvPicPr>
+            <a:picLocks noChangeAspect="1"/>
+          </p:cNvPicPr>
+          <p:nvPr/>
+        </p:nvPicPr>
+        <p:blipFill rotWithShape="1">
+          <a:blip r:embed="rId2"/>
+          <a:srcRect t="3679" b="4963"/>
+          <a:stretch/>
+        </p:blipFill>
+        <p:spPr>
+          <a:xfrm>
+            <a:off x="9120354" y="0"/>
+            <a:ext cx="4212588" cy="8247355"/>
+          </a:xfrm>
+          <a:prstGeom prst="rect">
+            <a:avLst/>
+          </a:prstGeom>
+        </p:spPr>
+      </p:pic>
     </p:spTree>
     <p:extLst>
       <p:ext uri="{BB962C8B-B14F-4D97-AF65-F5344CB8AC3E}">
@@ -2495,7 +2390,7 @@
 </p:sld>
 </file>
 
-<file path=ppt/slides/slide12.xml><?xml version="1.0" encoding="utf-8"?>
+<file path=ppt/slides/slide11.xml><?xml version="1.0" encoding="utf-8"?>
 <p:sld xmlns:a="http://schemas.openxmlformats.org/drawingml/2006/main" xmlns:r="http://schemas.openxmlformats.org/officeDocument/2006/relationships" xmlns:p="http://schemas.openxmlformats.org/presentationml/2006/main">
   <p:cSld name="Slide 8">
     <p:spTree>
@@ -2520,8 +2415,8 @@
         </p:nvSpPr>
         <p:spPr>
           <a:xfrm>
-            <a:off x="2058472" y="2869049"/>
-            <a:ext cx="3702606" cy="1244799"/>
+            <a:off x="2058472" y="2226112"/>
+            <a:ext cx="4474131" cy="2444949"/>
           </a:xfrm>
           <a:prstGeom prst="rect">
             <a:avLst/>
@@ -2533,103 +2428,99 @@
           <a:bodyPr wrap="square" lIns="91440" tIns="45720" rIns="91440" bIns="45720" rtlCol="0" anchor="t"/>
           <a:lstStyle/>
           <a:p>
-            <a:pPr>
-              <a:lnSpc>
-                <a:spcPts val="2799"/>
-              </a:lnSpc>
-            </a:pPr>
-            <a:r>
-              <a:rPr lang="en-US" sz="2400" err="1">
+            <a:pPr algn="ctr"/>
+            <a:r>
+              <a:rPr lang="en-US" sz="3200" dirty="0" err="1">
                 <a:latin typeface="Century Gothic"/>
                 <a:ea typeface="Source Serif Pro"/>
               </a:rPr>
               <a:t>Бесплатная</a:t>
             </a:r>
             <a:r>
-              <a:rPr lang="en-US" sz="2400" dirty="0">
+              <a:rPr lang="en-US" sz="3200" dirty="0">
                 <a:latin typeface="Century Gothic"/>
                 <a:ea typeface="Source Serif Pro"/>
               </a:rPr>
               <a:t> </a:t>
             </a:r>
             <a:r>
-              <a:rPr lang="en-US" sz="2400" err="1">
+              <a:rPr lang="en-US" sz="3200" dirty="0" err="1">
                 <a:latin typeface="Century Gothic"/>
                 <a:ea typeface="Source Serif Pro"/>
               </a:rPr>
               <a:t>версия</a:t>
             </a:r>
             <a:r>
-              <a:rPr lang="en-US" sz="2400" dirty="0">
+              <a:rPr lang="en-US" sz="3200" dirty="0">
                 <a:latin typeface="Century Gothic"/>
                 <a:ea typeface="Source Serif Pro"/>
               </a:rPr>
               <a:t> </a:t>
             </a:r>
             <a:r>
-              <a:rPr lang="en-US" sz="2400" err="1">
+              <a:rPr lang="en-US" sz="3200" dirty="0" err="1">
                 <a:latin typeface="Century Gothic"/>
                 <a:ea typeface="Source Serif Pro"/>
               </a:rPr>
               <a:t>приложения</a:t>
             </a:r>
             <a:r>
-              <a:rPr lang="en-US" sz="2400" dirty="0">
+              <a:rPr lang="en-US" sz="3200" dirty="0">
                 <a:latin typeface="Century Gothic"/>
                 <a:ea typeface="Source Serif Pro"/>
               </a:rPr>
               <a:t> </a:t>
             </a:r>
             <a:r>
-              <a:rPr lang="en-US" sz="2400" err="1">
+              <a:rPr lang="en-US" sz="3200" dirty="0" err="1">
                 <a:latin typeface="Century Gothic"/>
                 <a:ea typeface="Source Serif Pro"/>
               </a:rPr>
               <a:t>подходит</a:t>
             </a:r>
             <a:r>
-              <a:rPr lang="en-US" sz="2400" dirty="0">
+              <a:rPr lang="en-US" sz="3200" dirty="0">
                 <a:latin typeface="Century Gothic"/>
                 <a:ea typeface="Source Serif Pro"/>
               </a:rPr>
               <a:t> </a:t>
             </a:r>
             <a:r>
-              <a:rPr lang="en-US" sz="2400" err="1">
+              <a:rPr lang="en-US" sz="3200" dirty="0" err="1">
                 <a:latin typeface="Century Gothic"/>
                 <a:ea typeface="Source Serif Pro"/>
               </a:rPr>
               <a:t>для</a:t>
             </a:r>
             <a:r>
-              <a:rPr lang="en-US" sz="2400" dirty="0">
+              <a:rPr lang="en-US" sz="3200" dirty="0">
                 <a:latin typeface="Century Gothic"/>
                 <a:ea typeface="Source Serif Pro"/>
               </a:rPr>
               <a:t> </a:t>
             </a:r>
             <a:r>
-              <a:rPr lang="en-US" sz="2400" err="1">
+              <a:rPr lang="en-US" sz="3200" dirty="0" err="1">
                 <a:latin typeface="Century Gothic"/>
                 <a:ea typeface="Source Serif Pro"/>
               </a:rPr>
               <a:t>домашних</a:t>
             </a:r>
             <a:r>
-              <a:rPr lang="en-US" sz="2400" dirty="0">
+              <a:rPr lang="en-US" sz="3200" dirty="0">
                 <a:latin typeface="Century Gothic"/>
                 <a:ea typeface="Source Serif Pro"/>
               </a:rPr>
               <a:t> </a:t>
             </a:r>
             <a:r>
-              <a:rPr lang="en-US" sz="2400" err="1">
+              <a:rPr lang="en-US" sz="3200" dirty="0" err="1">
                 <a:latin typeface="Century Gothic"/>
                 <a:ea typeface="Source Serif Pro"/>
               </a:rPr>
               <a:t>кондитеров</a:t>
             </a:r>
-            <a:endParaRPr lang="en-US" sz="1750" dirty="0">
+            <a:endParaRPr lang="en-US" sz="3200" dirty="0">
               <a:latin typeface="Century Gothic"/>
               <a:ea typeface="Source Serif Pro"/>
             </a:endParaRPr>
@@ -2669,7 +2560,7 @@
               </a:lnSpc>
             </a:pPr>
             <a:r>
-              <a:rPr lang="en-US" sz="4400" b="1" err="1">
+              <a:rPr lang="en-US" sz="4400" b="1" dirty="0" err="1">
                 <a:latin typeface="Century Gothic"/>
               </a:rPr>
               <a:t>Бизнес</a:t>
@@ -2681,12 +2572,12 @@
               <a:t> </a:t>
             </a:r>
             <a:r>
-              <a:rPr lang="en-US" sz="4400" b="1" err="1">
+              <a:rPr lang="en-US" sz="4400" b="1" dirty="0" err="1">
                 <a:latin typeface="Century Gothic"/>
               </a:rPr>
               <a:t>модель</a:t>
             </a:r>
-            <a:endParaRPr lang="en-US" sz="4400" b="1">
+            <a:endParaRPr lang="en-US" sz="4400" b="1" dirty="0">
               <a:latin typeface="Century Gothic"/>
             </a:endParaRPr>
           </a:p>
@@ -2707,7 +2598,7 @@
         <p:spPr>
           <a:xfrm>
             <a:off x="2058472" y="5526523"/>
-            <a:ext cx="3702606" cy="1244799"/>
+            <a:ext cx="4474131" cy="1244799"/>
           </a:xfrm>
           <a:prstGeom prst="rect">
             <a:avLst/>
@@ -2719,75 +2610,71 @@
           <a:bodyPr wrap="square" lIns="91440" tIns="45720" rIns="91440" bIns="45720" rtlCol="0" anchor="t"/>
           <a:lstStyle/>
           <a:p>
-            <a:pPr>
-              <a:lnSpc>
-                <a:spcPts val="2799"/>
-              </a:lnSpc>
-            </a:pPr>
-            <a:r>
-              <a:rPr lang="en-US" sz="2400" err="1">
+            <a:pPr algn="ctr"/>
+            <a:r>
+              <a:rPr lang="en-US" sz="3200" dirty="0" err="1">
                 <a:latin typeface="Century Gothic"/>
                 <a:ea typeface="Source Serif Pro"/>
               </a:rPr>
               <a:t>Платная</a:t>
             </a:r>
             <a:r>
-              <a:rPr lang="en-US" sz="2400" dirty="0">
+              <a:rPr lang="en-US" sz="3200" dirty="0">
                 <a:latin typeface="Century Gothic"/>
                 <a:ea typeface="Source Serif Pro"/>
               </a:rPr>
               <a:t> </a:t>
             </a:r>
             <a:r>
-              <a:rPr lang="en-US" sz="2400" err="1">
+              <a:rPr lang="en-US" sz="3200" dirty="0" err="1">
                 <a:latin typeface="Century Gothic"/>
                 <a:ea typeface="Source Serif Pro"/>
               </a:rPr>
               <a:t>версия</a:t>
             </a:r>
             <a:r>
-              <a:rPr lang="en-US" sz="2400" dirty="0">
+              <a:rPr lang="en-US" sz="3200" dirty="0">
                 <a:latin typeface="Century Gothic"/>
                 <a:ea typeface="Source Serif Pro"/>
               </a:rPr>
               <a:t> </a:t>
             </a:r>
             <a:r>
-              <a:rPr lang="en-US" sz="2400" err="1">
+              <a:rPr lang="en-US" sz="3200" dirty="0" err="1">
                 <a:latin typeface="Century Gothic"/>
                 <a:ea typeface="Source Serif Pro"/>
               </a:rPr>
               <a:t>для</a:t>
             </a:r>
             <a:r>
-              <a:rPr lang="en-US" sz="2400" dirty="0">
+              <a:rPr lang="en-US" sz="3200" dirty="0">
                 <a:latin typeface="Century Gothic"/>
                 <a:ea typeface="Source Serif Pro"/>
               </a:rPr>
               <a:t> </a:t>
             </a:r>
             <a:r>
-              <a:rPr lang="en-US" sz="2400" err="1">
+              <a:rPr lang="en-US" sz="3200" dirty="0" err="1">
                 <a:latin typeface="Century Gothic"/>
                 <a:ea typeface="Source Serif Pro"/>
               </a:rPr>
               <a:t>владельцев</a:t>
             </a:r>
             <a:r>
-              <a:rPr lang="en-US" sz="2400" dirty="0">
+              <a:rPr lang="en-US" sz="3200" dirty="0">
                 <a:latin typeface="Century Gothic"/>
                 <a:ea typeface="Source Serif Pro"/>
               </a:rPr>
               <a:t> </a:t>
             </a:r>
             <a:r>
-              <a:rPr lang="en-US" sz="2400" err="1">
+              <a:rPr lang="en-US" sz="3200" dirty="0" err="1">
                 <a:latin typeface="Century Gothic"/>
                 <a:ea typeface="Source Serif Pro"/>
               </a:rPr>
               <a:t>бизнеса</a:t>
             </a:r>
-            <a:endParaRPr lang="en-US" sz="2400">
+            <a:endParaRPr lang="en-US" sz="3200" dirty="0">
               <a:latin typeface="Century Gothic"/>
               <a:ea typeface="Source Serif Pro"/>
             </a:endParaRPr>
@@ -2864,7 +2751,7 @@
                 <a:latin typeface="Century Gothic"/>
                 <a:cs typeface="Calibri"/>
               </a:rPr>
-              <a:t>12</a:t>
+              <a:t>11</a:t>
             </a:r>
             <a:endParaRPr lang="ru-RU" sz="2000" b="1" dirty="0">
               <a:solidFill>
@@ -2883,7 +2770,7 @@
 </p:sld>
 </file>
 
-<file path=ppt/slides/slide13.xml><?xml version="1.0" encoding="utf-8"?>
+<file path=ppt/slides/slide12.xml><?xml version="1.0" encoding="utf-8"?>
 <p:sld xmlns:a="http://schemas.openxmlformats.org/drawingml/2006/main" xmlns:r="http://schemas.openxmlformats.org/officeDocument/2006/relationships" xmlns:p="http://schemas.openxmlformats.org/presentationml/2006/main">
   <p:cSld name="Slide 9">
     <p:spTree>
@@ -2990,7 +2877,7 @@
               <a:buNone/>
             </a:pPr>
             <a:r>
-              <a:rPr lang="en-US" sz="2400" b="1" dirty="0">
+              <a:rPr lang="en-US" sz="2400" b="1">
                 <a:solidFill>
                   <a:srgbClr val="745716"/>
                 </a:solidFill>
@@ -3014,8 +2901,8 @@
         </p:nvSpPr>
         <p:spPr>
           <a:xfrm>
-            <a:off x="2388394" y="2525197"/>
-            <a:ext cx="4436745" cy="1161573"/>
+            <a:off x="2119217" y="2182004"/>
+            <a:ext cx="5003673" cy="1574627"/>
           </a:xfrm>
           <a:prstGeom prst="rect">
             <a:avLst/>
@@ -3027,66 +2914,62 @@
           <a:bodyPr wrap="none" lIns="91440" tIns="45720" rIns="91440" bIns="45720" rtlCol="0" anchor="t"/>
           <a:lstStyle/>
           <a:p>
-            <a:pPr algn="ctr">
-              <a:lnSpc>
-                <a:spcPts val="2734"/>
-              </a:lnSpc>
-            </a:pPr>
-            <a:r>
-              <a:rPr lang="en-US" sz="2400" b="1" err="1">
+            <a:pPr algn="ctr"/>
+            <a:r>
+              <a:rPr lang="en-US" sz="3200" b="1" dirty="0" err="1">
                 <a:latin typeface="Century Gothic"/>
               </a:rPr>
               <a:t>Запуск</a:t>
             </a:r>
             <a:r>
-              <a:rPr lang="en-US" sz="2400" b="1" dirty="0">
+              <a:rPr lang="en-US" sz="3200" b="1" dirty="0">
                 <a:latin typeface="Century Gothic"/>
               </a:rPr>
               <a:t> MVP</a:t>
             </a:r>
             <a:br>
-              <a:rPr lang="en-US" sz="2400" b="1" dirty="0">
+              <a:rPr lang="en-US" sz="3200" b="1" dirty="0">
                 <a:latin typeface="Century Gothic"/>
               </a:rPr>
             </a:br>
             <a:r>
-              <a:rPr lang="en-US" sz="2400" b="1" dirty="0">
+              <a:rPr lang="en-US" sz="3200" b="1" dirty="0">
                 <a:latin typeface="Century Gothic"/>
               </a:rPr>
               <a:t>и </a:t>
             </a:r>
             <a:r>
-              <a:rPr lang="en-US" sz="2400" b="1" err="1">
+              <a:rPr lang="en-US" sz="3200" b="1" dirty="0" err="1">
                 <a:latin typeface="Century Gothic"/>
               </a:rPr>
               <a:t>сбор</a:t>
             </a:r>
             <a:r>
-              <a:rPr lang="en-US" sz="2400" b="1" dirty="0">
+              <a:rPr lang="en-US" sz="3200" b="1" dirty="0">
                 <a:latin typeface="Century Gothic"/>
               </a:rPr>
               <a:t> </a:t>
             </a:r>
             <a:r>
-              <a:rPr lang="en-US" sz="2400" b="1" err="1">
+              <a:rPr lang="en-US" sz="3200" b="1" dirty="0" err="1">
                 <a:latin typeface="Century Gothic"/>
               </a:rPr>
               <a:t>обратной</a:t>
             </a:r>
             <a:r>
-              <a:rPr lang="en-US" sz="2400" b="1" dirty="0">
+              <a:rPr lang="en-US" sz="3200" b="1" dirty="0">
                 <a:latin typeface="Century Gothic"/>
               </a:rPr>
               <a:t> </a:t>
             </a:r>
             <a:r>
-              <a:rPr lang="en-US" sz="2400" b="1" err="1">
+              <a:rPr lang="en-US" sz="3200" b="1" dirty="0" err="1">
                 <a:latin typeface="Century Gothic"/>
               </a:rPr>
               <a:t>связи</a:t>
             </a:r>
             <a:br>
-              <a:rPr lang="en-US" sz="2400" b="1" dirty="0">
+              <a:rPr lang="en-US" sz="3200" b="1" dirty="0">
                 <a:solidFill>
                   <a:srgbClr val="745716"/>
                 </a:solidFill>
@@ -3094,7 +2977,7 @@
               </a:rPr>
             </a:br>
             <a:r>
-              <a:rPr lang="en-US" sz="2400" b="1" dirty="0">
+              <a:rPr lang="en-US" sz="3200" b="1" dirty="0">
                 <a:solidFill>
                   <a:srgbClr val="745716"/>
                 </a:solidFill>
@@ -3103,7 +2986,7 @@
               <a:t>(</a:t>
             </a:r>
             <a:r>
-              <a:rPr lang="en-US" sz="2400" b="1" err="1">
+              <a:rPr lang="en-US" sz="3200" b="1" dirty="0" err="1">
                 <a:solidFill>
                   <a:srgbClr val="745716"/>
                 </a:solidFill>
@@ -3112,7 +2995,7 @@
               <a:t>Краткосрочная</a:t>
             </a:r>
             <a:r>
-              <a:rPr lang="en-US" sz="2400" b="1" dirty="0">
+              <a:rPr lang="en-US" sz="3200" b="1" dirty="0">
                 <a:solidFill>
                   <a:srgbClr val="745716"/>
                 </a:solidFill>
@@ -3193,7 +3076,7 @@
               <a:buNone/>
             </a:pPr>
             <a:r>
-              <a:rPr lang="en-US" sz="2400" b="1" dirty="0">
+              <a:rPr lang="en-US" sz="2400" b="1">
                 <a:solidFill>
                   <a:srgbClr val="745716"/>
                 </a:solidFill>
@@ -3203,7 +3086,7 @@
               </a:rPr>
               <a:t>2</a:t>
             </a:r>
-            <a:endParaRPr lang="en-US" sz="2400" dirty="0">
+            <a:endParaRPr lang="en-US" sz="2400">
               <a:latin typeface="Century Gothic"/>
             </a:endParaRPr>
           </a:p>
@@ -3279,7 +3162,7 @@
               <a:buNone/>
             </a:pPr>
             <a:r>
-              <a:rPr lang="en-US" sz="2400" b="1" dirty="0">
+              <a:rPr lang="en-US" sz="2400" b="1">
                 <a:solidFill>
                   <a:srgbClr val="745716"/>
                 </a:solidFill>
@@ -3365,7 +3248,7 @@
         </p:nvSpPr>
         <p:spPr>
           <a:xfrm>
-            <a:off x="5260180" y="5582722"/>
+            <a:off x="5254406" y="5503568"/>
             <a:ext cx="4093845" cy="1675923"/>
           </a:xfrm>
           <a:prstGeom prst="rect">
@@ -3378,36 +3261,32 @@
           <a:bodyPr wrap="none" lIns="91440" tIns="45720" rIns="91440" bIns="45720" rtlCol="0" anchor="t"/>
           <a:lstStyle/>
           <a:p>
-            <a:pPr algn="ctr">
-              <a:lnSpc>
-                <a:spcPts val="2734"/>
-              </a:lnSpc>
-            </a:pPr>
-            <a:r>
-              <a:rPr lang="en-US" sz="2400" b="1" err="1">
+            <a:pPr algn="ctr"/>
+            <a:r>
+              <a:rPr lang="en-US" sz="3200" b="1" dirty="0" err="1">
                 <a:latin typeface="Century Gothic"/>
               </a:rPr>
               <a:t>Интеграция</a:t>
             </a:r>
             <a:r>
-              <a:rPr lang="en-US" sz="2400" b="1" dirty="0">
+              <a:rPr lang="en-US" sz="3200" b="1" dirty="0">
                 <a:latin typeface="Century Gothic"/>
               </a:rPr>
               <a:t> с</a:t>
             </a:r>
             <a:br>
-              <a:rPr lang="en-US" sz="2400" b="1" dirty="0">
+              <a:rPr lang="en-US" sz="3200" b="1" dirty="0">
                 <a:latin typeface="Century Gothic"/>
               </a:rPr>
             </a:br>
             <a:r>
-              <a:rPr lang="en-US" sz="2400" b="1" err="1">
+              <a:rPr lang="en-US" sz="3200" b="1" dirty="0" err="1">
                 <a:latin typeface="Century Gothic"/>
               </a:rPr>
               <a:t>гипермаркетами</a:t>
             </a:r>
             <a:br>
-              <a:rPr lang="en-US" sz="2400" b="1" dirty="0">
+              <a:rPr lang="en-US" sz="3200" b="1" dirty="0">
                 <a:solidFill>
                   <a:srgbClr val="745716"/>
                 </a:solidFill>
@@ -3415,7 +3294,7 @@
               </a:rPr>
             </a:br>
             <a:r>
-              <a:rPr lang="en-US" sz="2400" b="1" dirty="0">
+              <a:rPr lang="en-US" sz="3200" b="1" dirty="0">
                 <a:solidFill>
                   <a:srgbClr val="745716"/>
                 </a:solidFill>
@@ -3424,7 +3303,7 @@
               <a:t>(</a:t>
             </a:r>
             <a:r>
-              <a:rPr lang="en-US" sz="2400" b="1" err="1">
+              <a:rPr lang="en-US" sz="3200" b="1" dirty="0" err="1">
                 <a:solidFill>
                   <a:srgbClr val="745716"/>
                 </a:solidFill>
@@ -3433,7 +3312,7 @@
               <a:t>Долгосрочная</a:t>
             </a:r>
             <a:r>
-              <a:rPr lang="en-US" sz="2400" b="1" dirty="0">
+              <a:rPr lang="en-US" sz="3200" b="1" dirty="0">
                 <a:solidFill>
                   <a:srgbClr val="745716"/>
                 </a:solidFill>
@@ -3458,7 +3337,7 @@
         </p:nvSpPr>
         <p:spPr>
           <a:xfrm>
-            <a:off x="7616284" y="2525197"/>
+            <a:off x="7588126" y="2165317"/>
             <a:ext cx="4814697" cy="1588293"/>
           </a:xfrm>
           <a:prstGeom prst="rect">
@@ -3473,90 +3352,91 @@
           <a:p>
             <a:pPr algn="ctr"/>
             <a:r>
-              <a:rPr lang="en-US" sz="2400" b="1" err="1">
-                <a:latin typeface="Century Gothic"/>
+              <a:rPr lang="en-US" sz="3200" b="1" dirty="0" err="1">
+                <a:latin typeface="Century Gothic" panose="020B0502020202020204" pitchFamily="34" charset="0"/>
               </a:rPr>
               <a:t>Больше</a:t>
             </a:r>
             <a:r>
-              <a:rPr lang="en-US" sz="2400" b="1" dirty="0">
-                <a:latin typeface="Century Gothic"/>
+              <a:rPr lang="en-US" sz="3200" b="1" dirty="0">
+                <a:latin typeface="Century Gothic" panose="020B0502020202020204" pitchFamily="34" charset="0"/>
               </a:rPr>
               <a:t> </a:t>
             </a:r>
             <a:r>
-              <a:rPr lang="en-US" sz="2400" b="1" err="1">
-                <a:latin typeface="Century Gothic"/>
+              <a:rPr lang="en-US" sz="3200" b="1" dirty="0" err="1">
+                <a:latin typeface="Century Gothic" panose="020B0502020202020204" pitchFamily="34" charset="0"/>
               </a:rPr>
               <a:t>возможностей</a:t>
             </a:r>
             <a:r>
-              <a:rPr lang="en-US" sz="2400" b="1">
-                <a:latin typeface="Century Gothic"/>
+              <a:rPr lang="en-US" sz="3200" b="1" dirty="0">
+                <a:latin typeface="Century Gothic" panose="020B0502020202020204" pitchFamily="34" charset="0"/>
               </a:rPr>
               <a:t> в</a:t>
             </a:r>
-            <a:endParaRPr lang="ru-RU" dirty="0">
-              <a:latin typeface="Calibri" panose="020F0502020204030204"/>
+            <a:endParaRPr lang="ru-RU" sz="3200" dirty="0">
+              <a:latin typeface="Century Gothic" panose="020B0502020202020204" pitchFamily="34" charset="0"/>
               <a:cs typeface="Calibri" panose="020F0502020204030204"/>
             </a:endParaRPr>
           </a:p>
           <a:p>
             <a:pPr algn="ctr"/>
             <a:r>
-              <a:rPr lang="en-US" sz="2400" b="1" dirty="0" err="1">
-                <a:latin typeface="Century Gothic"/>
+              <a:rPr lang="en-US" sz="3200" b="1" dirty="0" err="1">
+                <a:latin typeface="Century Gothic" panose="020B0502020202020204" pitchFamily="34" charset="0"/>
               </a:rPr>
               <a:t>платной</a:t>
             </a:r>
             <a:r>
-              <a:rPr lang="en-US" sz="2400" b="1" dirty="0">
-                <a:latin typeface="Century Gothic"/>
+              <a:rPr lang="en-US" sz="3200" b="1" dirty="0">
+                <a:latin typeface="Century Gothic" panose="020B0502020202020204" pitchFamily="34" charset="0"/>
               </a:rPr>
               <a:t> </a:t>
             </a:r>
             <a:r>
-              <a:rPr lang="en-US" sz="2400" b="1" dirty="0" err="1">
-                <a:latin typeface="Century Gothic"/>
+              <a:rPr lang="en-US" sz="3200" b="1" dirty="0" err="1">
+                <a:latin typeface="Century Gothic" panose="020B0502020202020204" pitchFamily="34" charset="0"/>
               </a:rPr>
               <a:t>версии</a:t>
             </a:r>
             <a:br>
-              <a:rPr lang="en-US" sz="2400" b="1" dirty="0">
+              <a:rPr lang="en-US" sz="3200" b="1" dirty="0">
                 <a:solidFill>
                   <a:srgbClr val="745716"/>
                 </a:solidFill>
-                <a:latin typeface="Century Gothic"/>
+                <a:latin typeface="Century Gothic" panose="020B0502020202020204" pitchFamily="34" charset="0"/>
               </a:rPr>
             </a:br>
             <a:r>
-              <a:rPr lang="en-US" sz="2400" b="1" dirty="0">
+              <a:rPr lang="en-US" sz="3200" b="1" dirty="0">
                 <a:solidFill>
                   <a:srgbClr val="745716"/>
                 </a:solidFill>
-                <a:latin typeface="Century Gothic"/>
+                <a:latin typeface="Century Gothic" panose="020B0502020202020204" pitchFamily="34" charset="0"/>
               </a:rPr>
               <a:t>(</a:t>
             </a:r>
             <a:r>
-              <a:rPr lang="en-US" sz="2400" b="1" dirty="0" err="1">
+              <a:rPr lang="en-US" sz="3200" b="1" dirty="0" err="1">
                 <a:solidFill>
                   <a:srgbClr val="745716"/>
                 </a:solidFill>
-                <a:latin typeface="Century Gothic"/>
+                <a:latin typeface="Century Gothic" panose="020B0502020202020204" pitchFamily="34" charset="0"/>
               </a:rPr>
               <a:t>Долгосрочная</a:t>
             </a:r>
             <a:r>
-              <a:rPr lang="en-US" sz="2400" b="1" dirty="0">
+              <a:rPr lang="en-US" sz="3200" b="1" dirty="0">
                 <a:solidFill>
                   <a:srgbClr val="745716"/>
                 </a:solidFill>
-                <a:latin typeface="Century Gothic"/>
+                <a:latin typeface="Century Gothic" panose="020B0502020202020204" pitchFamily="34" charset="0"/>
               </a:rPr>
               <a:t>)</a:t>
             </a:r>
-            <a:endParaRPr lang="ru-RU">
+            <a:endParaRPr lang="ru-RU" sz="3200" dirty="0">
+              <a:latin typeface="Century Gothic" panose="020B0502020202020204" pitchFamily="34" charset="0"/>
               <a:cs typeface="Calibri" panose="020F0502020204030204"/>
             </a:endParaRPr>
           </a:p>
@@ -3602,7 +3482,7 @@
                 <a:latin typeface="Century Gothic"/>
                 <a:cs typeface="Calibri"/>
               </a:rPr>
-              <a:t>13</a:t>
+              <a:t>12</a:t>
             </a:r>
             <a:endParaRPr lang="ru-RU" sz="2000" b="1" dirty="0">
               <a:solidFill>
@@ -3621,7 +3501,7 @@
 </p:sld>
 </file>
 
-<file path=ppt/slides/slide14.xml><?xml version="1.0" encoding="utf-8"?>
+<file path=ppt/slides/slide13.xml><?xml version="1.0" encoding="utf-8"?>
 <p:sld xmlns:a="http://schemas.openxmlformats.org/drawingml/2006/main" xmlns:r="http://schemas.openxmlformats.org/officeDocument/2006/relationships" xmlns:p="http://schemas.openxmlformats.org/presentationml/2006/main">
   <p:cSld name="Slide 10">
     <p:spTree>
@@ -3734,7 +3614,7 @@
               <a:t>– </a:t>
             </a:r>
             <a:r>
-              <a:rPr lang="ru-RU" sz="3200" err="1">
+              <a:rPr lang="ru-RU" sz="3200" dirty="0" err="1">
                 <a:solidFill>
                   <a:srgbClr val="202124"/>
                 </a:solidFill>
@@ -3756,7 +3636,7 @@
               <a:t> </a:t>
             </a:r>
             <a:r>
-              <a:rPr lang="ru-RU" sz="3200" err="1">
+              <a:rPr lang="ru-RU" sz="3200" dirty="0" err="1">
                 <a:solidFill>
                   <a:srgbClr val="202124"/>
                 </a:solidFill>
@@ -3818,7 +3698,7 @@
               <a:t>Галимов Александр </a:t>
             </a:r>
             <a:r>
-              <a:rPr lang="ru-RU" sz="3200" err="1">
+              <a:rPr lang="ru-RU" sz="3200" dirty="0" err="1">
                 <a:latin typeface="Century Gothic"/>
               </a:rPr>
               <a:t>Эльдарович</a:t>
@@ -3841,7 +3721,7 @@
               <a:t>– </a:t>
             </a:r>
             <a:r>
-              <a:rPr lang="ru-RU" sz="3200" err="1">
+              <a:rPr lang="ru-RU" sz="3200" dirty="0" err="1">
                 <a:solidFill>
                   <a:srgbClr val="202124"/>
                 </a:solidFill>
@@ -3897,10 +3777,16 @@
           <a:lstStyle/>
           <a:p>
             <a:r>
+              <a:rPr lang="ru-RU" sz="3200" dirty="0" err="1">
+                <a:latin typeface="Century Gothic"/>
+              </a:rPr>
+              <a:t>Скарга</a:t>
+            </a:r>
+            <a:r>
               <a:rPr lang="ru-RU" sz="3200" dirty="0">
                 <a:latin typeface="Century Gothic"/>
               </a:rPr>
-              <a:t>Скарга Дмитрий Юрьевич </a:t>
+              <a:t> Дмитрий Юрьевич </a:t>
             </a:r>
             <a:r>
               <a:rPr lang="ru-RU" sz="3200" dirty="0">
@@ -3914,7 +3800,7 @@
               <a:t>– </a:t>
             </a:r>
             <a:r>
-              <a:rPr lang="ru-RU" sz="3200" err="1">
+              <a:rPr lang="ru-RU" sz="3200" dirty="0" err="1">
                 <a:solidFill>
                   <a:srgbClr val="202124"/>
                 </a:solidFill>
@@ -3978,7 +3864,7 @@
                 <a:latin typeface="Century Gothic"/>
                 <a:cs typeface="Calibri"/>
               </a:rPr>
-              <a:t>14</a:t>
+              <a:t>13</a:t>
             </a:r>
             <a:endParaRPr lang="ru-RU" sz="2000" b="1" dirty="0">
               <a:solidFill>
@@ -3997,7 +3883,7 @@
 </p:sld>
 </file>
 
-<file path=ppt/slides/slide15.xml><?xml version="1.0" encoding="utf-8"?>
+<file path=ppt/slides/slide14.xml><?xml version="1.0" encoding="utf-8"?>
 <p:sld xmlns:a="http://schemas.openxmlformats.org/drawingml/2006/main" xmlns:r="http://schemas.openxmlformats.org/officeDocument/2006/relationships" xmlns:p="http://schemas.openxmlformats.org/presentationml/2006/main">
   <p:cSld>
     <p:spTree>
@@ -4106,15 +3992,15 @@
           <a:lstStyle/>
           <a:p>
             <a:br>
-              <a:rPr lang="en-US" dirty="0"/>
+              <a:rPr lang="en-US"/>
             </a:br>
             <a:r>
-              <a:rPr lang="en-US" sz="3200" dirty="0">
+              <a:rPr lang="en-US" sz="3200">
                 <a:latin typeface="Century Gothic"/>
               </a:rPr>
               <a:t>bakebudget24@gmail.com</a:t>
             </a:r>
-            <a:endParaRPr lang="en-US" dirty="0"/>
+            <a:endParaRPr lang="en-US"/>
           </a:p>
         </p:txBody>
       </p:sp>
@@ -4199,7 +4085,7 @@
                 <a:latin typeface="Century Gothic"/>
                 <a:cs typeface="Calibri"/>
               </a:rPr>
-              <a:t>15</a:t>
+              <a:t>14</a:t>
             </a:r>
             <a:endParaRPr lang="ru-RU" sz="2000" b="1" dirty="0">
               <a:solidFill>
@@ -4271,6 +4157,7 @@
           </a:bodyPr>
           <a:lstStyle/>
           <a:p>
+            <a:pPr algn="ctr"/>
             <a:r>
               <a:rPr lang="ru-RU" sz="2400" dirty="0">
                 <a:latin typeface="Century Gothic"/>
@@ -4316,13 +4203,13 @@
           <a:lstStyle/>
           <a:p>
             <a:r>
-              <a:rPr lang="ru-RU" sz="4400" b="1" dirty="0">
+              <a:rPr lang="ru-RU" sz="4400" b="1">
                 <a:latin typeface="Century Gothic"/>
                 <a:cs typeface="Calibri"/>
               </a:rPr>
               <a:t>Рынок кондитерских изделий</a:t>
             </a:r>
-            <a:endParaRPr lang="ru-RU" sz="4400" b="1" dirty="0">
+            <a:endParaRPr lang="ru-RU" sz="4400" b="1">
               <a:latin typeface="Century Gothic"/>
             </a:endParaRPr>
           </a:p>
@@ -4350,7 +4237,7 @@
         </p:blipFill>
         <p:spPr>
           <a:xfrm>
-            <a:off x="725125" y="3466557"/>
+            <a:off x="725125" y="3580857"/>
             <a:ext cx="13715727" cy="3735758"/>
           </a:xfrm>
           <a:prstGeom prst="rect">
@@ -4391,13 +4278,13 @@
           <a:p>
             <a:pPr algn="l"/>
             <a:r>
-              <a:rPr lang="ru-RU" sz="2400" b="1" dirty="0">
+              <a:rPr lang="ru-RU" sz="2400" b="1">
                 <a:latin typeface="Century Gothic"/>
                 <a:cs typeface="Calibri"/>
               </a:rPr>
               <a:t>+72%</a:t>
             </a:r>
-            <a:endParaRPr lang="ru-RU" sz="2400" b="1" dirty="0">
+            <a:endParaRPr lang="ru-RU" sz="2400" b="1">
               <a:latin typeface="Century Gothic"/>
             </a:endParaRPr>
           </a:p>
@@ -4436,13 +4323,13 @@
           <a:p>
             <a:pPr algn="l"/>
             <a:r>
-              <a:rPr lang="ru-RU" sz="2400" b="1" dirty="0">
+              <a:rPr lang="ru-RU" sz="2400" b="1">
                 <a:latin typeface="Century Gothic"/>
                 <a:cs typeface="Calibri"/>
               </a:rPr>
               <a:t>+88%</a:t>
             </a:r>
-            <a:endParaRPr lang="ru-RU" sz="2400" b="1" dirty="0">
+            <a:endParaRPr lang="ru-RU" sz="2400" b="1">
               <a:latin typeface="Century Gothic"/>
             </a:endParaRPr>
           </a:p>
@@ -4481,7 +4368,7 @@
           <a:p>
             <a:pPr algn="l"/>
             <a:r>
-              <a:rPr lang="ru-RU" sz="2400" b="1" dirty="0">
+              <a:rPr lang="ru-RU" sz="2400" b="1">
                 <a:latin typeface="Century Gothic"/>
                 <a:cs typeface="Calibri"/>
               </a:rPr>
@@ -4526,7 +4413,7 @@
           <a:p>
             <a:pPr algn="l"/>
             <a:r>
-              <a:rPr lang="ru-RU" sz="2400" b="1" dirty="0">
+              <a:rPr lang="ru-RU" sz="2400" b="1">
                 <a:latin typeface="Century Gothic"/>
                 <a:cs typeface="Calibri"/>
               </a:rPr>
@@ -4571,7 +4458,7 @@
           <a:p>
             <a:pPr algn="l"/>
             <a:r>
-              <a:rPr lang="ru-RU" sz="2000" b="1" dirty="0">
+              <a:rPr lang="ru-RU" sz="2000" b="1">
                 <a:solidFill>
                   <a:srgbClr val="745716"/>
                 </a:solidFill>
@@ -4580,12 +4467,52 @@
               </a:rPr>
               <a:t>2</a:t>
             </a:r>
-            <a:endParaRPr lang="ru-RU" sz="2000" b="1" dirty="0">
+            <a:endParaRPr lang="ru-RU" sz="2000" b="1">
               <a:solidFill>
                 <a:srgbClr val="745716"/>
               </a:solidFill>
               <a:latin typeface="Century Gothic"/>
             </a:endParaRPr>
+          </a:p>
+        </p:txBody>
+      </p:sp>
+      <p:sp>
+        <p:nvSpPr>
+          <p:cNvPr id="3" name="TextBox 2">
+            <a:extLst>
+              <a:ext uri="{FF2B5EF4-FFF2-40B4-BE49-F238E27FC236}">
+                <a16:creationId xmlns:a16="http://schemas.microsoft.com/office/drawing/2014/main" id="{4F2F39F3-0C28-DF63-CF28-129840E3633F}"/>
+              </a:ext>
+            </a:extLst>
+          </p:cNvPr>
+          <p:cNvSpPr txBox="1"/>
+          <p:nvPr/>
+        </p:nvSpPr>
+        <p:spPr>
+          <a:xfrm>
+            <a:off x="986252" y="7322447"/>
+            <a:ext cx="3922643" cy="338554"/>
+          </a:xfrm>
+          <a:prstGeom prst="rect">
+            <a:avLst/>
+          </a:prstGeom>
+          <a:noFill/>
+        </p:spPr>
+        <p:txBody>
+          <a:bodyPr rot="0" spcFirstLastPara="0" vertOverflow="overflow" horzOverflow="overflow" vert="horz" wrap="square" lIns="91440" tIns="45720" rIns="91440" bIns="45720" numCol="1" spcCol="0" rtlCol="0" fromWordArt="0" anchor="t" anchorCtr="0" forceAA="0" compatLnSpc="1">
+            <a:prstTxWarp prst="textNoShape">
+              <a:avLst/>
+            </a:prstTxWarp>
+            <a:spAutoFit/>
+          </a:bodyPr>
+          <a:lstStyle/>
+          <a:p>
+            <a:r>
+              <a:rPr lang="en-US" sz="1600">
+                <a:latin typeface="Century Gothic"/>
+              </a:rPr>
+              <a:t>https://rainbow-news.ru/russia/148237</a:t>
+            </a:r>
           </a:p>
         </p:txBody>
       </p:sp>
@@ -4650,6 +4577,7 @@
           </a:bodyPr>
           <a:lstStyle/>
           <a:p>
+            <a:pPr algn="ctr"/>
             <a:r>
               <a:rPr lang="ru-RU" sz="2400" dirty="0">
                 <a:latin typeface="Century Gothic"/>
@@ -4701,7 +4629,7 @@
               </a:rPr>
               <a:t>Рынок кондитерских изделий</a:t>
             </a:r>
-            <a:endParaRPr lang="ru-RU" sz="4400" b="1">
+            <a:endParaRPr lang="ru-RU" sz="4400" b="1" dirty="0">
               <a:latin typeface="Century Gothic"/>
             </a:endParaRPr>
           </a:p>
@@ -4740,13 +4668,13 @@
           <a:p>
             <a:pPr algn="l"/>
             <a:r>
-              <a:rPr lang="ru-RU" sz="2400" b="1" dirty="0">
+              <a:rPr lang="ru-RU" sz="2400" b="1">
                 <a:latin typeface="Century Gothic"/>
                 <a:cs typeface="Calibri"/>
               </a:rPr>
               <a:t>+39%</a:t>
             </a:r>
-            <a:endParaRPr lang="ru-RU" sz="2400" b="1" dirty="0">
+            <a:endParaRPr lang="ru-RU" sz="2400" b="1">
               <a:latin typeface="Century Gothic"/>
             </a:endParaRPr>
           </a:p>
@@ -4785,13 +4713,13 @@
           <a:p>
             <a:pPr algn="l"/>
             <a:r>
-              <a:rPr lang="ru-RU" sz="2400" b="1" dirty="0">
+              <a:rPr lang="ru-RU" sz="2400" b="1">
                 <a:latin typeface="Century Gothic"/>
                 <a:cs typeface="Calibri"/>
               </a:rPr>
               <a:t>+38%</a:t>
             </a:r>
-            <a:endParaRPr lang="ru-RU" sz="2400" b="1" dirty="0">
+            <a:endParaRPr lang="ru-RU" sz="2400" b="1">
               <a:latin typeface="Century Gothic"/>
             </a:endParaRPr>
           </a:p>
@@ -4830,58 +4758,13 @@
           <a:p>
             <a:pPr algn="l"/>
             <a:r>
-              <a:rPr lang="ru-RU" sz="2400" b="1" dirty="0">
+              <a:rPr lang="ru-RU" sz="2400" b="1">
                 <a:latin typeface="Century Gothic"/>
                 <a:cs typeface="Calibri"/>
               </a:rPr>
               <a:t>+27%</a:t>
             </a:r>
-            <a:endParaRPr lang="ru-RU" sz="2400" b="1" dirty="0">
-              <a:latin typeface="Century Gothic"/>
-            </a:endParaRPr>
-          </a:p>
-        </p:txBody>
-      </p:sp>
-      <p:sp>
-        <p:nvSpPr>
-          <p:cNvPr id="37" name="TextBox 36">
-            <a:extLst>
-              <a:ext uri="{FF2B5EF4-FFF2-40B4-BE49-F238E27FC236}">
-                <a16:creationId xmlns:a16="http://schemas.microsoft.com/office/drawing/2014/main" id="{8514D62A-811C-8667-C9A2-BF27A407E90F}"/>
-              </a:ext>
-            </a:extLst>
-          </p:cNvPr>
-          <p:cNvSpPr txBox="1"/>
-          <p:nvPr/>
-        </p:nvSpPr>
-        <p:spPr>
-          <a:xfrm>
-            <a:off x="11734800" y="3105912"/>
-            <a:ext cx="1072896" cy="461665"/>
-          </a:xfrm>
-          <a:prstGeom prst="rect">
-            <a:avLst/>
-          </a:prstGeom>
-          <a:noFill/>
-        </p:spPr>
-        <p:txBody>
-          <a:bodyPr rot="0" spcFirstLastPara="0" vertOverflow="overflow" horzOverflow="overflow" vert="horz" wrap="square" lIns="91440" tIns="45720" rIns="91440" bIns="45720" numCol="1" spcCol="0" rtlCol="0" fromWordArt="0" anchor="t" anchorCtr="0" forceAA="0" compatLnSpc="1">
-            <a:prstTxWarp prst="textNoShape">
-              <a:avLst/>
-            </a:prstTxWarp>
-            <a:spAutoFit/>
-          </a:bodyPr>
-          <a:lstStyle/>
-          <a:p>
-            <a:pPr algn="l"/>
-            <a:r>
-              <a:rPr lang="ru-RU" sz="2400" b="1" dirty="0">
-                <a:latin typeface="Century Gothic"/>
-                <a:cs typeface="Calibri"/>
-              </a:rPr>
-              <a:t>+41%</a:t>
-            </a:r>
-            <a:endParaRPr lang="ru-RU" sz="2400" b="1" dirty="0">
+            <a:endParaRPr lang="ru-RU" sz="2400" b="1">
               <a:latin typeface="Century Gothic"/>
             </a:endParaRPr>
           </a:p>
@@ -4897,20 +4780,19 @@
             </a:extLst>
           </p:cNvPr>
           <p:cNvPicPr>
-            <a:picLocks noChangeAspect="1"/>
+            <a:picLocks/>
           </p:cNvPicPr>
           <p:nvPr/>
         </p:nvPicPr>
-        <p:blipFill>
+        <p:blipFill rotWithShape="1">
           <a:blip r:embed="rId2"/>
-          <a:stretch>
-            <a:fillRect/>
-          </a:stretch>
+          <a:srcRect l="52" t="2066" r="-287" b="809"/>
+          <a:stretch/>
         </p:blipFill>
         <p:spPr>
           <a:xfrm>
-            <a:off x="587883" y="3564255"/>
-            <a:ext cx="14039850" cy="3905250"/>
+            <a:off x="723633" y="3598556"/>
+            <a:ext cx="13729246" cy="3679200"/>
           </a:xfrm>
           <a:prstGeom prst="rect">
             <a:avLst/>
@@ -4950,7 +4832,7 @@
           <a:p>
             <a:pPr algn="l"/>
             <a:r>
-              <a:rPr lang="ru-RU" sz="2000" b="1" dirty="0">
+              <a:rPr lang="ru-RU" sz="2000" b="1">
                 <a:solidFill>
                   <a:srgbClr val="745716"/>
                 </a:solidFill>
@@ -4959,12 +4841,97 @@
               </a:rPr>
               <a:t>3</a:t>
             </a:r>
-            <a:endParaRPr lang="ru-RU" sz="2000" b="1" dirty="0">
+            <a:endParaRPr lang="ru-RU" sz="2000" b="1">
               <a:solidFill>
                 <a:srgbClr val="745716"/>
               </a:solidFill>
               <a:latin typeface="Century Gothic"/>
             </a:endParaRPr>
+          </a:p>
+        </p:txBody>
+      </p:sp>
+      <p:sp>
+        <p:nvSpPr>
+          <p:cNvPr id="6" name="TextBox 5">
+            <a:extLst>
+              <a:ext uri="{FF2B5EF4-FFF2-40B4-BE49-F238E27FC236}">
+                <a16:creationId xmlns:a16="http://schemas.microsoft.com/office/drawing/2014/main" id="{3CDBA6CE-C1FD-78C8-2396-CDB540AEA4F6}"/>
+              </a:ext>
+            </a:extLst>
+          </p:cNvPr>
+          <p:cNvSpPr txBox="1"/>
+          <p:nvPr/>
+        </p:nvSpPr>
+        <p:spPr>
+          <a:xfrm>
+            <a:off x="11576304" y="3105912"/>
+            <a:ext cx="1072896" cy="461665"/>
+          </a:xfrm>
+          <a:prstGeom prst="rect">
+            <a:avLst/>
+          </a:prstGeom>
+          <a:noFill/>
+        </p:spPr>
+        <p:txBody>
+          <a:bodyPr rot="0" spcFirstLastPara="0" vertOverflow="overflow" horzOverflow="overflow" vert="horz" wrap="square" lIns="91440" tIns="45720" rIns="91440" bIns="45720" numCol="1" spcCol="0" rtlCol="0" fromWordArt="0" anchor="t" anchorCtr="0" forceAA="0" compatLnSpc="1">
+            <a:prstTxWarp prst="textNoShape">
+              <a:avLst/>
+            </a:prstTxWarp>
+            <a:spAutoFit/>
+          </a:bodyPr>
+          <a:lstStyle/>
+          <a:p>
+            <a:pPr algn="l"/>
+            <a:r>
+              <a:rPr lang="ru-RU" sz="2400" b="1" dirty="0">
+                <a:latin typeface="Century Gothic"/>
+                <a:cs typeface="Calibri"/>
+              </a:rPr>
+              <a:t>+41%</a:t>
+            </a:r>
+            <a:endParaRPr lang="ru-RU" sz="2400" b="1" dirty="0">
+              <a:latin typeface="Century Gothic"/>
+            </a:endParaRPr>
+          </a:p>
+        </p:txBody>
+      </p:sp>
+      <p:sp>
+        <p:nvSpPr>
+          <p:cNvPr id="11" name="TextBox 10">
+            <a:extLst>
+              <a:ext uri="{FF2B5EF4-FFF2-40B4-BE49-F238E27FC236}">
+                <a16:creationId xmlns:a16="http://schemas.microsoft.com/office/drawing/2014/main" id="{EAA03C14-10D1-79CA-CA23-EB8F33BBE011}"/>
+              </a:ext>
+            </a:extLst>
+          </p:cNvPr>
+          <p:cNvSpPr txBox="1"/>
+          <p:nvPr/>
+        </p:nvSpPr>
+        <p:spPr>
+          <a:xfrm>
+            <a:off x="986252" y="7322447"/>
+            <a:ext cx="3922643" cy="338554"/>
+          </a:xfrm>
+          <a:prstGeom prst="rect">
+            <a:avLst/>
+          </a:prstGeom>
+          <a:noFill/>
+        </p:spPr>
+        <p:txBody>
+          <a:bodyPr rot="0" spcFirstLastPara="0" vertOverflow="overflow" horzOverflow="overflow" vert="horz" wrap="square" lIns="91440" tIns="45720" rIns="91440" bIns="45720" numCol="1" spcCol="0" rtlCol="0" fromWordArt="0" anchor="t" anchorCtr="0" forceAA="0" compatLnSpc="1">
+            <a:prstTxWarp prst="textNoShape">
+              <a:avLst/>
+            </a:prstTxWarp>
+            <a:spAutoFit/>
+          </a:bodyPr>
+          <a:lstStyle/>
+          <a:p>
+            <a:r>
+              <a:rPr lang="en-US" sz="1600">
+                <a:latin typeface="Century Gothic"/>
+              </a:rPr>
+              <a:t>https://rainbow-news.ru/russia/148237</a:t>
+            </a:r>
           </a:p>
         </p:txBody>
       </p:sp>
@@ -5020,13 +4987,10 @@
           <a:lstStyle/>
           <a:p>
             <a:pPr marL="0" indent="0">
-              <a:lnSpc>
-                <a:spcPts val="2734"/>
-              </a:lnSpc>
               <a:buNone/>
             </a:pPr>
             <a:r>
-              <a:rPr lang="en-US" sz="2400" b="1" dirty="0">
+              <a:rPr lang="en-US" sz="2400" b="1" dirty="0" err="1">
                 <a:solidFill>
                   <a:srgbClr val="745716"/>
                 </a:solidFill>
@@ -5034,7 +4998,51 @@
                 <a:ea typeface="Raleway" pitchFamily="34" charset="-122"/>
                 <a:cs typeface="Raleway" pitchFamily="34" charset="-120"/>
               </a:rPr>
-              <a:t>Сложный расчет затрат</a:t>
+              <a:t>Сложный</a:t>
+            </a:r>
+            <a:r>
+              <a:rPr lang="en-US" sz="2400" b="1" dirty="0">
+                <a:solidFill>
+                  <a:srgbClr val="745716"/>
+                </a:solidFill>
+                <a:latin typeface="Century Gothic"/>
+                <a:ea typeface="Raleway" pitchFamily="34" charset="-122"/>
+                <a:cs typeface="Raleway" pitchFamily="34" charset="-120"/>
+              </a:rPr>
+              <a:t> </a:t>
+            </a:r>
+            <a:r>
+              <a:rPr lang="en-US" sz="2400" b="1" dirty="0" err="1">
+                <a:solidFill>
+                  <a:srgbClr val="745716"/>
+                </a:solidFill>
+                <a:latin typeface="Century Gothic"/>
+                <a:ea typeface="Raleway" pitchFamily="34" charset="-122"/>
+                <a:cs typeface="Raleway" pitchFamily="34" charset="-120"/>
+              </a:rPr>
+              <a:t>расчет</a:t>
+            </a:r>
+            <a:r>
+              <a:rPr lang="en-US" sz="2400" b="1" dirty="0">
+                <a:solidFill>
+                  <a:srgbClr val="745716"/>
+                </a:solidFill>
+                <a:latin typeface="Century Gothic"/>
+                <a:ea typeface="Raleway" pitchFamily="34" charset="-122"/>
+                <a:cs typeface="Raleway" pitchFamily="34" charset="-120"/>
+              </a:rPr>
+              <a:t> </a:t>
+            </a:r>
+            <a:r>
+              <a:rPr lang="en-US" sz="2400" b="1" dirty="0" err="1">
+                <a:solidFill>
+                  <a:srgbClr val="745716"/>
+                </a:solidFill>
+                <a:latin typeface="Century Gothic"/>
+                <a:ea typeface="Raleway" pitchFamily="34" charset="-122"/>
+                <a:cs typeface="Raleway" pitchFamily="34" charset="-120"/>
+              </a:rPr>
+              <a:t>затрат</a:t>
             </a:r>
             <a:endParaRPr lang="en-US" sz="2400" dirty="0">
               <a:latin typeface="Century Gothic"/>
@@ -5050,7 +5058,7 @@
         </p:nvSpPr>
         <p:spPr>
           <a:xfrm>
-            <a:off x="2037993" y="3909131"/>
+            <a:off x="2037993" y="3955185"/>
             <a:ext cx="2939201" cy="2785920"/>
           </a:xfrm>
           <a:prstGeom prst="rect">
@@ -5069,7 +5077,7 @@
               </a:lnSpc>
             </a:pPr>
             <a:r>
-              <a:rPr lang="en-US" sz="2000" err="1">
+              <a:rPr lang="en-US" sz="2000" dirty="0" err="1">
                 <a:latin typeface="Century Gothic"/>
                 <a:ea typeface="Source Serif Pro"/>
               </a:rPr>
@@ -5083,7 +5091,7 @@
               <a:t> </a:t>
             </a:r>
             <a:r>
-              <a:rPr lang="en-US" sz="2000" err="1">
+              <a:rPr lang="en-US" sz="2000" dirty="0" err="1">
                 <a:latin typeface="Century Gothic"/>
                 <a:ea typeface="Source Serif Pro"/>
               </a:rPr>
@@ -5097,7 +5105,7 @@
               <a:t> </a:t>
             </a:r>
             <a:r>
-              <a:rPr lang="en-US" sz="2000" err="1">
+              <a:rPr lang="en-US" sz="2000" dirty="0" err="1">
                 <a:latin typeface="Century Gothic"/>
                 <a:ea typeface="Source Serif Pro"/>
               </a:rPr>
@@ -5111,7 +5119,7 @@
               <a:t> </a:t>
             </a:r>
             <a:r>
-              <a:rPr lang="en-US" sz="2000" err="1">
+              <a:rPr lang="en-US" sz="2000" dirty="0" err="1">
                 <a:latin typeface="Century Gothic"/>
                 <a:ea typeface="Source Serif Pro"/>
               </a:rPr>
@@ -5125,7 +5133,7 @@
               <a:t> </a:t>
             </a:r>
             <a:r>
-              <a:rPr lang="en-US" sz="2000" err="1">
+              <a:rPr lang="en-US" sz="2000" dirty="0" err="1">
                 <a:latin typeface="Century Gothic"/>
                 <a:ea typeface="Source Serif Pro"/>
               </a:rPr>
@@ -5139,7 +5147,7 @@
               <a:t> </a:t>
             </a:r>
             <a:r>
-              <a:rPr lang="en-US" sz="2000" err="1">
+              <a:rPr lang="en-US" sz="2000" dirty="0" err="1">
                 <a:latin typeface="Century Gothic"/>
                 <a:ea typeface="Source Serif Pro"/>
               </a:rPr>
@@ -5153,7 +5161,7 @@
               <a:t> </a:t>
             </a:r>
             <a:r>
-              <a:rPr lang="en-US" sz="2000" err="1">
+              <a:rPr lang="en-US" sz="2000" dirty="0" err="1">
                 <a:latin typeface="Century Gothic"/>
                 <a:ea typeface="Source Serif Pro"/>
               </a:rPr>
@@ -5167,7 +5175,7 @@
               <a:t> </a:t>
             </a:r>
             <a:r>
-              <a:rPr lang="en-US" sz="2000" err="1">
+              <a:rPr lang="en-US" sz="2000" dirty="0" err="1">
                 <a:latin typeface="Century Gothic"/>
                 <a:ea typeface="Source Serif Pro"/>
               </a:rPr>
@@ -5181,7 +5189,7 @@
               <a:t> и </a:t>
             </a:r>
             <a:r>
-              <a:rPr lang="en-US" sz="2000" err="1">
+              <a:rPr lang="en-US" sz="2000" dirty="0" err="1">
                 <a:latin typeface="Century Gothic"/>
                 <a:ea typeface="Source Serif Pro"/>
               </a:rPr>
@@ -5195,7 +5203,7 @@
               <a:t> </a:t>
             </a:r>
             <a:r>
-              <a:rPr lang="en-US" sz="2000" err="1">
+              <a:rPr lang="en-US" sz="2000" dirty="0" err="1">
                 <a:latin typeface="Century Gothic"/>
                 <a:ea typeface="Source Serif Pro"/>
               </a:rPr>
@@ -5209,13 +5217,13 @@
               <a:t> к </a:t>
             </a:r>
             <a:r>
-              <a:rPr lang="en-US" sz="2000" err="1">
+              <a:rPr lang="en-US" sz="2000" dirty="0" err="1">
                 <a:latin typeface="Century Gothic"/>
                 <a:ea typeface="Source Serif Pro"/>
               </a:rPr>
               <a:t>ошибкам</a:t>
             </a:r>
-            <a:endParaRPr lang="en-US" sz="2000">
+            <a:endParaRPr lang="en-US" sz="2000" dirty="0">
               <a:latin typeface="Century Gothic"/>
               <a:ea typeface="Source Serif Pro"/>
             </a:endParaRPr>
@@ -5230,7 +5238,7 @@
         </p:nvSpPr>
         <p:spPr>
           <a:xfrm>
-            <a:off x="6270498" y="2578060"/>
+            <a:off x="6270498" y="2573558"/>
             <a:ext cx="2451521" cy="1041559"/>
           </a:xfrm>
           <a:prstGeom prst="rect">
@@ -5244,13 +5252,10 @@
           <a:lstStyle/>
           <a:p>
             <a:pPr marL="0" indent="0">
-              <a:lnSpc>
-                <a:spcPts val="2734"/>
-              </a:lnSpc>
               <a:buNone/>
             </a:pPr>
             <a:r>
-              <a:rPr lang="en-US" sz="2400" b="1" dirty="0">
+              <a:rPr lang="en-US" sz="2400" b="1" dirty="0" err="1">
                 <a:solidFill>
                   <a:srgbClr val="745716"/>
                 </a:solidFill>
@@ -5258,7 +5263,51 @@
                 <a:ea typeface="Raleway" pitchFamily="34" charset="-122"/>
                 <a:cs typeface="Raleway" pitchFamily="34" charset="-120"/>
               </a:rPr>
-              <a:t>Отсутствие управления рецептами</a:t>
+              <a:t>Отсутствие</a:t>
+            </a:r>
+            <a:r>
+              <a:rPr lang="en-US" sz="2400" b="1" dirty="0">
+                <a:solidFill>
+                  <a:srgbClr val="745716"/>
+                </a:solidFill>
+                <a:latin typeface="Raleway"/>
+                <a:ea typeface="Raleway" pitchFamily="34" charset="-122"/>
+                <a:cs typeface="Raleway" pitchFamily="34" charset="-120"/>
+              </a:rPr>
+              <a:t> </a:t>
+            </a:r>
+            <a:r>
+              <a:rPr lang="en-US" sz="2400" b="1" dirty="0" err="1">
+                <a:solidFill>
+                  <a:srgbClr val="745716"/>
+                </a:solidFill>
+                <a:latin typeface="Raleway"/>
+                <a:ea typeface="Raleway" pitchFamily="34" charset="-122"/>
+                <a:cs typeface="Raleway" pitchFamily="34" charset="-120"/>
+              </a:rPr>
+              <a:t>управления</a:t>
+            </a:r>
+            <a:r>
+              <a:rPr lang="en-US" sz="2400" b="1" dirty="0">
+                <a:solidFill>
+                  <a:srgbClr val="745716"/>
+                </a:solidFill>
+                <a:latin typeface="Raleway"/>
+                <a:ea typeface="Raleway" pitchFamily="34" charset="-122"/>
+                <a:cs typeface="Raleway" pitchFamily="34" charset="-120"/>
+              </a:rPr>
+              <a:t> </a:t>
+            </a:r>
+            <a:r>
+              <a:rPr lang="en-US" sz="2400" b="1" dirty="0" err="1">
+                <a:solidFill>
+                  <a:srgbClr val="745716"/>
+                </a:solidFill>
+                <a:latin typeface="Raleway"/>
+                <a:ea typeface="Raleway" pitchFamily="34" charset="-122"/>
+                <a:cs typeface="Raleway" pitchFamily="34" charset="-120"/>
+              </a:rPr>
+              <a:t>рецептами</a:t>
             </a:r>
             <a:endParaRPr lang="en-US" sz="2400" dirty="0">
               <a:latin typeface="Raleway"/>
@@ -5294,6 +5343,17 @@
               <a:buNone/>
             </a:pPr>
             <a:r>
+              <a:rPr lang="en-US" sz="2000" dirty="0" err="1">
+                <a:solidFill>
+                  <a:srgbClr val="000000"/>
+                </a:solidFill>
+                <a:latin typeface="Century Gothic"/>
+                <a:ea typeface="Source Serif Pro"/>
+                <a:cs typeface="Source Serif Pro" pitchFamily="34" charset="-120"/>
+              </a:rPr>
+              <a:t>Нет</a:t>
+            </a:r>
+            <a:r>
               <a:rPr lang="en-US" sz="2000" dirty="0">
                 <a:solidFill>
                   <a:srgbClr val="000000"/>
@@ -5302,7 +5362,7 @@
                 <a:ea typeface="Source Serif Pro"/>
                 <a:cs typeface="Source Serif Pro" pitchFamily="34" charset="-120"/>
               </a:rPr>
-              <a:t>Нет единого места для хранения и </a:t>
+              <a:t> </a:t>
             </a:r>
             <a:r>
               <a:rPr lang="en-US" sz="2000" dirty="0" err="1">
@@ -5313,6 +5373,94 @@
                 <a:ea typeface="Source Serif Pro"/>
                 <a:cs typeface="Source Serif Pro" pitchFamily="34" charset="-120"/>
               </a:rPr>
+              <a:t>единого</a:t>
+            </a:r>
+            <a:r>
+              <a:rPr lang="en-US" sz="2000" dirty="0">
+                <a:solidFill>
+                  <a:srgbClr val="000000"/>
+                </a:solidFill>
+                <a:latin typeface="Century Gothic"/>
+                <a:ea typeface="Source Serif Pro"/>
+                <a:cs typeface="Source Serif Pro" pitchFamily="34" charset="-120"/>
+              </a:rPr>
+              <a:t> </a:t>
+            </a:r>
+            <a:r>
+              <a:rPr lang="en-US" sz="2000" dirty="0" err="1">
+                <a:solidFill>
+                  <a:srgbClr val="000000"/>
+                </a:solidFill>
+                <a:latin typeface="Century Gothic"/>
+                <a:ea typeface="Source Serif Pro"/>
+                <a:cs typeface="Source Serif Pro" pitchFamily="34" charset="-120"/>
+              </a:rPr>
+              <a:t>места</a:t>
+            </a:r>
+            <a:r>
+              <a:rPr lang="en-US" sz="2000" dirty="0">
+                <a:solidFill>
+                  <a:srgbClr val="000000"/>
+                </a:solidFill>
+                <a:latin typeface="Century Gothic"/>
+                <a:ea typeface="Source Serif Pro"/>
+                <a:cs typeface="Source Serif Pro" pitchFamily="34" charset="-120"/>
+              </a:rPr>
+              <a:t> </a:t>
+            </a:r>
+            <a:r>
+              <a:rPr lang="en-US" sz="2000" dirty="0" err="1">
+                <a:solidFill>
+                  <a:srgbClr val="000000"/>
+                </a:solidFill>
+                <a:latin typeface="Century Gothic"/>
+                <a:ea typeface="Source Serif Pro"/>
+                <a:cs typeface="Source Serif Pro" pitchFamily="34" charset="-120"/>
+              </a:rPr>
+              <a:t>для</a:t>
+            </a:r>
+            <a:r>
+              <a:rPr lang="en-US" sz="2000" dirty="0">
+                <a:solidFill>
+                  <a:srgbClr val="000000"/>
+                </a:solidFill>
+                <a:latin typeface="Century Gothic"/>
+                <a:ea typeface="Source Serif Pro"/>
+                <a:cs typeface="Source Serif Pro" pitchFamily="34" charset="-120"/>
+              </a:rPr>
+              <a:t> </a:t>
+            </a:r>
+            <a:r>
+              <a:rPr lang="en-US" sz="2000" dirty="0" err="1">
+                <a:solidFill>
+                  <a:srgbClr val="000000"/>
+                </a:solidFill>
+                <a:latin typeface="Century Gothic"/>
+                <a:ea typeface="Source Serif Pro"/>
+                <a:cs typeface="Source Serif Pro" pitchFamily="34" charset="-120"/>
+              </a:rPr>
+              <a:t>хранения</a:t>
+            </a:r>
+            <a:r>
+              <a:rPr lang="en-US" sz="2000" dirty="0">
+                <a:solidFill>
+                  <a:srgbClr val="000000"/>
+                </a:solidFill>
+                <a:latin typeface="Century Gothic"/>
+                <a:ea typeface="Source Serif Pro"/>
+                <a:cs typeface="Source Serif Pro" pitchFamily="34" charset="-120"/>
+              </a:rPr>
+              <a:t> и </a:t>
+            </a:r>
+            <a:r>
+              <a:rPr lang="en-US" sz="2000" dirty="0" err="1">
+                <a:solidFill>
+                  <a:srgbClr val="000000"/>
+                </a:solidFill>
+                <a:latin typeface="Century Gothic"/>
+                <a:ea typeface="Source Serif Pro"/>
+                <a:cs typeface="Source Serif Pro" pitchFamily="34" charset="-120"/>
+              </a:rPr>
               <a:t>управления</a:t>
             </a:r>
             <a:r>
@@ -5337,7 +5485,7 @@
               </a:rPr>
               <a:t>рецептами</a:t>
             </a:r>
-            <a:endParaRPr lang="en-US" sz="2000" dirty="0" err="1">
+            <a:endParaRPr lang="en-US" sz="2000" dirty="0">
               <a:latin typeface="Century Gothic"/>
               <a:ea typeface="Source Serif Pro"/>
             </a:endParaRPr>
@@ -5352,7 +5500,7 @@
         </p:nvSpPr>
         <p:spPr>
           <a:xfrm>
-            <a:off x="10161627" y="2578060"/>
+            <a:off x="10161627" y="2573557"/>
             <a:ext cx="2658785" cy="1041559"/>
           </a:xfrm>
           <a:prstGeom prst="rect">
@@ -5366,13 +5514,10 @@
           <a:lstStyle/>
           <a:p>
             <a:pPr marL="0" indent="0">
-              <a:lnSpc>
-                <a:spcPts val="2734"/>
-              </a:lnSpc>
               <a:buNone/>
             </a:pPr>
             <a:r>
-              <a:rPr lang="en-US" sz="2400" b="1" dirty="0">
+              <a:rPr lang="en-US" sz="2400" b="1" dirty="0" err="1">
                 <a:solidFill>
                   <a:srgbClr val="745716"/>
                 </a:solidFill>
@@ -5380,9 +5525,53 @@
                 <a:ea typeface="Raleway" pitchFamily="34" charset="-122"/>
                 <a:cs typeface="Raleway" pitchFamily="34" charset="-120"/>
               </a:rPr>
-              <a:t>Сложный анализ прибыльности</a:t>
-            </a:r>
-            <a:endParaRPr lang="en-US" sz="2400">
+              <a:t>Сложный</a:t>
+            </a:r>
+            <a:r>
+              <a:rPr lang="en-US" sz="2400" b="1" dirty="0">
+                <a:solidFill>
+                  <a:srgbClr val="745716"/>
+                </a:solidFill>
+                <a:latin typeface="Century Gothic"/>
+                <a:ea typeface="Raleway" pitchFamily="34" charset="-122"/>
+                <a:cs typeface="Raleway" pitchFamily="34" charset="-120"/>
+              </a:rPr>
+              <a:t> </a:t>
+            </a:r>
+            <a:r>
+              <a:rPr lang="en-US" sz="2400" b="1" dirty="0" err="1">
+                <a:solidFill>
+                  <a:srgbClr val="745716"/>
+                </a:solidFill>
+                <a:latin typeface="Century Gothic"/>
+                <a:ea typeface="Raleway" pitchFamily="34" charset="-122"/>
+                <a:cs typeface="Raleway" pitchFamily="34" charset="-120"/>
+              </a:rPr>
+              <a:t>анализ</a:t>
+            </a:r>
+            <a:r>
+              <a:rPr lang="en-US" sz="2400" b="1" dirty="0">
+                <a:solidFill>
+                  <a:srgbClr val="745716"/>
+                </a:solidFill>
+                <a:latin typeface="Century Gothic"/>
+                <a:ea typeface="Raleway" pitchFamily="34" charset="-122"/>
+                <a:cs typeface="Raleway" pitchFamily="34" charset="-120"/>
+              </a:rPr>
+              <a:t> </a:t>
+            </a:r>
+            <a:r>
+              <a:rPr lang="en-US" sz="2400" b="1" dirty="0" err="1">
+                <a:solidFill>
+                  <a:srgbClr val="745716"/>
+                </a:solidFill>
+                <a:latin typeface="Century Gothic"/>
+                <a:ea typeface="Raleway" pitchFamily="34" charset="-122"/>
+                <a:cs typeface="Raleway" pitchFamily="34" charset="-120"/>
+              </a:rPr>
+              <a:t>прибыльности</a:t>
+            </a:r>
+            <a:endParaRPr lang="en-US" sz="2400" dirty="0">
               <a:latin typeface="Century Gothic"/>
             </a:endParaRPr>
           </a:p>
@@ -5396,7 +5585,7 @@
         </p:nvSpPr>
         <p:spPr>
           <a:xfrm>
-            <a:off x="10161627" y="3914942"/>
+            <a:off x="10161627" y="3959581"/>
             <a:ext cx="2658785" cy="2794445"/>
           </a:xfrm>
           <a:prstGeom prst="rect">
@@ -5416,6 +5605,17 @@
               <a:buNone/>
             </a:pPr>
             <a:r>
+              <a:rPr lang="en-US" sz="2000" dirty="0" err="1">
+                <a:solidFill>
+                  <a:srgbClr val="000000"/>
+                </a:solidFill>
+                <a:latin typeface="Century Gothic"/>
+                <a:ea typeface="Source Serif Pro"/>
+                <a:cs typeface="Source Serif Pro" pitchFamily="34" charset="-120"/>
+              </a:rPr>
+              <a:t>Трудно</a:t>
+            </a:r>
+            <a:r>
               <a:rPr lang="en-US" sz="2000" dirty="0">
                 <a:solidFill>
                   <a:srgbClr val="000000"/>
@@ -5424,7 +5624,7 @@
                 <a:ea typeface="Source Serif Pro"/>
                 <a:cs typeface="Source Serif Pro" pitchFamily="34" charset="-120"/>
               </a:rPr>
-              <a:t>Трудно проанализировать прибыльность </a:t>
+              <a:t> </a:t>
             </a:r>
             <a:r>
               <a:rPr lang="en-US" sz="2000" dirty="0" err="1">
@@ -5435,6 +5635,50 @@
                 <a:ea typeface="Source Serif Pro"/>
                 <a:cs typeface="Source Serif Pro" pitchFamily="34" charset="-120"/>
               </a:rPr>
+              <a:t>проанализировать</a:t>
+            </a:r>
+            <a:r>
+              <a:rPr lang="en-US" sz="2000" dirty="0">
+                <a:solidFill>
+                  <a:srgbClr val="000000"/>
+                </a:solidFill>
+                <a:latin typeface="Century Gothic"/>
+                <a:ea typeface="Source Serif Pro"/>
+                <a:cs typeface="Source Serif Pro" pitchFamily="34" charset="-120"/>
+              </a:rPr>
+              <a:t> </a:t>
+            </a:r>
+            <a:r>
+              <a:rPr lang="en-US" sz="2000" dirty="0" err="1">
+                <a:solidFill>
+                  <a:srgbClr val="000000"/>
+                </a:solidFill>
+                <a:latin typeface="Century Gothic"/>
+                <a:ea typeface="Source Serif Pro"/>
+                <a:cs typeface="Source Serif Pro" pitchFamily="34" charset="-120"/>
+              </a:rPr>
+              <a:t>прибыльность</a:t>
+            </a:r>
+            <a:r>
+              <a:rPr lang="en-US" sz="2000" dirty="0">
+                <a:solidFill>
+                  <a:srgbClr val="000000"/>
+                </a:solidFill>
+                <a:latin typeface="Century Gothic"/>
+                <a:ea typeface="Source Serif Pro"/>
+                <a:cs typeface="Source Serif Pro" pitchFamily="34" charset="-120"/>
+              </a:rPr>
+              <a:t> </a:t>
+            </a:r>
+            <a:r>
+              <a:rPr lang="en-US" sz="2000" dirty="0" err="1">
+                <a:solidFill>
+                  <a:srgbClr val="000000"/>
+                </a:solidFill>
+                <a:latin typeface="Century Gothic"/>
+                <a:ea typeface="Source Serif Pro"/>
+                <a:cs typeface="Source Serif Pro" pitchFamily="34" charset="-120"/>
+              </a:rPr>
               <a:t>каждого</a:t>
             </a:r>
             <a:r>
@@ -5481,7 +5725,7 @@
               </a:rPr>
               <a:t>продукции</a:t>
             </a:r>
-            <a:endParaRPr lang="en-US" sz="2000" dirty="0" err="1">
+            <a:endParaRPr lang="en-US" sz="2000" dirty="0">
               <a:latin typeface="Century Gothic"/>
               <a:ea typeface="Source Serif Pro"/>
             </a:endParaRPr>
@@ -5522,12 +5766,12 @@
               <a:buNone/>
             </a:pPr>
             <a:r>
-              <a:rPr lang="en-US" sz="4400" b="1" err="1">
+              <a:rPr lang="en-US" sz="4400" b="1" dirty="0" err="1">
                 <a:latin typeface="Century Gothic"/>
               </a:rPr>
               <a:t>Проблемы</a:t>
             </a:r>
-            <a:endParaRPr lang="en-US" sz="4400" b="1">
+            <a:endParaRPr lang="en-US" sz="4400" b="1" dirty="0">
               <a:latin typeface="Century Gothic"/>
             </a:endParaRPr>
           </a:p>
@@ -5566,7 +5810,7 @@
           <a:p>
             <a:pPr algn="l"/>
             <a:r>
-              <a:rPr lang="ru-RU" sz="2000" b="1" dirty="0">
+              <a:rPr lang="ru-RU" sz="2000" b="1">
                 <a:solidFill>
                   <a:srgbClr val="745716"/>
                 </a:solidFill>
@@ -5575,7 +5819,7 @@
               </a:rPr>
               <a:t>4</a:t>
             </a:r>
-            <a:endParaRPr lang="ru-RU" sz="2000" b="1" dirty="0">
+            <a:endParaRPr lang="ru-RU" sz="2000" b="1">
               <a:solidFill>
                 <a:srgbClr val="745716"/>
               </a:solidFill>
@@ -5637,7 +5881,7 @@
               <a:buNone/>
             </a:pPr>
             <a:r>
-              <a:rPr lang="en-US" sz="4400" b="1" dirty="0">
+              <a:rPr lang="en-US" sz="4400" b="1">
                 <a:latin typeface="Century Gothic"/>
                 <a:ea typeface="Raleway" pitchFamily="34" charset="-122"/>
                 <a:cs typeface="Raleway" pitchFamily="34" charset="-120"/>
@@ -5658,8 +5902,8 @@
         </p:nvSpPr>
         <p:spPr>
           <a:xfrm>
-            <a:off x="2988969" y="4195810"/>
-            <a:ext cx="3295888" cy="694373"/>
+            <a:off x="2013609" y="4114800"/>
+            <a:ext cx="3295888" cy="987778"/>
           </a:xfrm>
           <a:prstGeom prst="rect">
             <a:avLst/>
@@ -5672,13 +5916,10 @@
           <a:lstStyle/>
           <a:p>
             <a:pPr marL="0" indent="0" algn="l">
-              <a:lnSpc>
-                <a:spcPts val="2734"/>
-              </a:lnSpc>
               <a:buNone/>
             </a:pPr>
             <a:r>
-              <a:rPr lang="en-US" sz="2400" b="1" dirty="0">
+              <a:rPr lang="en-US" sz="2400" b="1" dirty="0" err="1">
                 <a:solidFill>
                   <a:srgbClr val="745716"/>
                 </a:solidFill>
@@ -5686,7 +5927,51 @@
                 <a:ea typeface="Raleway" pitchFamily="34" charset="-122"/>
                 <a:cs typeface="Raleway" pitchFamily="34" charset="-120"/>
               </a:rPr>
-              <a:t>Владельцы малого бизнеса</a:t>
+              <a:t>Владельцы</a:t>
+            </a:r>
+            <a:r>
+              <a:rPr lang="en-US" sz="2400" b="1" dirty="0">
+                <a:solidFill>
+                  <a:srgbClr val="745716"/>
+                </a:solidFill>
+                <a:latin typeface="Century Gothic"/>
+                <a:ea typeface="Raleway" pitchFamily="34" charset="-122"/>
+                <a:cs typeface="Raleway" pitchFamily="34" charset="-120"/>
+              </a:rPr>
+              <a:t> </a:t>
+            </a:r>
+            <a:r>
+              <a:rPr lang="en-US" sz="2400" b="1" dirty="0" err="1">
+                <a:solidFill>
+                  <a:srgbClr val="745716"/>
+                </a:solidFill>
+                <a:latin typeface="Century Gothic"/>
+                <a:ea typeface="Raleway" pitchFamily="34" charset="-122"/>
+                <a:cs typeface="Raleway" pitchFamily="34" charset="-120"/>
+              </a:rPr>
+              <a:t>малого</a:t>
+            </a:r>
+            <a:r>
+              <a:rPr lang="en-US" sz="2400" b="1" dirty="0">
+                <a:solidFill>
+                  <a:srgbClr val="745716"/>
+                </a:solidFill>
+                <a:latin typeface="Century Gothic"/>
+                <a:ea typeface="Raleway" pitchFamily="34" charset="-122"/>
+                <a:cs typeface="Raleway" pitchFamily="34" charset="-120"/>
+              </a:rPr>
+              <a:t> </a:t>
+            </a:r>
+            <a:r>
+              <a:rPr lang="en-US" sz="2400" b="1" dirty="0" err="1">
+                <a:solidFill>
+                  <a:srgbClr val="745716"/>
+                </a:solidFill>
+                <a:latin typeface="Century Gothic"/>
+                <a:ea typeface="Raleway" pitchFamily="34" charset="-122"/>
+                <a:cs typeface="Raleway" pitchFamily="34" charset="-120"/>
+              </a:rPr>
+              <a:t>бизнеса</a:t>
             </a:r>
             <a:endParaRPr lang="en-US" sz="2400" dirty="0">
               <a:latin typeface="Century Gothic"/>
@@ -5702,7 +5987,7 @@
         </p:nvSpPr>
         <p:spPr>
           <a:xfrm>
-            <a:off x="2988969" y="5023414"/>
+            <a:off x="2017443" y="5018128"/>
             <a:ext cx="3295888" cy="2132409"/>
           </a:xfrm>
           <a:prstGeom prst="rect">
@@ -5722,6 +6007,17 @@
               <a:buNone/>
             </a:pPr>
             <a:r>
+              <a:rPr lang="en-US" sz="2000" dirty="0" err="1">
+                <a:solidFill>
+                  <a:srgbClr val="000000"/>
+                </a:solidFill>
+                <a:latin typeface="Century Gothic"/>
+                <a:ea typeface="Source Serif Pro"/>
+                <a:cs typeface="Source Serif Pro" pitchFamily="34" charset="-120"/>
+              </a:rPr>
+              <a:t>которые</a:t>
+            </a:r>
+            <a:r>
               <a:rPr lang="en-US" sz="2000" dirty="0">
                 <a:solidFill>
                   <a:srgbClr val="000000"/>
@@ -5730,9 +6026,218 @@
                 <a:ea typeface="Source Serif Pro"/>
                 <a:cs typeface="Source Serif Pro" pitchFamily="34" charset="-120"/>
               </a:rPr>
-              <a:t>которые нуждаются в инструменте для точного расчета себестоимости и цен на свою продукцию.</a:t>
-            </a:r>
-            <a:endParaRPr lang="en-US" sz="1750" dirty="0">
+              <a:t> </a:t>
+            </a:r>
+            <a:r>
+              <a:rPr lang="en-US" sz="2000" dirty="0" err="1">
+                <a:solidFill>
+                  <a:srgbClr val="000000"/>
+                </a:solidFill>
+                <a:latin typeface="Century Gothic"/>
+                <a:ea typeface="Source Serif Pro"/>
+                <a:cs typeface="Source Serif Pro" pitchFamily="34" charset="-120"/>
+              </a:rPr>
+              <a:t>нуждаются</a:t>
+            </a:r>
+            <a:r>
+              <a:rPr lang="en-US" sz="2000" dirty="0">
+                <a:solidFill>
+                  <a:srgbClr val="000000"/>
+                </a:solidFill>
+                <a:latin typeface="Century Gothic"/>
+                <a:ea typeface="Source Serif Pro"/>
+                <a:cs typeface="Source Serif Pro" pitchFamily="34" charset="-120"/>
+              </a:rPr>
+              <a:t> в </a:t>
+            </a:r>
+            <a:r>
+              <a:rPr lang="en-US" sz="2000" dirty="0" err="1">
+                <a:solidFill>
+                  <a:srgbClr val="000000"/>
+                </a:solidFill>
+                <a:latin typeface="Century Gothic"/>
+                <a:ea typeface="Source Serif Pro"/>
+                <a:cs typeface="Source Serif Pro" pitchFamily="34" charset="-120"/>
+              </a:rPr>
+              <a:t>инструменте</a:t>
+            </a:r>
+            <a:r>
+              <a:rPr lang="en-US" sz="2000" dirty="0">
+                <a:solidFill>
+                  <a:srgbClr val="000000"/>
+                </a:solidFill>
+                <a:latin typeface="Century Gothic"/>
+                <a:ea typeface="Source Serif Pro"/>
+                <a:cs typeface="Source Serif Pro" pitchFamily="34" charset="-120"/>
+              </a:rPr>
+              <a:t> </a:t>
+            </a:r>
+            <a:r>
+              <a:rPr lang="en-US" sz="2000" dirty="0" err="1">
+                <a:solidFill>
+                  <a:srgbClr val="000000"/>
+                </a:solidFill>
+                <a:latin typeface="Century Gothic"/>
+                <a:ea typeface="Source Serif Pro"/>
+                <a:cs typeface="Source Serif Pro" pitchFamily="34" charset="-120"/>
+              </a:rPr>
+              <a:t>для</a:t>
+            </a:r>
+            <a:r>
+              <a:rPr lang="en-US" sz="2000" dirty="0">
+                <a:solidFill>
+                  <a:srgbClr val="000000"/>
+                </a:solidFill>
+                <a:latin typeface="Century Gothic"/>
+                <a:ea typeface="Source Serif Pro"/>
+                <a:cs typeface="Source Serif Pro" pitchFamily="34" charset="-120"/>
+              </a:rPr>
+              <a:t> </a:t>
+            </a:r>
+            <a:r>
+              <a:rPr lang="en-US" sz="2000" dirty="0" err="1">
+                <a:solidFill>
+                  <a:srgbClr val="000000"/>
+                </a:solidFill>
+                <a:latin typeface="Century Gothic"/>
+                <a:ea typeface="Source Serif Pro"/>
+                <a:cs typeface="Source Serif Pro" pitchFamily="34" charset="-120"/>
+              </a:rPr>
+              <a:t>точного</a:t>
+            </a:r>
+            <a:r>
+              <a:rPr lang="en-US" sz="2000" dirty="0">
+                <a:solidFill>
+                  <a:srgbClr val="000000"/>
+                </a:solidFill>
+                <a:latin typeface="Century Gothic"/>
+                <a:ea typeface="Source Serif Pro"/>
+                <a:cs typeface="Source Serif Pro" pitchFamily="34" charset="-120"/>
+              </a:rPr>
+              <a:t> </a:t>
+            </a:r>
+            <a:r>
+              <a:rPr lang="en-US" sz="2000" dirty="0" err="1">
+                <a:solidFill>
+                  <a:srgbClr val="000000"/>
+                </a:solidFill>
+                <a:latin typeface="Century Gothic"/>
+                <a:ea typeface="Source Serif Pro"/>
+                <a:cs typeface="Source Serif Pro" pitchFamily="34" charset="-120"/>
+              </a:rPr>
+              <a:t>расчета</a:t>
+            </a:r>
+            <a:r>
+              <a:rPr lang="en-US" sz="2000" dirty="0">
+                <a:solidFill>
+                  <a:srgbClr val="000000"/>
+                </a:solidFill>
+                <a:latin typeface="Century Gothic"/>
+                <a:ea typeface="Source Serif Pro"/>
+                <a:cs typeface="Source Serif Pro" pitchFamily="34" charset="-120"/>
+              </a:rPr>
+              <a:t> </a:t>
+            </a:r>
+            <a:r>
+              <a:rPr lang="en-US" sz="2000" dirty="0" err="1">
+                <a:solidFill>
+                  <a:srgbClr val="000000"/>
+                </a:solidFill>
+                <a:latin typeface="Century Gothic"/>
+                <a:ea typeface="Source Serif Pro"/>
+                <a:cs typeface="Source Serif Pro" pitchFamily="34" charset="-120"/>
+              </a:rPr>
+              <a:t>себестоимости</a:t>
+            </a:r>
+            <a:r>
+              <a:rPr lang="en-US" sz="2000" dirty="0">
+                <a:solidFill>
+                  <a:srgbClr val="000000"/>
+                </a:solidFill>
+                <a:latin typeface="Century Gothic"/>
+                <a:ea typeface="Source Serif Pro"/>
+                <a:cs typeface="Source Serif Pro" pitchFamily="34" charset="-120"/>
+              </a:rPr>
+              <a:t> и </a:t>
+            </a:r>
+            <a:r>
+              <a:rPr lang="en-US" sz="2000" dirty="0" err="1">
+                <a:solidFill>
+                  <a:srgbClr val="000000"/>
+                </a:solidFill>
+                <a:latin typeface="Century Gothic"/>
+                <a:ea typeface="Source Serif Pro"/>
+                <a:cs typeface="Source Serif Pro" pitchFamily="34" charset="-120"/>
+              </a:rPr>
+              <a:t>цен</a:t>
+            </a:r>
+            <a:r>
+              <a:rPr lang="en-US" sz="2000" dirty="0">
+                <a:solidFill>
+                  <a:srgbClr val="000000"/>
+                </a:solidFill>
+                <a:latin typeface="Century Gothic"/>
+                <a:ea typeface="Source Serif Pro"/>
+                <a:cs typeface="Source Serif Pro" pitchFamily="34" charset="-120"/>
+              </a:rPr>
+              <a:t> </a:t>
+            </a:r>
+            <a:r>
+              <a:rPr lang="en-US" sz="2000" dirty="0" err="1">
+                <a:solidFill>
+                  <a:srgbClr val="000000"/>
+                </a:solidFill>
+                <a:latin typeface="Century Gothic"/>
+                <a:ea typeface="Source Serif Pro"/>
+                <a:cs typeface="Source Serif Pro" pitchFamily="34" charset="-120"/>
+              </a:rPr>
+              <a:t>на</a:t>
+            </a:r>
+            <a:r>
+              <a:rPr lang="en-US" sz="2000" dirty="0">
+                <a:solidFill>
+                  <a:srgbClr val="000000"/>
+                </a:solidFill>
+                <a:latin typeface="Century Gothic"/>
+                <a:ea typeface="Source Serif Pro"/>
+                <a:cs typeface="Source Serif Pro" pitchFamily="34" charset="-120"/>
+              </a:rPr>
+              <a:t> </a:t>
+            </a:r>
+            <a:r>
+              <a:rPr lang="en-US" sz="2000" dirty="0" err="1">
+                <a:solidFill>
+                  <a:srgbClr val="000000"/>
+                </a:solidFill>
+                <a:latin typeface="Century Gothic"/>
+                <a:ea typeface="Source Serif Pro"/>
+                <a:cs typeface="Source Serif Pro" pitchFamily="34" charset="-120"/>
+              </a:rPr>
+              <a:t>свою</a:t>
+            </a:r>
+            <a:r>
+              <a:rPr lang="en-US" sz="2000" dirty="0">
+                <a:solidFill>
+                  <a:srgbClr val="000000"/>
+                </a:solidFill>
+                <a:latin typeface="Century Gothic"/>
+                <a:ea typeface="Source Serif Pro"/>
+                <a:cs typeface="Source Serif Pro" pitchFamily="34" charset="-120"/>
+              </a:rPr>
+              <a:t> </a:t>
+            </a:r>
+            <a:r>
+              <a:rPr lang="en-US" sz="2000" dirty="0" err="1">
+                <a:solidFill>
+                  <a:srgbClr val="000000"/>
+                </a:solidFill>
+                <a:latin typeface="Century Gothic"/>
+                <a:ea typeface="Source Serif Pro"/>
+                <a:cs typeface="Source Serif Pro" pitchFamily="34" charset="-120"/>
+              </a:rPr>
+              <a:t>продукцию</a:t>
+            </a:r>
+            <a:endParaRPr lang="en-US" sz="2000" dirty="0" err="1">
               <a:latin typeface="Century Gothic"/>
               <a:ea typeface="Source Serif Pro"/>
             </a:endParaRPr>
@@ -5771,8 +6276,8 @@
         </p:nvSpPr>
         <p:spPr>
           <a:xfrm>
-            <a:off x="8471297" y="4195929"/>
-            <a:ext cx="3296007" cy="694373"/>
+            <a:off x="8471297" y="4108693"/>
+            <a:ext cx="3296007" cy="1205556"/>
           </a:xfrm>
           <a:prstGeom prst="rect">
             <a:avLst/>
@@ -5785,13 +6290,10 @@
           <a:lstStyle/>
           <a:p>
             <a:pPr marL="0" indent="0" algn="l">
-              <a:lnSpc>
-                <a:spcPts val="2734"/>
-              </a:lnSpc>
               <a:buNone/>
             </a:pPr>
             <a:r>
-              <a:rPr lang="en-US" sz="2400" b="1" dirty="0">
+              <a:rPr lang="en-US" sz="2400" b="1" dirty="0" err="1">
                 <a:solidFill>
                   <a:srgbClr val="745716"/>
                 </a:solidFill>
@@ -5799,9 +6301,53 @@
                 <a:ea typeface="Raleway" pitchFamily="34" charset="-122"/>
                 <a:cs typeface="Raleway" pitchFamily="34" charset="-120"/>
               </a:rPr>
-              <a:t>Любители кондитерского дела</a:t>
-            </a:r>
-            <a:endParaRPr lang="en-US" sz="2400" dirty="0" err="1">
+              <a:t>Любители</a:t>
+            </a:r>
+            <a:r>
+              <a:rPr lang="en-US" sz="2400" b="1" dirty="0">
+                <a:solidFill>
+                  <a:srgbClr val="745716"/>
+                </a:solidFill>
+                <a:latin typeface="Century Gothic"/>
+                <a:ea typeface="Raleway" pitchFamily="34" charset="-122"/>
+                <a:cs typeface="Raleway" pitchFamily="34" charset="-120"/>
+              </a:rPr>
+              <a:t> </a:t>
+            </a:r>
+            <a:r>
+              <a:rPr lang="en-US" sz="2400" b="1" dirty="0" err="1">
+                <a:solidFill>
+                  <a:srgbClr val="745716"/>
+                </a:solidFill>
+                <a:latin typeface="Century Gothic"/>
+                <a:ea typeface="Raleway" pitchFamily="34" charset="-122"/>
+                <a:cs typeface="Raleway" pitchFamily="34" charset="-120"/>
+              </a:rPr>
+              <a:t>кондитерского</a:t>
+            </a:r>
+            <a:r>
+              <a:rPr lang="en-US" sz="2400" b="1" dirty="0">
+                <a:solidFill>
+                  <a:srgbClr val="745716"/>
+                </a:solidFill>
+                <a:latin typeface="Century Gothic"/>
+                <a:ea typeface="Raleway" pitchFamily="34" charset="-122"/>
+                <a:cs typeface="Raleway" pitchFamily="34" charset="-120"/>
+              </a:rPr>
+              <a:t> </a:t>
+            </a:r>
+            <a:r>
+              <a:rPr lang="en-US" sz="2400" b="1" dirty="0" err="1">
+                <a:solidFill>
+                  <a:srgbClr val="745716"/>
+                </a:solidFill>
+                <a:latin typeface="Century Gothic"/>
+                <a:ea typeface="Raleway" pitchFamily="34" charset="-122"/>
+                <a:cs typeface="Raleway" pitchFamily="34" charset="-120"/>
+              </a:rPr>
+              <a:t>дела</a:t>
+            </a:r>
+            <a:endParaRPr lang="en-US" sz="2400" dirty="0">
               <a:latin typeface="Century Gothic"/>
             </a:endParaRPr>
           </a:p>
@@ -5815,7 +6361,7 @@
         </p:nvSpPr>
         <p:spPr>
           <a:xfrm>
-            <a:off x="8471297" y="5401485"/>
+            <a:off x="8471296" y="5314249"/>
             <a:ext cx="3296007" cy="1366147"/>
           </a:xfrm>
           <a:prstGeom prst="rect">
@@ -5932,18 +6478,7 @@
               </a:rPr>
               <a:t>затратами</a:t>
             </a:r>
-            <a:r>
-              <a:rPr lang="en-US" sz="2000" dirty="0">
-                <a:solidFill>
-                  <a:srgbClr val="000000"/>
-                </a:solidFill>
-                <a:latin typeface="Century Gothic"/>
-                <a:ea typeface="Source Serif Pro"/>
-                <a:cs typeface="Source Serif Pro" pitchFamily="34" charset="-120"/>
-              </a:rPr>
-              <a:t>.</a:t>
-            </a:r>
-            <a:endParaRPr lang="en-US" sz="1750" dirty="0">
+            <a:endParaRPr lang="en-US" sz="2000" dirty="0" err="1">
               <a:latin typeface="Century Gothic"/>
               <a:ea typeface="Source Serif Pro"/>
             </a:endParaRPr>
@@ -5972,7 +6507,7 @@
         </p:blipFill>
         <p:spPr>
           <a:xfrm>
-            <a:off x="2985135" y="1837753"/>
+            <a:off x="2013609" y="1832467"/>
             <a:ext cx="3295650" cy="2019300"/>
           </a:xfrm>
           <a:prstGeom prst="roundRect">
@@ -6016,7 +6551,7 @@
           <a:p>
             <a:pPr algn="l"/>
             <a:r>
-              <a:rPr lang="ru-RU" sz="2000" b="1" dirty="0">
+              <a:rPr lang="ru-RU" sz="2000" b="1">
                 <a:solidFill>
                   <a:srgbClr val="745716"/>
                 </a:solidFill>
@@ -6025,7 +6560,7 @@
               </a:rPr>
               <a:t>5</a:t>
             </a:r>
-            <a:endParaRPr lang="ru-RU" sz="2000" b="1" dirty="0">
+            <a:endParaRPr lang="ru-RU" sz="2000" b="1">
               <a:solidFill>
                 <a:srgbClr val="745716"/>
               </a:solidFill>
@@ -6092,11 +6627,26 @@
               </a:lnSpc>
             </a:pPr>
             <a:r>
+              <a:rPr lang="en-US" sz="4400" b="1" dirty="0" err="1">
+                <a:latin typeface="Century Gothic"/>
+              </a:rPr>
+              <a:t>Предлагаемое</a:t>
+            </a:r>
+            <a:r>
               <a:rPr lang="en-US" sz="4400" b="1" dirty="0">
                 <a:latin typeface="Century Gothic"/>
               </a:rPr>
-              <a:t>Предлагаемое решение</a:t>
-            </a:r>
+              <a:t> </a:t>
+            </a:r>
+            <a:r>
+              <a:rPr lang="en-US" sz="4400" b="1" dirty="0" err="1">
+                <a:latin typeface="Century Gothic"/>
+              </a:rPr>
+              <a:t>решение</a:t>
+            </a:r>
+            <a:endParaRPr lang="en-US" sz="4400" b="1" dirty="0">
+              <a:latin typeface="Century Gothic"/>
+            </a:endParaRPr>
           </a:p>
         </p:txBody>
       </p:sp>
@@ -6133,7 +6683,7 @@
               </a:lnSpc>
             </a:pPr>
             <a:r>
-              <a:rPr lang="en-US" sz="2400" err="1">
+              <a:rPr lang="en-US" sz="2400" dirty="0" err="1">
                 <a:latin typeface="Century Gothic"/>
               </a:rPr>
               <a:t>Мобильное</a:t>
@@ -6145,7 +6695,7 @@
               <a:t> </a:t>
             </a:r>
             <a:r>
-              <a:rPr lang="en-US" sz="2400" err="1">
+              <a:rPr lang="en-US" sz="2400" dirty="0" err="1">
                 <a:latin typeface="Century Gothic"/>
               </a:rPr>
               <a:t>приложение</a:t>
@@ -6157,7 +6707,7 @@
               <a:t>, </a:t>
             </a:r>
             <a:r>
-              <a:rPr lang="en-US" sz="2400" err="1">
+              <a:rPr lang="en-US" sz="2400" dirty="0" err="1">
                 <a:latin typeface="Century Gothic"/>
               </a:rPr>
               <a:t>позволяющее</a:t>
@@ -6250,7 +6800,7 @@
               </a:rPr>
               <a:t>изделий</a:t>
             </a:r>
-            <a:endParaRPr lang="ru-RU" sz="2400" dirty="0" err="1">
+            <a:endParaRPr lang="ru-RU" sz="2400" dirty="0">
               <a:cs typeface="Calibri" panose="020F0502020204030204"/>
             </a:endParaRPr>
           </a:p>
@@ -6322,7 +6872,7 @@
           <a:p>
             <a:pPr algn="l"/>
             <a:r>
-              <a:rPr lang="ru-RU" sz="2400" b="1" dirty="0">
+              <a:rPr lang="ru-RU" sz="2400" b="1">
                 <a:solidFill>
                   <a:srgbClr val="745716"/>
                 </a:solidFill>
@@ -6401,7 +6951,7 @@
           <a:p>
             <a:pPr algn="l"/>
             <a:r>
-              <a:rPr lang="ru-RU" sz="2400" b="1" dirty="0">
+              <a:rPr lang="ru-RU" sz="2400" b="1">
                 <a:solidFill>
                   <a:srgbClr val="745716"/>
                 </a:solidFill>
@@ -6474,7 +7024,7 @@
           <a:p>
             <a:pPr algn="l"/>
             <a:r>
-              <a:rPr lang="ru-RU" sz="2400" b="1" dirty="0">
+              <a:rPr lang="ru-RU" sz="2400" b="1">
                 <a:solidFill>
                   <a:srgbClr val="745716"/>
                 </a:solidFill>
@@ -6547,7 +7097,7 @@
           <a:p>
             <a:pPr algn="l"/>
             <a:r>
-              <a:rPr lang="ru-RU" sz="2400" b="1" dirty="0">
+              <a:rPr lang="ru-RU" sz="2400" b="1">
                 <a:solidFill>
                   <a:srgbClr val="745716"/>
                 </a:solidFill>
@@ -6556,7 +7106,7 @@
               </a:rPr>
               <a:t>4</a:t>
             </a:r>
-            <a:endParaRPr lang="ru-RU" sz="2400" b="1" dirty="0">
+            <a:endParaRPr lang="ru-RU" sz="2400" b="1">
               <a:solidFill>
                 <a:srgbClr val="745716"/>
               </a:solidFill>
@@ -6736,14 +7286,14 @@
                 <a:latin typeface="Century Gothic"/>
                 <a:cs typeface="Segoe UI"/>
               </a:rPr>
-              <a:t>Получать</a:t>
+              <a:t>Формировать</a:t>
             </a:r>
             <a:r>
               <a:rPr lang="en-US" sz="2400" dirty="0">
                 <a:latin typeface="Century Gothic"/>
                 <a:cs typeface="Segoe UI"/>
               </a:rPr>
-              <a:t> </a:t>
+              <a:t> </a:t>
             </a:r>
             <a:r>
               <a:rPr lang="en-US" sz="2400" dirty="0" err="1">
@@ -6752,6 +7302,10 @@
               </a:rPr>
               <a:t>отчеты</a:t>
             </a:r>
+            <a:endParaRPr lang="en-US" sz="2400" dirty="0">
+              <a:latin typeface="Century Gothic"/>
+              <a:cs typeface="Segoe UI"/>
+            </a:endParaRPr>
           </a:p>
         </p:txBody>
       </p:sp>
@@ -6816,7 +7370,7 @@
           <a:p>
             <a:pPr algn="l"/>
             <a:r>
-              <a:rPr lang="ru-RU" sz="2400" b="1" dirty="0">
+              <a:rPr lang="ru-RU" sz="2400" b="1">
                 <a:solidFill>
                   <a:srgbClr val="745716"/>
                 </a:solidFill>
@@ -6860,14 +7414,21 @@
           <a:lstStyle/>
           <a:p>
             <a:r>
+              <a:rPr lang="en-US" sz="2400" dirty="0" err="1">
+                <a:latin typeface="Century Gothic"/>
+                <a:cs typeface="Segoe UI"/>
+              </a:rPr>
+              <a:t>Рассчитывать</a:t>
+            </a:r>
+            <a:r>
               <a:rPr lang="en-US" sz="2400" dirty="0">
                 <a:latin typeface="Century Gothic"/>
                 <a:cs typeface="Segoe UI"/>
               </a:rPr>
-              <a:t>Рассчитывать </a:t>
-            </a:r>
-            <a:r>
-              <a:rPr lang="en-US" sz="2400" err="1">
+              <a:t> </a:t>
+            </a:r>
+            <a:r>
+              <a:rPr lang="en-US" sz="2400" dirty="0" err="1">
                 <a:latin typeface="Century Gothic"/>
                 <a:cs typeface="Segoe UI"/>
               </a:rPr>
@@ -6881,7 +7442,7 @@
               <a:t> и </a:t>
             </a:r>
             <a:r>
-              <a:rPr lang="en-US" sz="2400" err="1">
+              <a:rPr lang="en-US" sz="2400" dirty="0" err="1">
                 <a:latin typeface="Century Gothic"/>
                 <a:cs typeface="Segoe UI"/>
               </a:rPr>
@@ -6895,7 +7456,7 @@
               <a:t> </a:t>
             </a:r>
             <a:r>
-              <a:rPr lang="en-US" sz="2400" err="1">
+              <a:rPr lang="en-US" sz="2400" dirty="0" err="1">
                 <a:latin typeface="Century Gothic"/>
                 <a:cs typeface="Segoe UI"/>
               </a:rPr>
@@ -6909,13 +7470,13 @@
               <a:t> </a:t>
             </a:r>
             <a:r>
-              <a:rPr lang="en-US" sz="2400" err="1">
+              <a:rPr lang="en-US" sz="2400" dirty="0" err="1">
                 <a:latin typeface="Century Gothic"/>
                 <a:cs typeface="Segoe UI"/>
               </a:rPr>
               <a:t>изделий</a:t>
             </a:r>
-            <a:endParaRPr lang="en-US" sz="2400">
+            <a:endParaRPr lang="en-US" sz="2400" dirty="0">
               <a:latin typeface="Century Gothic"/>
               <a:cs typeface="Segoe UI"/>
             </a:endParaRPr>
@@ -6955,7 +7516,7 @@
           <a:p>
             <a:pPr algn="l"/>
             <a:r>
-              <a:rPr lang="ru-RU" sz="2000" b="1" dirty="0">
+              <a:rPr lang="ru-RU" sz="2000" b="1">
                 <a:solidFill>
                   <a:srgbClr val="745716"/>
                 </a:solidFill>
@@ -6964,7 +7525,7 @@
               </a:rPr>
               <a:t>6</a:t>
             </a:r>
-            <a:endParaRPr lang="ru-RU" sz="2000" b="1" dirty="0">
+            <a:endParaRPr lang="ru-RU" sz="2000" b="1">
               <a:solidFill>
                 <a:srgbClr val="745716"/>
               </a:solidFill>
@@ -7031,7 +7592,7 @@
               <a:t>Серверная</a:t>
             </a:r>
             <a:r>
-              <a:rPr lang="en-US" sz="2800" b="1" dirty="0">
+              <a:rPr lang="en-US" sz="2800" b="1">
                 <a:latin typeface="Century Gothic"/>
               </a:rPr>
               <a:t> </a:t>
@@ -7081,7 +7642,7 @@
               <a:t>Клиентская</a:t>
             </a:r>
             <a:r>
-              <a:rPr lang="en-US" sz="2800" b="1" dirty="0">
+              <a:rPr lang="en-US" sz="2800" b="1">
                 <a:latin typeface="Century Gothic"/>
               </a:rPr>
               <a:t> </a:t>
@@ -7131,24 +7692,24 @@
               </a:lnSpc>
             </a:pPr>
             <a:r>
-              <a:rPr lang="en-US" sz="4400" b="1" dirty="0" err="1">
+              <a:rPr lang="en-US" sz="4400" b="1" err="1">
                 <a:latin typeface="Century Gothic"/>
               </a:rPr>
               <a:t>Технологии</a:t>
             </a:r>
             <a:r>
-              <a:rPr lang="en-US" sz="4400" b="1" dirty="0">
+              <a:rPr lang="en-US" sz="4400" b="1">
                 <a:latin typeface="Century Gothic"/>
               </a:rPr>
               <a:t> и </a:t>
             </a:r>
             <a:r>
-              <a:rPr lang="en-US" sz="4400" b="1" dirty="0" err="1">
+              <a:rPr lang="en-US" sz="4400" b="1" err="1">
                 <a:latin typeface="Century Gothic"/>
               </a:rPr>
               <a:t>инновации</a:t>
             </a:r>
-            <a:endParaRPr lang="en-US" sz="4400" b="1" dirty="0">
+            <a:endParaRPr lang="en-US" sz="4400" b="1">
               <a:latin typeface="Century Gothic"/>
             </a:endParaRPr>
           </a:p>
@@ -7175,37 +7736,8 @@
         </p:blipFill>
         <p:spPr>
           <a:xfrm>
-            <a:off x="9979152" y="3555334"/>
+            <a:off x="9993439" y="3169571"/>
             <a:ext cx="4072128" cy="1118847"/>
-          </a:xfrm>
-          <a:prstGeom prst="rect">
-            <a:avLst/>
-          </a:prstGeom>
-        </p:spPr>
-      </p:pic>
-      <p:pic>
-        <p:nvPicPr>
-          <p:cNvPr id="5" name="Рисунок 4" descr="Jetpack Compose: руководство для начинающих | AppMaster">
-            <a:extLst>
-              <a:ext uri="{FF2B5EF4-FFF2-40B4-BE49-F238E27FC236}">
-                <a16:creationId xmlns:a16="http://schemas.microsoft.com/office/drawing/2014/main" id="{17AE69C6-A072-AD43-2432-1DD6C6008C35}"/>
-              </a:ext>
-            </a:extLst>
-          </p:cNvPr>
-          <p:cNvPicPr>
-            <a:picLocks noChangeAspect="1"/>
-          </p:cNvPicPr>
-          <p:nvPr/>
-        </p:nvPicPr>
-        <p:blipFill rotWithShape="1">
-          <a:blip r:embed="rId4"/>
-          <a:srcRect l="26493" t="15079" r="29091" b="10317"/>
-          <a:stretch/>
-        </p:blipFill>
-        <p:spPr>
-          <a:xfrm>
-            <a:off x="10991088" y="4979986"/>
-            <a:ext cx="2083455" cy="2295650"/>
           </a:xfrm>
           <a:prstGeom prst="rect">
             <a:avLst/>
@@ -7227,14 +7759,14 @@
           <p:nvPr/>
         </p:nvPicPr>
         <p:blipFill>
-          <a:blip r:embed="rId5"/>
+          <a:blip r:embed="rId4"/>
           <a:stretch>
             <a:fillRect/>
           </a:stretch>
         </p:blipFill>
         <p:spPr>
           <a:xfrm>
-            <a:off x="798576" y="2794254"/>
+            <a:off x="998601" y="2794254"/>
             <a:ext cx="2901696" cy="1860804"/>
           </a:xfrm>
           <a:prstGeom prst="rect">
@@ -7257,14 +7789,14 @@
           <p:nvPr/>
         </p:nvPicPr>
         <p:blipFill>
-          <a:blip r:embed="rId6"/>
+          <a:blip r:embed="rId5"/>
           <a:stretch>
             <a:fillRect/>
           </a:stretch>
         </p:blipFill>
         <p:spPr>
           <a:xfrm>
-            <a:off x="798576" y="5091184"/>
+            <a:off x="418290" y="5128522"/>
             <a:ext cx="4059936" cy="1046464"/>
           </a:xfrm>
           <a:prstGeom prst="rect">
@@ -7287,15 +7819,15 @@
           <p:nvPr/>
         </p:nvPicPr>
         <p:blipFill>
-          <a:blip r:embed="rId7"/>
+          <a:blip r:embed="rId6"/>
           <a:stretch>
             <a:fillRect/>
           </a:stretch>
         </p:blipFill>
         <p:spPr>
           <a:xfrm>
-            <a:off x="5894832" y="2858031"/>
-            <a:ext cx="2487167" cy="2745185"/>
+            <a:off x="6166295" y="2800881"/>
+            <a:ext cx="2287142" cy="2588023"/>
           </a:xfrm>
           <a:prstGeom prst="rect">
             <a:avLst/>
@@ -7316,7 +7848,7 @@
         </p:nvSpPr>
         <p:spPr>
           <a:xfrm>
-            <a:off x="6566968" y="2191941"/>
+            <a:off x="6724131" y="2191941"/>
             <a:ext cx="1171487" cy="469106"/>
           </a:xfrm>
           <a:prstGeom prst="rect">
@@ -7343,36 +7875,6 @@
           </a:p>
         </p:txBody>
       </p:sp>
-      <p:pic>
-        <p:nvPicPr>
-          <p:cNvPr id="13" name="Рисунок 12" descr="JWT Logo PNG Vector (SVG) Free Download">
-            <a:extLst>
-              <a:ext uri="{FF2B5EF4-FFF2-40B4-BE49-F238E27FC236}">
-                <a16:creationId xmlns:a16="http://schemas.microsoft.com/office/drawing/2014/main" id="{3098709C-2EBB-E2CD-AB24-BA3C44424F5A}"/>
-              </a:ext>
-            </a:extLst>
-          </p:cNvPr>
-          <p:cNvPicPr>
-            <a:picLocks noChangeAspect="1"/>
-          </p:cNvPicPr>
-          <p:nvPr/>
-        </p:nvPicPr>
-        <p:blipFill>
-          <a:blip r:embed="rId8"/>
-          <a:stretch>
-            <a:fillRect/>
-          </a:stretch>
-        </p:blipFill>
-        <p:spPr>
-          <a:xfrm>
-            <a:off x="798576" y="6681216"/>
-            <a:ext cx="3352800" cy="1146048"/>
-          </a:xfrm>
-          <a:prstGeom prst="rect">
-            <a:avLst/>
-          </a:prstGeom>
-        </p:spPr>
-      </p:pic>
       <p:sp>
         <p:nvSpPr>
           <p:cNvPr id="3" name="TextBox 2">
@@ -7406,7 +7908,7 @@
           <a:p>
             <a:pPr algn="l"/>
             <a:r>
-              <a:rPr lang="ru-RU" sz="2000" b="1" dirty="0">
+              <a:rPr lang="ru-RU" sz="2000" b="1">
                 <a:solidFill>
                   <a:srgbClr val="745716"/>
                 </a:solidFill>
@@ -7415,10 +7917,125 @@
               </a:rPr>
               <a:t>7</a:t>
             </a:r>
-            <a:endParaRPr lang="ru-RU" sz="2000" b="1" dirty="0">
+            <a:endParaRPr lang="ru-RU" sz="2000" b="1">
               <a:solidFill>
                 <a:srgbClr val="745716"/>
               </a:solidFill>
+              <a:latin typeface="Century Gothic"/>
+            </a:endParaRPr>
+          </a:p>
+        </p:txBody>
+      </p:sp>
+      <p:pic>
+        <p:nvPicPr>
+          <p:cNvPr id="16" name="Рисунок 15" descr="Изображение выглядит как куб, дизайн&#10;&#10;Автоматически созданное описание">
+            <a:extLst>
+              <a:ext uri="{FF2B5EF4-FFF2-40B4-BE49-F238E27FC236}">
+                <a16:creationId xmlns:a16="http://schemas.microsoft.com/office/drawing/2014/main" id="{1C9AA1B0-B026-BC1A-B863-95105F29C1FC}"/>
+              </a:ext>
+            </a:extLst>
+          </p:cNvPr>
+          <p:cNvPicPr>
+            <a:picLocks noChangeAspect="1"/>
+          </p:cNvPicPr>
+          <p:nvPr/>
+        </p:nvPicPr>
+        <p:blipFill>
+          <a:blip r:embed="rId7"/>
+          <a:stretch>
+            <a:fillRect/>
+          </a:stretch>
+        </p:blipFill>
+        <p:spPr>
+          <a:xfrm>
+            <a:off x="10226945" y="4655058"/>
+            <a:ext cx="3629024" cy="1993392"/>
+          </a:xfrm>
+          <a:prstGeom prst="rect">
+            <a:avLst/>
+          </a:prstGeom>
+        </p:spPr>
+      </p:pic>
+      <p:pic>
+        <p:nvPicPr>
+          <p:cNvPr id="17" name="Рисунок 16" descr="Minio Logo PNG Vector (SVG) Free Download">
+            <a:extLst>
+              <a:ext uri="{FF2B5EF4-FFF2-40B4-BE49-F238E27FC236}">
+                <a16:creationId xmlns:a16="http://schemas.microsoft.com/office/drawing/2014/main" id="{E03F13B0-C7BB-3878-6942-58A679863175}"/>
+              </a:ext>
+            </a:extLst>
+          </p:cNvPr>
+          <p:cNvPicPr>
+            <a:picLocks noChangeAspect="1"/>
+          </p:cNvPicPr>
+          <p:nvPr/>
+        </p:nvPicPr>
+        <p:blipFill>
+          <a:blip r:embed="rId8"/>
+          <a:stretch>
+            <a:fillRect/>
+          </a:stretch>
+        </p:blipFill>
+        <p:spPr>
+          <a:xfrm>
+            <a:off x="5631084" y="6426328"/>
+            <a:ext cx="3357563" cy="1417320"/>
+          </a:xfrm>
+          <a:prstGeom prst="rect">
+            <a:avLst/>
+          </a:prstGeom>
+        </p:spPr>
+      </p:pic>
+      <p:sp>
+        <p:nvSpPr>
+          <p:cNvPr id="13" name="Text 3">
+            <a:extLst>
+              <a:ext uri="{FF2B5EF4-FFF2-40B4-BE49-F238E27FC236}">
+                <a16:creationId xmlns:a16="http://schemas.microsoft.com/office/drawing/2014/main" id="{2609D698-9086-4CD5-AD4E-6CB382BEA4DD}"/>
+              </a:ext>
+            </a:extLst>
+          </p:cNvPr>
+          <p:cNvSpPr/>
+          <p:nvPr/>
+        </p:nvSpPr>
+        <p:spPr>
+          <a:xfrm>
+            <a:off x="6166295" y="5486589"/>
+            <a:ext cx="2405044" cy="842054"/>
+          </a:xfrm>
+          <a:prstGeom prst="rect">
+            <a:avLst/>
+          </a:prstGeom>
+          <a:noFill/>
+          <a:ln/>
+        </p:spPr>
+        <p:txBody>
+          <a:bodyPr wrap="none" lIns="91440" tIns="45720" rIns="91440" bIns="45720" rtlCol="0" anchor="t"/>
+          <a:lstStyle/>
+          <a:p>
+            <a:pPr algn="ctr">
+              <a:lnSpc>
+                <a:spcPts val="2734"/>
+              </a:lnSpc>
+            </a:pPr>
+            <a:r>
+              <a:rPr lang="ru-RU" sz="2800" b="1" dirty="0">
+                <a:latin typeface="Century Gothic"/>
+              </a:rPr>
+              <a:t>Объектное</a:t>
+            </a:r>
+            <a:br>
+              <a:rPr lang="ru-RU" sz="2800" b="1" dirty="0">
+                <a:latin typeface="Century Gothic"/>
+              </a:rPr>
+            </a:br>
+            <a:r>
+              <a:rPr lang="ru-RU" sz="2800" b="1" dirty="0">
+                <a:latin typeface="Century Gothic"/>
+              </a:rPr>
+              <a:t>хранилище</a:t>
+            </a:r>
+            <a:endParaRPr lang="en-US" sz="2800" b="1" dirty="0">
               <a:latin typeface="Century Gothic"/>
             </a:endParaRPr>
           </a:p>
@@ -7476,7 +8093,7 @@
               </a:lnSpc>
             </a:pPr>
             <a:r>
-              <a:rPr lang="en-US" sz="4400" b="1" err="1">
+              <a:rPr lang="en-US" sz="4400" b="1" dirty="0" err="1">
                 <a:latin typeface="Century Gothic"/>
               </a:rPr>
               <a:t>Конкурентное</a:t>
@@ -7488,298 +8105,12 @@
               <a:t> </a:t>
             </a:r>
             <a:r>
-              <a:rPr lang="en-US" sz="4400" b="1" err="1">
+              <a:rPr lang="en-US" sz="4400" b="1" dirty="0" err="1">
                 <a:latin typeface="Century Gothic"/>
               </a:rPr>
               <a:t>преимущество</a:t>
             </a:r>
-            <a:endParaRPr lang="en-US" sz="4400" b="1">
-              <a:latin typeface="Century Gothic"/>
-            </a:endParaRPr>
-          </a:p>
-        </p:txBody>
-      </p:sp>
-      <p:sp>
-        <p:nvSpPr>
-          <p:cNvPr id="6" name="Shape 3"/>
-          <p:cNvSpPr/>
-          <p:nvPr/>
-        </p:nvSpPr>
-        <p:spPr>
-          <a:xfrm>
-            <a:off x="2061924" y="1764863"/>
-            <a:ext cx="5227915" cy="3412569"/>
-          </a:xfrm>
-          <a:prstGeom prst="roundRect">
-            <a:avLst>
-              <a:gd name="adj" fmla="val 1953"/>
-            </a:avLst>
-          </a:prstGeom>
-          <a:solidFill>
-            <a:srgbClr val="F5EFEF"/>
-          </a:solidFill>
-          <a:ln/>
-        </p:spPr>
-      </p:sp>
-      <p:sp>
-        <p:nvSpPr>
-          <p:cNvPr id="7" name="Text 4"/>
-          <p:cNvSpPr/>
-          <p:nvPr/>
-        </p:nvSpPr>
-        <p:spPr>
-          <a:xfrm>
-            <a:off x="2481263" y="2823139"/>
-            <a:ext cx="4606862" cy="1293018"/>
-          </a:xfrm>
-          <a:prstGeom prst="rect">
-            <a:avLst/>
-          </a:prstGeom>
-          <a:noFill/>
-          <a:ln/>
-        </p:spPr>
-        <p:txBody>
-          <a:bodyPr wrap="none" lIns="91440" tIns="45720" rIns="91440" bIns="45720" rtlCol="0" anchor="t"/>
-          <a:lstStyle/>
-          <a:p>
-            <a:pPr algn="ctr"/>
-            <a:r>
-              <a:rPr lang="en-US" sz="3200" b="1" err="1">
-                <a:latin typeface="Century Gothic"/>
-              </a:rPr>
-              <a:t>Все</a:t>
-            </a:r>
-            <a:r>
-              <a:rPr lang="en-US" sz="3200" b="1" dirty="0">
-                <a:latin typeface="Century Gothic"/>
-              </a:rPr>
-              <a:t> </a:t>
-            </a:r>
-            <a:r>
-              <a:rPr lang="en-US" sz="3200" b="1" err="1">
-                <a:latin typeface="Century Gothic"/>
-              </a:rPr>
-              <a:t>инструменты</a:t>
-            </a:r>
-            <a:r>
-              <a:rPr lang="en-US" sz="3200" b="1" dirty="0">
-                <a:latin typeface="Century Gothic"/>
-              </a:rPr>
-              <a:t> в </a:t>
-            </a:r>
-            <a:endParaRPr lang="ru-RU">
-              <a:cs typeface="Calibri" panose="020F0502020204030204"/>
-            </a:endParaRPr>
-          </a:p>
-          <a:p>
-            <a:pPr algn="ctr"/>
-            <a:r>
-              <a:rPr lang="en-US" sz="3200" b="1" err="1">
-                <a:latin typeface="Century Gothic"/>
-              </a:rPr>
-              <a:t>одном</a:t>
-            </a:r>
-            <a:r>
-              <a:rPr lang="en-US" sz="3200" b="1" dirty="0">
-                <a:latin typeface="Century Gothic"/>
-              </a:rPr>
-              <a:t> </a:t>
-            </a:r>
-            <a:r>
-              <a:rPr lang="en-US" sz="3200" b="1" err="1">
-                <a:latin typeface="Century Gothic"/>
-              </a:rPr>
-              <a:t>месте</a:t>
-            </a:r>
-            <a:endParaRPr lang="en-US" sz="3200" b="1">
-              <a:latin typeface="Century Gothic"/>
-            </a:endParaRPr>
-          </a:p>
-        </p:txBody>
-      </p:sp>
-      <p:sp>
-        <p:nvSpPr>
-          <p:cNvPr id="9" name="Shape 6"/>
-          <p:cNvSpPr/>
-          <p:nvPr/>
-        </p:nvSpPr>
-        <p:spPr>
-          <a:xfrm>
-            <a:off x="7540585" y="1764863"/>
-            <a:ext cx="4542115" cy="3412569"/>
-          </a:xfrm>
-          <a:prstGeom prst="roundRect">
-            <a:avLst>
-              <a:gd name="adj" fmla="val 1953"/>
-            </a:avLst>
-          </a:prstGeom>
-          <a:solidFill>
-            <a:srgbClr val="F5EFEF"/>
-          </a:solidFill>
-          <a:ln/>
-        </p:spPr>
-      </p:sp>
-      <p:sp>
-        <p:nvSpPr>
-          <p:cNvPr id="10" name="Text 7"/>
-          <p:cNvSpPr/>
-          <p:nvPr/>
-        </p:nvSpPr>
-        <p:spPr>
-          <a:xfrm>
-            <a:off x="7746373" y="2374321"/>
-            <a:ext cx="4141945" cy="2187225"/>
-          </a:xfrm>
-          <a:prstGeom prst="rect">
-            <a:avLst/>
-          </a:prstGeom>
-          <a:noFill/>
-          <a:ln/>
-        </p:spPr>
-        <p:txBody>
-          <a:bodyPr wrap="none" lIns="91440" tIns="45720" rIns="91440" bIns="45720" rtlCol="0" anchor="t"/>
-          <a:lstStyle/>
-          <a:p>
-            <a:pPr algn="ctr"/>
-            <a:r>
-              <a:rPr lang="en-US" sz="3200" b="1" err="1">
-                <a:latin typeface="Century Gothic"/>
-              </a:rPr>
-              <a:t>Подходит</a:t>
-            </a:r>
-            <a:endParaRPr lang="ru-RU" sz="3200">
-              <a:latin typeface="Century Gothic"/>
-            </a:endParaRPr>
-          </a:p>
-          <a:p>
-            <a:pPr algn="ctr"/>
-            <a:r>
-              <a:rPr lang="en-US" sz="3200" b="1" err="1">
-                <a:latin typeface="Century Gothic"/>
-              </a:rPr>
-              <a:t>не</a:t>
-            </a:r>
-            <a:r>
-              <a:rPr lang="en-US" sz="3200" b="1" dirty="0">
-                <a:latin typeface="Century Gothic"/>
-              </a:rPr>
-              <a:t> </a:t>
-            </a:r>
-            <a:r>
-              <a:rPr lang="en-US" sz="3200" b="1" err="1">
-                <a:latin typeface="Century Gothic"/>
-              </a:rPr>
-              <a:t>только</a:t>
-            </a:r>
-            <a:endParaRPr lang="ru-RU" sz="3200">
-              <a:latin typeface="Century Gothic"/>
-            </a:endParaRPr>
-          </a:p>
-          <a:p>
-            <a:pPr algn="ctr"/>
-            <a:r>
-              <a:rPr lang="en-US" sz="3200" b="1" dirty="0">
-                <a:latin typeface="Century Gothic"/>
-              </a:rPr>
-              <a:t> </a:t>
-            </a:r>
-            <a:r>
-              <a:rPr lang="en-US" sz="3200" b="1" err="1">
-                <a:latin typeface="Century Gothic"/>
-              </a:rPr>
-              <a:t>для</a:t>
-            </a:r>
-            <a:r>
-              <a:rPr lang="en-US" sz="3200" b="1" dirty="0">
-                <a:latin typeface="Century Gothic"/>
-              </a:rPr>
-              <a:t> </a:t>
-            </a:r>
-            <a:r>
-              <a:rPr lang="en-US" sz="3200" b="1" err="1">
-                <a:latin typeface="Century Gothic"/>
-              </a:rPr>
-              <a:t>домашних</a:t>
-            </a:r>
-            <a:endParaRPr lang="en-US" sz="3200" b="1">
-              <a:latin typeface="Century Gothic"/>
-            </a:endParaRPr>
-          </a:p>
-          <a:p>
-            <a:pPr algn="ctr"/>
-            <a:r>
-              <a:rPr lang="en-US" sz="3200" b="1" dirty="0">
-                <a:latin typeface="Century Gothic"/>
-              </a:rPr>
-              <a:t> </a:t>
-            </a:r>
-            <a:r>
-              <a:rPr lang="en-US" sz="3200" b="1" err="1">
-                <a:latin typeface="Century Gothic"/>
-              </a:rPr>
-              <a:t>кондитеров</a:t>
-            </a:r>
-            <a:endParaRPr lang="en-US" sz="3200" b="1">
-              <a:latin typeface="Century Gothic"/>
-            </a:endParaRPr>
-          </a:p>
-        </p:txBody>
-      </p:sp>
-      <p:sp>
-        <p:nvSpPr>
-          <p:cNvPr id="12" name="Shape 9"/>
-          <p:cNvSpPr/>
-          <p:nvPr/>
-        </p:nvSpPr>
-        <p:spPr>
-          <a:xfrm>
-            <a:off x="2061924" y="5385316"/>
-            <a:ext cx="10020776" cy="1635562"/>
-          </a:xfrm>
-          <a:prstGeom prst="roundRect">
-            <a:avLst>
-              <a:gd name="adj" fmla="val 4076"/>
-            </a:avLst>
-          </a:prstGeom>
-          <a:solidFill>
-            <a:srgbClr val="F5EFEF"/>
-          </a:solidFill>
-          <a:ln/>
-        </p:spPr>
-      </p:sp>
-      <p:sp>
-        <p:nvSpPr>
-          <p:cNvPr id="13" name="Text 10"/>
-          <p:cNvSpPr/>
-          <p:nvPr/>
-        </p:nvSpPr>
-        <p:spPr>
-          <a:xfrm>
-            <a:off x="5079302" y="5897809"/>
-            <a:ext cx="3991927" cy="618648"/>
-          </a:xfrm>
-          <a:prstGeom prst="rect">
-            <a:avLst/>
-          </a:prstGeom>
-          <a:noFill/>
-          <a:ln/>
-        </p:spPr>
-        <p:txBody>
-          <a:bodyPr wrap="none" lIns="91440" tIns="45720" rIns="91440" bIns="45720" rtlCol="0" anchor="t"/>
-          <a:lstStyle/>
-          <a:p>
-            <a:pPr marL="0" indent="0" algn="ctr">
-              <a:buNone/>
-            </a:pPr>
-            <a:r>
-              <a:rPr lang="en-US" sz="3200" b="1" dirty="0">
-                <a:latin typeface="Century Gothic"/>
-                <a:ea typeface="Raleway" pitchFamily="34" charset="-122"/>
-                <a:cs typeface="Raleway" pitchFamily="34" charset="-120"/>
-              </a:rPr>
-              <a:t>Персонализация</a:t>
-            </a:r>
-            <a:endParaRPr lang="en-US" sz="3200" dirty="0">
+            <a:endParaRPr lang="en-US" sz="4400" b="1" dirty="0">
               <a:latin typeface="Century Gothic"/>
             </a:endParaRPr>
           </a:p>
@@ -7818,7 +8149,7 @@
           <a:p>
             <a:pPr algn="l"/>
             <a:r>
-              <a:rPr lang="ru-RU" sz="2000" b="1" dirty="0">
+              <a:rPr lang="ru-RU" sz="2000" b="1">
                 <a:solidFill>
                   <a:srgbClr val="745716"/>
                 </a:solidFill>
@@ -7827,7 +8158,7 @@
               </a:rPr>
               <a:t>8</a:t>
             </a:r>
-            <a:endParaRPr lang="ru-RU" sz="2000" b="1" dirty="0">
+            <a:endParaRPr lang="ru-RU" sz="2000" b="1">
               <a:solidFill>
                 <a:srgbClr val="745716"/>
               </a:solidFill>
@@ -7836,6 +8167,1431 @@
           </a:p>
         </p:txBody>
       </p:sp>
+      <p:graphicFrame>
+        <p:nvGraphicFramePr>
+          <p:cNvPr id="4" name="Table 2">
+            <a:extLst>
+              <a:ext uri="{FF2B5EF4-FFF2-40B4-BE49-F238E27FC236}">
+                <a16:creationId xmlns:a16="http://schemas.microsoft.com/office/drawing/2014/main" id="{09C9E5BE-C3BB-1604-6632-86AFF12A5654}"/>
+              </a:ext>
+            </a:extLst>
+          </p:cNvPr>
+          <p:cNvGraphicFramePr>
+            <a:graphicFrameLocks noGrp="1"/>
+          </p:cNvGraphicFramePr>
+          <p:nvPr>
+            <p:extLst>
+              <p:ext uri="{D42A27DB-BD31-4B8C-83A1-F6EECF244321}">
+                <p14:modId xmlns:p14="http://schemas.microsoft.com/office/powerpoint/2010/main" val="2299369954"/>
+              </p:ext>
+            </p:extLst>
+          </p:nvPr>
+        </p:nvGraphicFramePr>
+        <p:xfrm>
+          <a:off x="585787" y="2371725"/>
+          <a:ext cx="13459295" cy="4654866"/>
+        </p:xfrm>
+        <a:graphic>
+          <a:graphicData uri="http://schemas.openxmlformats.org/drawingml/2006/table">
+            <a:tbl>
+              <a:tblPr firstRow="1" bandRow="1">
+                <a:tableStyleId>{5940675A-B579-460E-94D1-54222C63F5DA}</a:tableStyleId>
+              </a:tblPr>
+              <a:tblGrid>
+                <a:gridCol w="2035968">
+                  <a:extLst>
+                    <a:ext uri="{9D8B030D-6E8A-4147-A177-3AD203B41FA5}">
+                      <a16:colId xmlns:a16="http://schemas.microsoft.com/office/drawing/2014/main" val="4292788883"/>
+                    </a:ext>
+                  </a:extLst>
+                </a:gridCol>
+                <a:gridCol w="1821656">
+                  <a:extLst>
+                    <a:ext uri="{9D8B030D-6E8A-4147-A177-3AD203B41FA5}">
+                      <a16:colId xmlns:a16="http://schemas.microsoft.com/office/drawing/2014/main" val="1282885886"/>
+                    </a:ext>
+                  </a:extLst>
+                </a:gridCol>
+                <a:gridCol w="2320231">
+                  <a:extLst>
+                    <a:ext uri="{9D8B030D-6E8A-4147-A177-3AD203B41FA5}">
+                      <a16:colId xmlns:a16="http://schemas.microsoft.com/office/drawing/2014/main" val="603958612"/>
+                    </a:ext>
+                  </a:extLst>
+                </a:gridCol>
+                <a:gridCol w="2107406">
+                  <a:extLst>
+                    <a:ext uri="{9D8B030D-6E8A-4147-A177-3AD203B41FA5}">
+                      <a16:colId xmlns:a16="http://schemas.microsoft.com/office/drawing/2014/main" val="990516124"/>
+                    </a:ext>
+                  </a:extLst>
+                </a:gridCol>
+                <a:gridCol w="1750217">
+                  <a:extLst>
+                    <a:ext uri="{9D8B030D-6E8A-4147-A177-3AD203B41FA5}">
+                      <a16:colId xmlns:a16="http://schemas.microsoft.com/office/drawing/2014/main" val="770382599"/>
+                    </a:ext>
+                  </a:extLst>
+                </a:gridCol>
+                <a:gridCol w="1750218">
+                  <a:extLst>
+                    <a:ext uri="{9D8B030D-6E8A-4147-A177-3AD203B41FA5}">
+                      <a16:colId xmlns:a16="http://schemas.microsoft.com/office/drawing/2014/main" val="2793763114"/>
+                    </a:ext>
+                  </a:extLst>
+                </a:gridCol>
+                <a:gridCol w="1673599">
+                  <a:extLst>
+                    <a:ext uri="{9D8B030D-6E8A-4147-A177-3AD203B41FA5}">
+                      <a16:colId xmlns:a16="http://schemas.microsoft.com/office/drawing/2014/main" val="3844142687"/>
+                    </a:ext>
+                  </a:extLst>
+                </a:gridCol>
+              </a:tblGrid>
+              <a:tr h="675734">
+                <a:tc>
+                  <a:txBody>
+                    <a:bodyPr/>
+                    <a:lstStyle/>
+                    <a:p>
+                      <a:pPr algn="ctr"/>
+                      <a:r>
+                        <a:rPr lang="en-US" sz="2000" dirty="0" err="1">
+                          <a:latin typeface="Century Gothic"/>
+                        </a:rPr>
+                        <a:t>Название</a:t>
+                      </a:r>
+                      <a:r>
+                        <a:rPr lang="ru-RU" sz="2000" dirty="0">
+                          <a:latin typeface="Century Gothic"/>
+                        </a:rPr>
+                        <a:t>/</a:t>
+                      </a:r>
+                    </a:p>
+                    <a:p>
+                      <a:pPr algn="ctr"/>
+                      <a:r>
+                        <a:rPr lang="ru-RU" sz="2000" dirty="0">
+                          <a:latin typeface="Century Gothic"/>
+                        </a:rPr>
+                        <a:t>Критерий</a:t>
+                      </a:r>
+                      <a:endParaRPr lang="en-US" sz="2000" dirty="0" err="1">
+                        <a:latin typeface="Century Gothic"/>
+                      </a:endParaRPr>
+                    </a:p>
+                  </a:txBody>
+                  <a:tcPr anchor="ctr"/>
+                </a:tc>
+                <a:tc>
+                  <a:txBody>
+                    <a:bodyPr/>
+                    <a:lstStyle/>
+                    <a:p>
+                      <a:pPr algn="ctr"/>
+                      <a:r>
+                        <a:rPr lang="en-US" sz="2000" err="1">
+                          <a:latin typeface="Century Gothic"/>
+                        </a:rPr>
+                        <a:t>Все</a:t>
+                      </a:r>
+                      <a:r>
+                        <a:rPr lang="en-US" sz="2000" dirty="0">
+                          <a:latin typeface="Century Gothic"/>
+                        </a:rPr>
+                        <a:t> </a:t>
+                      </a:r>
+                      <a:r>
+                        <a:rPr lang="en-US" sz="2000" err="1">
+                          <a:latin typeface="Century Gothic"/>
+                        </a:rPr>
+                        <a:t>инстру-менты</a:t>
+                      </a:r>
+                      <a:r>
+                        <a:rPr lang="en-US" sz="2000" dirty="0">
+                          <a:latin typeface="Century Gothic"/>
+                        </a:rPr>
+                        <a:t> в </a:t>
+                      </a:r>
+                      <a:r>
+                        <a:rPr lang="en-US" sz="2000" err="1">
+                          <a:latin typeface="Century Gothic"/>
+                        </a:rPr>
+                        <a:t>одном</a:t>
+                      </a:r>
+                      <a:r>
+                        <a:rPr lang="en-US" sz="2000" dirty="0">
+                          <a:latin typeface="Century Gothic"/>
+                        </a:rPr>
+                        <a:t> </a:t>
+                      </a:r>
+                      <a:r>
+                        <a:rPr lang="en-US" sz="2000" err="1">
+                          <a:latin typeface="Century Gothic"/>
+                        </a:rPr>
+                        <a:t>месте</a:t>
+                      </a:r>
+                      <a:endParaRPr lang="en-US" sz="2000" dirty="0" err="1">
+                        <a:latin typeface="Century Gothic"/>
+                      </a:endParaRPr>
+                    </a:p>
+                  </a:txBody>
+                  <a:tcPr anchor="ctr"/>
+                </a:tc>
+                <a:tc>
+                  <a:txBody>
+                    <a:bodyPr/>
+                    <a:lstStyle/>
+                    <a:p>
+                      <a:pPr marL="0" marR="0" lvl="0" indent="0" algn="ctr">
+                        <a:lnSpc>
+                          <a:spcPct val="100000"/>
+                        </a:lnSpc>
+                        <a:spcBef>
+                          <a:spcPts val="0"/>
+                        </a:spcBef>
+                        <a:spcAft>
+                          <a:spcPts val="0"/>
+                        </a:spcAft>
+                        <a:buNone/>
+                      </a:pPr>
+                      <a:r>
+                        <a:rPr lang="en-US" sz="2000" b="0" i="0" u="none" strike="noStrike" noProof="0" err="1">
+                          <a:solidFill>
+                            <a:srgbClr val="000000"/>
+                          </a:solidFill>
+                          <a:latin typeface="Century Gothic"/>
+                        </a:rPr>
+                        <a:t>Подходит</a:t>
+                      </a:r>
+                      <a:endParaRPr lang="ru-RU" sz="2000" b="0" i="0" u="none" strike="noStrike" noProof="0">
+                        <a:solidFill>
+                          <a:srgbClr val="000000"/>
+                        </a:solidFill>
+                        <a:latin typeface="Century Gothic"/>
+                      </a:endParaRPr>
+                    </a:p>
+                    <a:p>
+                      <a:pPr marL="0" marR="0" lvl="0" indent="0" algn="ctr">
+                        <a:lnSpc>
+                          <a:spcPct val="100000"/>
+                        </a:lnSpc>
+                        <a:spcBef>
+                          <a:spcPts val="0"/>
+                        </a:spcBef>
+                        <a:spcAft>
+                          <a:spcPts val="0"/>
+                        </a:spcAft>
+                        <a:buNone/>
+                      </a:pPr>
+                      <a:r>
+                        <a:rPr lang="en-US" sz="2000" b="0" i="0" u="none" strike="noStrike" noProof="0" err="1">
+                          <a:solidFill>
+                            <a:srgbClr val="000000"/>
+                          </a:solidFill>
+                          <a:latin typeface="Century Gothic"/>
+                        </a:rPr>
+                        <a:t>не</a:t>
+                      </a:r>
+                      <a:r>
+                        <a:rPr lang="en-US" sz="2000" b="0" i="0" u="none" strike="noStrike" noProof="0" dirty="0">
+                          <a:solidFill>
+                            <a:srgbClr val="000000"/>
+                          </a:solidFill>
+                          <a:latin typeface="Century Gothic"/>
+                        </a:rPr>
+                        <a:t> </a:t>
+                      </a:r>
+                      <a:r>
+                        <a:rPr lang="en-US" sz="2000" b="0" i="0" u="none" strike="noStrike" noProof="0" err="1">
+                          <a:solidFill>
+                            <a:srgbClr val="000000"/>
+                          </a:solidFill>
+                          <a:latin typeface="Century Gothic"/>
+                        </a:rPr>
+                        <a:t>только</a:t>
+                      </a:r>
+                      <a:endParaRPr lang="ru-RU" sz="2000" b="0" i="0" u="none" strike="noStrike" noProof="0">
+                        <a:solidFill>
+                          <a:srgbClr val="000000"/>
+                        </a:solidFill>
+                        <a:latin typeface="Century Gothic"/>
+                      </a:endParaRPr>
+                    </a:p>
+                    <a:p>
+                      <a:pPr marL="0" marR="0" lvl="0" indent="0" algn="ctr">
+                        <a:lnSpc>
+                          <a:spcPct val="100000"/>
+                        </a:lnSpc>
+                        <a:spcBef>
+                          <a:spcPts val="0"/>
+                        </a:spcBef>
+                        <a:spcAft>
+                          <a:spcPts val="0"/>
+                        </a:spcAft>
+                        <a:buNone/>
+                      </a:pPr>
+                      <a:r>
+                        <a:rPr lang="en-US" sz="2000" b="0" i="0" u="none" strike="noStrike" noProof="0" dirty="0">
+                          <a:solidFill>
+                            <a:srgbClr val="000000"/>
+                          </a:solidFill>
+                          <a:latin typeface="Century Gothic"/>
+                        </a:rPr>
+                        <a:t> </a:t>
+                      </a:r>
+                      <a:r>
+                        <a:rPr lang="en-US" sz="2000" b="0" i="0" u="none" strike="noStrike" noProof="0" err="1">
+                          <a:solidFill>
+                            <a:srgbClr val="000000"/>
+                          </a:solidFill>
+                          <a:latin typeface="Century Gothic"/>
+                        </a:rPr>
+                        <a:t>для</a:t>
+                      </a:r>
+                      <a:r>
+                        <a:rPr lang="en-US" sz="2000" b="0" i="0" u="none" strike="noStrike" noProof="0" dirty="0">
+                          <a:solidFill>
+                            <a:srgbClr val="000000"/>
+                          </a:solidFill>
+                          <a:latin typeface="Century Gothic"/>
+                        </a:rPr>
+                        <a:t> </a:t>
+                      </a:r>
+                      <a:r>
+                        <a:rPr lang="en-US" sz="2000" b="0" i="0" u="none" strike="noStrike" noProof="0" err="1">
+                          <a:solidFill>
+                            <a:srgbClr val="000000"/>
+                          </a:solidFill>
+                          <a:latin typeface="Century Gothic"/>
+                        </a:rPr>
+                        <a:t>домашних</a:t>
+                      </a:r>
+                      <a:endParaRPr lang="en-US" sz="2000" b="0" i="0" u="none" strike="noStrike" noProof="0">
+                        <a:solidFill>
+                          <a:srgbClr val="000000"/>
+                        </a:solidFill>
+                        <a:latin typeface="Century Gothic"/>
+                      </a:endParaRPr>
+                    </a:p>
+                    <a:p>
+                      <a:pPr marL="0" marR="0" lvl="0" indent="0" algn="ctr">
+                        <a:lnSpc>
+                          <a:spcPct val="100000"/>
+                        </a:lnSpc>
+                        <a:spcBef>
+                          <a:spcPts val="0"/>
+                        </a:spcBef>
+                        <a:spcAft>
+                          <a:spcPts val="0"/>
+                        </a:spcAft>
+                        <a:buNone/>
+                      </a:pPr>
+                      <a:r>
+                        <a:rPr lang="en-US" sz="2000" b="0" i="0" u="none" strike="noStrike" noProof="0" dirty="0">
+                          <a:solidFill>
+                            <a:srgbClr val="000000"/>
+                          </a:solidFill>
+                          <a:latin typeface="Century Gothic"/>
+                        </a:rPr>
+                        <a:t> </a:t>
+                      </a:r>
+                      <a:r>
+                        <a:rPr lang="en-US" sz="2000" b="0" i="0" u="none" strike="noStrike" noProof="0" err="1">
+                          <a:solidFill>
+                            <a:srgbClr val="000000"/>
+                          </a:solidFill>
+                          <a:latin typeface="Century Gothic"/>
+                        </a:rPr>
+                        <a:t>кондитеров</a:t>
+                      </a:r>
+                      <a:endParaRPr lang="en-US" sz="2000" b="0">
+                        <a:latin typeface="Century Gothic"/>
+                      </a:endParaRPr>
+                    </a:p>
+                  </a:txBody>
+                  <a:tcPr anchor="ctr"/>
+                </a:tc>
+                <a:tc>
+                  <a:txBody>
+                    <a:bodyPr/>
+                    <a:lstStyle/>
+                    <a:p>
+                      <a:pPr marL="0" marR="0" lvl="0" indent="0" algn="ctr">
+                        <a:lnSpc>
+                          <a:spcPct val="100000"/>
+                        </a:lnSpc>
+                        <a:spcBef>
+                          <a:spcPts val="0"/>
+                        </a:spcBef>
+                        <a:spcAft>
+                          <a:spcPts val="0"/>
+                        </a:spcAft>
+                        <a:buNone/>
+                      </a:pPr>
+                      <a:r>
+                        <a:rPr lang="en-US" sz="2000" b="0" i="0" u="none" strike="noStrike" noProof="0" err="1">
+                          <a:solidFill>
+                            <a:srgbClr val="000000"/>
+                          </a:solidFill>
+                          <a:latin typeface="Century Gothic"/>
+                        </a:rPr>
+                        <a:t>Расчет</a:t>
+                      </a:r>
+                      <a:r>
+                        <a:rPr lang="en-US" sz="2000" b="0" i="0" u="none" strike="noStrike" noProof="0" dirty="0">
+                          <a:solidFill>
+                            <a:srgbClr val="000000"/>
+                          </a:solidFill>
+                          <a:latin typeface="Century Gothic"/>
+                        </a:rPr>
+                        <a:t> </a:t>
+                      </a:r>
+                      <a:r>
+                        <a:rPr lang="en-US" sz="2000" b="0" i="0" u="none" strike="noStrike" noProof="0" err="1">
+                          <a:solidFill>
+                            <a:srgbClr val="000000"/>
+                          </a:solidFill>
+                          <a:latin typeface="Century Gothic"/>
+                        </a:rPr>
+                        <a:t>стоимости</a:t>
+                      </a:r>
+                      <a:endParaRPr lang="ru-RU" sz="2000" b="0" i="0" u="none" strike="noStrike" noProof="0">
+                        <a:solidFill>
+                          <a:srgbClr val="000000"/>
+                        </a:solidFill>
+                        <a:latin typeface="Century Gothic"/>
+                      </a:endParaRPr>
+                    </a:p>
+                    <a:p>
+                      <a:pPr marL="0" marR="0" lvl="0" indent="0" algn="ctr">
+                        <a:lnSpc>
+                          <a:spcPct val="100000"/>
+                        </a:lnSpc>
+                        <a:spcBef>
+                          <a:spcPts val="0"/>
+                        </a:spcBef>
+                        <a:spcAft>
+                          <a:spcPts val="0"/>
+                        </a:spcAft>
+                        <a:buNone/>
+                      </a:pPr>
+                      <a:r>
+                        <a:rPr lang="en-US" sz="2000" b="0" i="0" u="none" strike="noStrike" noProof="0" dirty="0">
+                          <a:solidFill>
+                            <a:srgbClr val="000000"/>
+                          </a:solidFill>
+                          <a:latin typeface="Century Gothic"/>
+                        </a:rPr>
+                        <a:t> </a:t>
+                      </a:r>
+                      <a:r>
+                        <a:rPr lang="en-US" sz="2000" b="0" i="0" u="none" strike="noStrike" noProof="0" err="1">
+                          <a:solidFill>
+                            <a:srgbClr val="000000"/>
+                          </a:solidFill>
+                          <a:latin typeface="Century Gothic"/>
+                        </a:rPr>
+                        <a:t>исходя</a:t>
+                      </a:r>
+                      <a:r>
+                        <a:rPr lang="en-US" sz="2000" b="0" i="0" u="none" strike="noStrike" noProof="0" dirty="0">
+                          <a:solidFill>
+                            <a:srgbClr val="000000"/>
+                          </a:solidFill>
+                          <a:latin typeface="Century Gothic"/>
+                        </a:rPr>
+                        <a:t> </a:t>
+                      </a:r>
+                      <a:r>
+                        <a:rPr lang="en-US" sz="2000" b="0" i="0" u="none" strike="noStrike" noProof="0" err="1">
+                          <a:solidFill>
+                            <a:srgbClr val="000000"/>
+                          </a:solidFill>
+                          <a:latin typeface="Century Gothic"/>
+                        </a:rPr>
+                        <a:t>из</a:t>
+                      </a:r>
+                      <a:r>
+                        <a:rPr lang="en-US" sz="2000" b="0" i="0" u="none" strike="noStrike" noProof="0" dirty="0">
+                          <a:solidFill>
+                            <a:srgbClr val="000000"/>
+                          </a:solidFill>
+                          <a:latin typeface="Century Gothic"/>
+                        </a:rPr>
+                        <a:t> </a:t>
+                      </a:r>
+                      <a:r>
+                        <a:rPr lang="en-US" sz="2000" b="0" i="0" u="none" strike="noStrike" noProof="0" err="1">
+                          <a:solidFill>
+                            <a:srgbClr val="000000"/>
+                          </a:solidFill>
+                          <a:latin typeface="Century Gothic"/>
+                        </a:rPr>
+                        <a:t>потребностей</a:t>
+                      </a:r>
+                      <a:endParaRPr lang="en-US" sz="2000" b="0">
+                        <a:latin typeface="Century Gothic"/>
+                      </a:endParaRPr>
+                    </a:p>
+                  </a:txBody>
+                  <a:tcPr anchor="ctr"/>
+                </a:tc>
+                <a:tc>
+                  <a:txBody>
+                    <a:bodyPr/>
+                    <a:lstStyle/>
+                    <a:p>
+                      <a:pPr algn="ctr"/>
+                      <a:r>
+                        <a:rPr lang="en-US" sz="2000" err="1">
+                          <a:latin typeface="Century Gothic"/>
+                        </a:rPr>
+                        <a:t>Кросcплат-формен</a:t>
+                      </a:r>
+                      <a:r>
+                        <a:rPr lang="en-US" sz="2000" dirty="0">
+                          <a:latin typeface="Century Gothic"/>
+                        </a:rPr>
+                        <a:t>-</a:t>
+                      </a:r>
+                    </a:p>
+                    <a:p>
+                      <a:pPr lvl="0" algn="ctr">
+                        <a:buNone/>
+                      </a:pPr>
+                      <a:r>
+                        <a:rPr lang="en-US" sz="2000" err="1">
+                          <a:latin typeface="Century Gothic"/>
+                        </a:rPr>
+                        <a:t>ность</a:t>
+                      </a:r>
+                      <a:r>
+                        <a:rPr lang="en-US" sz="2000" dirty="0">
+                          <a:latin typeface="Century Gothic"/>
+                        </a:rPr>
+                        <a:t> </a:t>
+                      </a:r>
+                    </a:p>
+                  </a:txBody>
+                  <a:tcPr anchor="ctr"/>
+                </a:tc>
+                <a:tc>
+                  <a:txBody>
+                    <a:bodyPr/>
+                    <a:lstStyle/>
+                    <a:p>
+                      <a:pPr marL="0" marR="0" lvl="0" indent="0" algn="ctr">
+                        <a:lnSpc>
+                          <a:spcPct val="100000"/>
+                        </a:lnSpc>
+                        <a:spcBef>
+                          <a:spcPts val="0"/>
+                        </a:spcBef>
+                        <a:spcAft>
+                          <a:spcPts val="0"/>
+                        </a:spcAft>
+                        <a:buNone/>
+                      </a:pPr>
+                      <a:r>
+                        <a:rPr lang="en-US" sz="2000" b="0" i="0" u="none" strike="noStrike" noProof="0" err="1">
+                          <a:solidFill>
+                            <a:srgbClr val="000000"/>
+                          </a:solidFill>
+                          <a:latin typeface="Century Gothic"/>
+                        </a:rPr>
+                        <a:t>Работа</a:t>
+                      </a:r>
+                      <a:r>
+                        <a:rPr lang="en-US" sz="2000" b="0" i="0" u="none" strike="noStrike" noProof="0" dirty="0">
+                          <a:solidFill>
+                            <a:srgbClr val="000000"/>
+                          </a:solidFill>
+                          <a:latin typeface="Century Gothic"/>
+                        </a:rPr>
+                        <a:t> с</a:t>
+                      </a:r>
+                    </a:p>
+                    <a:p>
+                      <a:pPr marL="0" marR="0" lvl="0" indent="0" algn="ctr">
+                        <a:lnSpc>
+                          <a:spcPct val="100000"/>
+                        </a:lnSpc>
+                        <a:spcBef>
+                          <a:spcPts val="0"/>
+                        </a:spcBef>
+                        <a:spcAft>
+                          <a:spcPts val="0"/>
+                        </a:spcAft>
+                        <a:buNone/>
+                      </a:pPr>
+                      <a:r>
+                        <a:rPr lang="en-US" sz="2000" b="0" i="0" u="none" strike="noStrike" noProof="0" err="1">
+                          <a:solidFill>
+                            <a:srgbClr val="000000"/>
+                          </a:solidFill>
+                          <a:latin typeface="Century Gothic"/>
+                        </a:rPr>
+                        <a:t>клиентами</a:t>
+                      </a:r>
+                      <a:endParaRPr lang="en-US" sz="2000" b="0">
+                        <a:latin typeface="Century Gothic"/>
+                      </a:endParaRPr>
+                    </a:p>
+                  </a:txBody>
+                  <a:tcPr anchor="ctr"/>
+                </a:tc>
+                <a:tc>
+                  <a:txBody>
+                    <a:bodyPr/>
+                    <a:lstStyle/>
+                    <a:p>
+                      <a:pPr marL="0" lvl="0" indent="0" algn="ctr">
+                        <a:lnSpc>
+                          <a:spcPct val="100000"/>
+                        </a:lnSpc>
+                        <a:spcBef>
+                          <a:spcPts val="0"/>
+                        </a:spcBef>
+                        <a:spcAft>
+                          <a:spcPts val="0"/>
+                        </a:spcAft>
+                        <a:buNone/>
+                      </a:pPr>
+                      <a:r>
+                        <a:rPr lang="en-US" sz="2000" b="0" i="0" u="none" strike="noStrike" noProof="0" err="1">
+                          <a:solidFill>
+                            <a:srgbClr val="000000"/>
+                          </a:solidFill>
+                          <a:latin typeface="Century Gothic"/>
+                        </a:rPr>
+                        <a:t>Бесплатно</a:t>
+                      </a:r>
+                      <a:endParaRPr lang="en-US" sz="2000" b="0" i="0" u="none" strike="noStrike" noProof="0">
+                        <a:solidFill>
+                          <a:srgbClr val="000000"/>
+                        </a:solidFill>
+                        <a:latin typeface="Century Gothic"/>
+                      </a:endParaRPr>
+                    </a:p>
+                  </a:txBody>
+                  <a:tcPr anchor="ctr"/>
+                </a:tc>
+                <a:extLst>
+                  <a:ext uri="{0D108BD9-81ED-4DB2-BD59-A6C34878D82A}">
+                    <a16:rowId xmlns:a16="http://schemas.microsoft.com/office/drawing/2014/main" val="1388584792"/>
+                  </a:ext>
+                </a:extLst>
+              </a:tr>
+              <a:tr h="696515">
+                <a:tc>
+                  <a:txBody>
+                    <a:bodyPr/>
+                    <a:lstStyle/>
+                    <a:p>
+                      <a:pPr lvl="0" algn="ctr">
+                        <a:buNone/>
+                      </a:pPr>
+                      <a:r>
+                        <a:rPr lang="ru-RU" sz="2000" b="0" i="0" u="none" strike="noStrike" noProof="0" err="1">
+                          <a:solidFill>
+                            <a:srgbClr val="000000"/>
+                          </a:solidFill>
+                          <a:latin typeface="Century Gothic"/>
+                        </a:rPr>
+                        <a:t>Make</a:t>
+                      </a:r>
+                      <a:r>
+                        <a:rPr lang="ru-RU" sz="2000" b="0" i="0" u="none" strike="noStrike" noProof="0" dirty="0">
+                          <a:solidFill>
+                            <a:srgbClr val="000000"/>
+                          </a:solidFill>
+                          <a:latin typeface="Century Gothic"/>
+                        </a:rPr>
+                        <a:t> </a:t>
+                      </a:r>
+                      <a:r>
+                        <a:rPr lang="ru-RU" sz="2000" b="0" i="0" u="none" strike="noStrike" noProof="0" err="1">
+                          <a:solidFill>
+                            <a:srgbClr val="000000"/>
+                          </a:solidFill>
+                          <a:latin typeface="Century Gothic"/>
+                        </a:rPr>
+                        <a:t>Cake</a:t>
+                      </a:r>
+                      <a:endParaRPr lang="en-US" sz="2000">
+                        <a:latin typeface="Century Gothic"/>
+                      </a:endParaRPr>
+                    </a:p>
+                  </a:txBody>
+                  <a:tcPr anchor="ctr"/>
+                </a:tc>
+                <a:tc>
+                  <a:txBody>
+                    <a:bodyPr/>
+                    <a:lstStyle/>
+                    <a:p>
+                      <a:pPr algn="ctr"/>
+                      <a:r>
+                        <a:rPr lang="en-US" sz="2000" dirty="0">
+                          <a:latin typeface="Century Gothic"/>
+                        </a:rPr>
+                        <a:t>НЕТ</a:t>
+                      </a:r>
+                    </a:p>
+                  </a:txBody>
+                  <a:tcPr anchor="ctr">
+                    <a:solidFill>
+                      <a:srgbClr val="FA3737"/>
+                    </a:solidFill>
+                  </a:tcPr>
+                </a:tc>
+                <a:tc>
+                  <a:txBody>
+                    <a:bodyPr/>
+                    <a:lstStyle/>
+                    <a:p>
+                      <a:pPr algn="ctr"/>
+                      <a:r>
+                        <a:rPr lang="en-US" sz="2000" dirty="0">
+                          <a:latin typeface="Century Gothic"/>
+                        </a:rPr>
+                        <a:t>НЕТ</a:t>
+                      </a:r>
+                    </a:p>
+                  </a:txBody>
+                  <a:tcPr anchor="ctr">
+                    <a:solidFill>
+                      <a:srgbClr val="FA3737"/>
+                    </a:solidFill>
+                  </a:tcPr>
+                </a:tc>
+                <a:tc>
+                  <a:txBody>
+                    <a:bodyPr/>
+                    <a:lstStyle/>
+                    <a:p>
+                      <a:pPr algn="ctr"/>
+                      <a:r>
+                        <a:rPr lang="en-US" sz="2000" dirty="0">
+                          <a:latin typeface="Century Gothic"/>
+                        </a:rPr>
+                        <a:t>НЕТ</a:t>
+                      </a:r>
+                    </a:p>
+                  </a:txBody>
+                  <a:tcPr anchor="ctr">
+                    <a:solidFill>
+                      <a:srgbClr val="FA3737"/>
+                    </a:solidFill>
+                  </a:tcPr>
+                </a:tc>
+                <a:tc>
+                  <a:txBody>
+                    <a:bodyPr/>
+                    <a:lstStyle/>
+                    <a:p>
+                      <a:pPr algn="ctr"/>
+                      <a:r>
+                        <a:rPr lang="en-US" sz="2000" dirty="0">
+                          <a:latin typeface="Century Gothic"/>
+                        </a:rPr>
+                        <a:t>ДА</a:t>
+                      </a:r>
+                    </a:p>
+                  </a:txBody>
+                  <a:tcPr anchor="ctr">
+                    <a:solidFill>
+                      <a:srgbClr val="92D050"/>
+                    </a:solidFill>
+                  </a:tcPr>
+                </a:tc>
+                <a:tc>
+                  <a:txBody>
+                    <a:bodyPr/>
+                    <a:lstStyle/>
+                    <a:p>
+                      <a:pPr algn="ctr"/>
+                      <a:r>
+                        <a:rPr lang="en-US" sz="2000" dirty="0">
+                          <a:latin typeface="Century Gothic"/>
+                        </a:rPr>
+                        <a:t>НЕТ</a:t>
+                      </a:r>
+                    </a:p>
+                  </a:txBody>
+                  <a:tcPr anchor="ctr">
+                    <a:solidFill>
+                      <a:srgbClr val="FA3737"/>
+                    </a:solidFill>
+                  </a:tcPr>
+                </a:tc>
+                <a:tc>
+                  <a:txBody>
+                    <a:bodyPr/>
+                    <a:lstStyle/>
+                    <a:p>
+                      <a:pPr lvl="0" algn="ctr">
+                        <a:buNone/>
+                      </a:pPr>
+                      <a:r>
+                        <a:rPr lang="en-US" sz="2000" dirty="0">
+                          <a:latin typeface="Century Gothic"/>
+                        </a:rPr>
+                        <a:t>ДА</a:t>
+                      </a:r>
+                    </a:p>
+                  </a:txBody>
+                  <a:tcPr anchor="ctr">
+                    <a:solidFill>
+                      <a:srgbClr val="92D050"/>
+                    </a:solidFill>
+                  </a:tcPr>
+                </a:tc>
+                <a:extLst>
+                  <a:ext uri="{0D108BD9-81ED-4DB2-BD59-A6C34878D82A}">
+                    <a16:rowId xmlns:a16="http://schemas.microsoft.com/office/drawing/2014/main" val="1301422061"/>
+                  </a:ext>
+                </a:extLst>
+              </a:tr>
+              <a:tr h="678656">
+                <a:tc>
+                  <a:txBody>
+                    <a:bodyPr/>
+                    <a:lstStyle/>
+                    <a:p>
+                      <a:pPr lvl="0" algn="ctr">
+                        <a:buNone/>
+                      </a:pPr>
+                      <a:r>
+                        <a:rPr lang="ru-RU" sz="2000" b="0" i="0" u="none" strike="noStrike" noProof="0" dirty="0">
+                          <a:solidFill>
+                            <a:srgbClr val="000000"/>
+                          </a:solidFill>
+                          <a:latin typeface="Century Gothic"/>
+                        </a:rPr>
+                        <a:t>Candy School</a:t>
+                      </a:r>
+                      <a:endParaRPr lang="en-US" sz="2000">
+                        <a:latin typeface="Century Gothic"/>
+                      </a:endParaRPr>
+                    </a:p>
+                  </a:txBody>
+                  <a:tcPr anchor="ctr"/>
+                </a:tc>
+                <a:tc>
+                  <a:txBody>
+                    <a:bodyPr/>
+                    <a:lstStyle/>
+                    <a:p>
+                      <a:pPr algn="ctr"/>
+                      <a:r>
+                        <a:rPr lang="en-US" sz="2000" dirty="0">
+                          <a:latin typeface="Century Gothic"/>
+                        </a:rPr>
+                        <a:t>НЕТ</a:t>
+                      </a:r>
+                    </a:p>
+                  </a:txBody>
+                  <a:tcPr anchor="ctr">
+                    <a:solidFill>
+                      <a:srgbClr val="FA3737"/>
+                    </a:solidFill>
+                  </a:tcPr>
+                </a:tc>
+                <a:tc>
+                  <a:txBody>
+                    <a:bodyPr/>
+                    <a:lstStyle/>
+                    <a:p>
+                      <a:pPr algn="ctr"/>
+                      <a:r>
+                        <a:rPr lang="en-US" sz="2000" dirty="0">
+                          <a:latin typeface="Century Gothic"/>
+                        </a:rPr>
+                        <a:t>НЕТ</a:t>
+                      </a:r>
+                    </a:p>
+                  </a:txBody>
+                  <a:tcPr anchor="ctr">
+                    <a:solidFill>
+                      <a:srgbClr val="FA3737"/>
+                    </a:solidFill>
+                  </a:tcPr>
+                </a:tc>
+                <a:tc>
+                  <a:txBody>
+                    <a:bodyPr/>
+                    <a:lstStyle/>
+                    <a:p>
+                      <a:pPr algn="ctr"/>
+                      <a:r>
+                        <a:rPr lang="en-US" sz="2000" dirty="0">
+                          <a:latin typeface="Century Gothic"/>
+                        </a:rPr>
+                        <a:t>ДА</a:t>
+                      </a:r>
+                    </a:p>
+                  </a:txBody>
+                  <a:tcPr anchor="ctr">
+                    <a:solidFill>
+                      <a:srgbClr val="92D050"/>
+                    </a:solidFill>
+                  </a:tcPr>
+                </a:tc>
+                <a:tc>
+                  <a:txBody>
+                    <a:bodyPr/>
+                    <a:lstStyle/>
+                    <a:p>
+                      <a:pPr algn="ctr"/>
+                      <a:r>
+                        <a:rPr lang="en-US" sz="2000" dirty="0">
+                          <a:latin typeface="Century Gothic"/>
+                        </a:rPr>
+                        <a:t>ДА</a:t>
+                      </a:r>
+                    </a:p>
+                  </a:txBody>
+                  <a:tcPr anchor="ctr">
+                    <a:solidFill>
+                      <a:srgbClr val="92D050"/>
+                    </a:solidFill>
+                  </a:tcPr>
+                </a:tc>
+                <a:tc>
+                  <a:txBody>
+                    <a:bodyPr/>
+                    <a:lstStyle/>
+                    <a:p>
+                      <a:pPr algn="ctr"/>
+                      <a:r>
+                        <a:rPr lang="en-US" sz="2000" dirty="0">
+                          <a:latin typeface="Century Gothic"/>
+                        </a:rPr>
+                        <a:t>НЕТ</a:t>
+                      </a:r>
+                    </a:p>
+                  </a:txBody>
+                  <a:tcPr anchor="ctr">
+                    <a:solidFill>
+                      <a:srgbClr val="FA3737"/>
+                    </a:solidFill>
+                  </a:tcPr>
+                </a:tc>
+                <a:tc>
+                  <a:txBody>
+                    <a:bodyPr/>
+                    <a:lstStyle/>
+                    <a:p>
+                      <a:pPr lvl="0" algn="ctr">
+                        <a:buNone/>
+                      </a:pPr>
+                      <a:r>
+                        <a:rPr lang="en-US" sz="2000" dirty="0">
+                          <a:latin typeface="Century Gothic"/>
+                        </a:rPr>
+                        <a:t>НЕТ</a:t>
+                      </a:r>
+                    </a:p>
+                  </a:txBody>
+                  <a:tcPr anchor="ctr">
+                    <a:solidFill>
+                      <a:srgbClr val="FA3737"/>
+                    </a:solidFill>
+                  </a:tcPr>
+                </a:tc>
+                <a:extLst>
+                  <a:ext uri="{0D108BD9-81ED-4DB2-BD59-A6C34878D82A}">
+                    <a16:rowId xmlns:a16="http://schemas.microsoft.com/office/drawing/2014/main" val="3117528252"/>
+                  </a:ext>
+                </a:extLst>
+              </a:tr>
+              <a:tr h="625078">
+                <a:tc>
+                  <a:txBody>
+                    <a:bodyPr/>
+                    <a:lstStyle/>
+                    <a:p>
+                      <a:pPr lvl="0" algn="ctr">
+                        <a:buNone/>
+                      </a:pPr>
+                      <a:r>
+                        <a:rPr lang="ru-RU" sz="2000" b="0" i="0" u="none" strike="noStrike" noProof="0" err="1">
+                          <a:solidFill>
+                            <a:srgbClr val="000000"/>
+                          </a:solidFill>
+                          <a:latin typeface="Century Gothic"/>
+                        </a:rPr>
+                        <a:t>PastryPro</a:t>
+                      </a:r>
+                      <a:endParaRPr lang="en-US" sz="2000">
+                        <a:latin typeface="Century Gothic"/>
+                      </a:endParaRPr>
+                    </a:p>
+                  </a:txBody>
+                  <a:tcPr anchor="ctr"/>
+                </a:tc>
+                <a:tc>
+                  <a:txBody>
+                    <a:bodyPr/>
+                    <a:lstStyle/>
+                    <a:p>
+                      <a:pPr algn="ctr"/>
+                      <a:r>
+                        <a:rPr lang="en-US" sz="2000" dirty="0">
+                          <a:latin typeface="Century Gothic"/>
+                        </a:rPr>
+                        <a:t>ДА</a:t>
+                      </a:r>
+                    </a:p>
+                  </a:txBody>
+                  <a:tcPr anchor="ctr">
+                    <a:solidFill>
+                      <a:srgbClr val="92D050"/>
+                    </a:solidFill>
+                  </a:tcPr>
+                </a:tc>
+                <a:tc>
+                  <a:txBody>
+                    <a:bodyPr/>
+                    <a:lstStyle/>
+                    <a:p>
+                      <a:pPr algn="ctr"/>
+                      <a:r>
+                        <a:rPr lang="en-US" sz="2000" dirty="0">
+                          <a:latin typeface="Century Gothic"/>
+                        </a:rPr>
+                        <a:t>ДА</a:t>
+                      </a:r>
+                    </a:p>
+                  </a:txBody>
+                  <a:tcPr anchor="ctr">
+                    <a:solidFill>
+                      <a:srgbClr val="92D050"/>
+                    </a:solidFill>
+                  </a:tcPr>
+                </a:tc>
+                <a:tc>
+                  <a:txBody>
+                    <a:bodyPr/>
+                    <a:lstStyle/>
+                    <a:p>
+                      <a:pPr algn="ctr"/>
+                      <a:r>
+                        <a:rPr lang="en-US" sz="2000" dirty="0">
+                          <a:latin typeface="Century Gothic"/>
+                        </a:rPr>
+                        <a:t>ДА</a:t>
+                      </a:r>
+                    </a:p>
+                  </a:txBody>
+                  <a:tcPr anchor="ctr">
+                    <a:solidFill>
+                      <a:srgbClr val="92D050"/>
+                    </a:solidFill>
+                  </a:tcPr>
+                </a:tc>
+                <a:tc>
+                  <a:txBody>
+                    <a:bodyPr/>
+                    <a:lstStyle/>
+                    <a:p>
+                      <a:pPr algn="ctr"/>
+                      <a:r>
+                        <a:rPr lang="en-US" sz="2000" dirty="0">
+                          <a:latin typeface="Century Gothic"/>
+                        </a:rPr>
+                        <a:t>ДА</a:t>
+                      </a:r>
+                    </a:p>
+                  </a:txBody>
+                  <a:tcPr anchor="ctr">
+                    <a:solidFill>
+                      <a:srgbClr val="92D050"/>
+                    </a:solidFill>
+                  </a:tcPr>
+                </a:tc>
+                <a:tc>
+                  <a:txBody>
+                    <a:bodyPr/>
+                    <a:lstStyle/>
+                    <a:p>
+                      <a:pPr algn="ctr"/>
+                      <a:r>
+                        <a:rPr lang="en-US" sz="2000" dirty="0">
+                          <a:latin typeface="Century Gothic"/>
+                        </a:rPr>
+                        <a:t>ДА</a:t>
+                      </a:r>
+                    </a:p>
+                  </a:txBody>
+                  <a:tcPr anchor="ctr">
+                    <a:solidFill>
+                      <a:srgbClr val="92D050"/>
+                    </a:solidFill>
+                  </a:tcPr>
+                </a:tc>
+                <a:tc>
+                  <a:txBody>
+                    <a:bodyPr/>
+                    <a:lstStyle/>
+                    <a:p>
+                      <a:pPr lvl="0" algn="ctr">
+                        <a:buNone/>
+                      </a:pPr>
+                      <a:r>
+                        <a:rPr lang="en-US" sz="2000" dirty="0">
+                          <a:latin typeface="Century Gothic"/>
+                        </a:rPr>
+                        <a:t>НЕТ</a:t>
+                      </a:r>
+                    </a:p>
+                  </a:txBody>
+                  <a:tcPr anchor="ctr">
+                    <a:solidFill>
+                      <a:srgbClr val="FA3737"/>
+                    </a:solidFill>
+                  </a:tcPr>
+                </a:tc>
+                <a:extLst>
+                  <a:ext uri="{0D108BD9-81ED-4DB2-BD59-A6C34878D82A}">
+                    <a16:rowId xmlns:a16="http://schemas.microsoft.com/office/drawing/2014/main" val="836682680"/>
+                  </a:ext>
+                </a:extLst>
+              </a:tr>
+              <a:tr h="696515">
+                <a:tc>
+                  <a:txBody>
+                    <a:bodyPr/>
+                    <a:lstStyle/>
+                    <a:p>
+                      <a:pPr lvl="0" algn="ctr">
+                        <a:buNone/>
+                      </a:pPr>
+                      <a:r>
+                        <a:rPr lang="ru-RU" sz="2000" b="0" i="0" u="none" strike="noStrike" noProof="0" err="1">
+                          <a:solidFill>
+                            <a:srgbClr val="000000"/>
+                          </a:solidFill>
+                          <a:latin typeface="Century Gothic"/>
+                        </a:rPr>
+                        <a:t>BakeMaster</a:t>
+                      </a:r>
+                      <a:endParaRPr lang="en-US" sz="2000">
+                        <a:latin typeface="Century Gothic"/>
+                      </a:endParaRPr>
+                    </a:p>
+                  </a:txBody>
+                  <a:tcPr anchor="ctr"/>
+                </a:tc>
+                <a:tc>
+                  <a:txBody>
+                    <a:bodyPr/>
+                    <a:lstStyle/>
+                    <a:p>
+                      <a:pPr algn="ctr"/>
+                      <a:r>
+                        <a:rPr lang="en-US" sz="2000" dirty="0">
+                          <a:latin typeface="Century Gothic"/>
+                        </a:rPr>
+                        <a:t>ДА</a:t>
+                      </a:r>
+                    </a:p>
+                  </a:txBody>
+                  <a:tcPr anchor="ctr">
+                    <a:solidFill>
+                      <a:srgbClr val="92D050"/>
+                    </a:solidFill>
+                  </a:tcPr>
+                </a:tc>
+                <a:tc>
+                  <a:txBody>
+                    <a:bodyPr/>
+                    <a:lstStyle/>
+                    <a:p>
+                      <a:pPr algn="ctr"/>
+                      <a:r>
+                        <a:rPr lang="en-US" sz="2000" dirty="0">
+                          <a:latin typeface="Century Gothic"/>
+                        </a:rPr>
+                        <a:t>ДА</a:t>
+                      </a:r>
+                    </a:p>
+                  </a:txBody>
+                  <a:tcPr anchor="ctr">
+                    <a:solidFill>
+                      <a:srgbClr val="92D050"/>
+                    </a:solidFill>
+                  </a:tcPr>
+                </a:tc>
+                <a:tc>
+                  <a:txBody>
+                    <a:bodyPr/>
+                    <a:lstStyle/>
+                    <a:p>
+                      <a:pPr algn="ctr"/>
+                      <a:r>
+                        <a:rPr lang="en-US" sz="2000" dirty="0">
+                          <a:latin typeface="Century Gothic"/>
+                        </a:rPr>
+                        <a:t>ДА</a:t>
+                      </a:r>
+                    </a:p>
+                  </a:txBody>
+                  <a:tcPr anchor="ctr">
+                    <a:solidFill>
+                      <a:srgbClr val="92D050"/>
+                    </a:solidFill>
+                  </a:tcPr>
+                </a:tc>
+                <a:tc>
+                  <a:txBody>
+                    <a:bodyPr/>
+                    <a:lstStyle/>
+                    <a:p>
+                      <a:pPr algn="ctr"/>
+                      <a:r>
+                        <a:rPr lang="en-US" sz="2000" dirty="0">
+                          <a:latin typeface="Century Gothic"/>
+                        </a:rPr>
+                        <a:t>ДА</a:t>
+                      </a:r>
+                    </a:p>
+                  </a:txBody>
+                  <a:tcPr anchor="ctr">
+                    <a:solidFill>
+                      <a:srgbClr val="92D050"/>
+                    </a:solidFill>
+                  </a:tcPr>
+                </a:tc>
+                <a:tc>
+                  <a:txBody>
+                    <a:bodyPr/>
+                    <a:lstStyle/>
+                    <a:p>
+                      <a:pPr algn="ctr"/>
+                      <a:r>
+                        <a:rPr lang="en-US" sz="2000" dirty="0">
+                          <a:latin typeface="Century Gothic"/>
+                        </a:rPr>
+                        <a:t>ДА</a:t>
+                      </a:r>
+                    </a:p>
+                  </a:txBody>
+                  <a:tcPr anchor="ctr">
+                    <a:solidFill>
+                      <a:srgbClr val="92D050"/>
+                    </a:solidFill>
+                  </a:tcPr>
+                </a:tc>
+                <a:tc>
+                  <a:txBody>
+                    <a:bodyPr/>
+                    <a:lstStyle/>
+                    <a:p>
+                      <a:pPr lvl="0" algn="ctr">
+                        <a:buNone/>
+                      </a:pPr>
+                      <a:r>
+                        <a:rPr lang="en-US" sz="2000" dirty="0">
+                          <a:latin typeface="Century Gothic"/>
+                        </a:rPr>
+                        <a:t>НЕТ + </a:t>
+                      </a:r>
+                      <a:r>
+                        <a:rPr lang="en-US" sz="2000" err="1">
+                          <a:latin typeface="Century Gothic"/>
+                        </a:rPr>
+                        <a:t>реклама</a:t>
+                      </a:r>
+                      <a:endParaRPr lang="en-US" sz="2000" dirty="0" err="1">
+                        <a:latin typeface="Century Gothic"/>
+                      </a:endParaRPr>
+                    </a:p>
+                  </a:txBody>
+                  <a:tcPr anchor="ctr">
+                    <a:solidFill>
+                      <a:srgbClr val="FA3737"/>
+                    </a:solidFill>
+                  </a:tcPr>
+                </a:tc>
+                <a:extLst>
+                  <a:ext uri="{0D108BD9-81ED-4DB2-BD59-A6C34878D82A}">
+                    <a16:rowId xmlns:a16="http://schemas.microsoft.com/office/drawing/2014/main" val="2403690291"/>
+                  </a:ext>
+                </a:extLst>
+              </a:tr>
+              <a:tr h="642937">
+                <a:tc>
+                  <a:txBody>
+                    <a:bodyPr/>
+                    <a:lstStyle/>
+                    <a:p>
+                      <a:pPr lvl="0" algn="ctr">
+                        <a:buNone/>
+                      </a:pPr>
+                      <a:r>
+                        <a:rPr lang="ru-RU" sz="2000" b="1" i="0" u="none" strike="noStrike" noProof="0" err="1">
+                          <a:solidFill>
+                            <a:srgbClr val="000000"/>
+                          </a:solidFill>
+                          <a:latin typeface="Century Gothic"/>
+                        </a:rPr>
+                        <a:t>BakeBudget</a:t>
+                      </a:r>
+                      <a:endParaRPr lang="ru-RU" sz="2000" b="1" i="0" u="none" strike="noStrike" noProof="0">
+                        <a:solidFill>
+                          <a:srgbClr val="000000"/>
+                        </a:solidFill>
+                        <a:latin typeface="Century Gothic"/>
+                      </a:endParaRPr>
+                    </a:p>
+                  </a:txBody>
+                  <a:tcPr anchor="ctr"/>
+                </a:tc>
+                <a:tc>
+                  <a:txBody>
+                    <a:bodyPr/>
+                    <a:lstStyle/>
+                    <a:p>
+                      <a:pPr lvl="0" algn="ctr">
+                        <a:buNone/>
+                      </a:pPr>
+                      <a:r>
+                        <a:rPr lang="en-US" sz="2000" dirty="0">
+                          <a:latin typeface="Century Gothic"/>
+                        </a:rPr>
+                        <a:t>ДА</a:t>
+                      </a:r>
+                    </a:p>
+                  </a:txBody>
+                  <a:tcPr anchor="ctr">
+                    <a:solidFill>
+                      <a:srgbClr val="92D050"/>
+                    </a:solidFill>
+                  </a:tcPr>
+                </a:tc>
+                <a:tc>
+                  <a:txBody>
+                    <a:bodyPr/>
+                    <a:lstStyle/>
+                    <a:p>
+                      <a:pPr lvl="0" algn="ctr">
+                        <a:buNone/>
+                      </a:pPr>
+                      <a:r>
+                        <a:rPr lang="en-US" sz="2000" dirty="0">
+                          <a:latin typeface="Century Gothic"/>
+                        </a:rPr>
+                        <a:t>ДА</a:t>
+                      </a:r>
+                    </a:p>
+                  </a:txBody>
+                  <a:tcPr anchor="ctr">
+                    <a:solidFill>
+                      <a:srgbClr val="92D050"/>
+                    </a:solidFill>
+                  </a:tcPr>
+                </a:tc>
+                <a:tc>
+                  <a:txBody>
+                    <a:bodyPr/>
+                    <a:lstStyle/>
+                    <a:p>
+                      <a:pPr lvl="0" algn="ctr">
+                        <a:buNone/>
+                      </a:pPr>
+                      <a:r>
+                        <a:rPr lang="en-US" sz="2000" dirty="0">
+                          <a:latin typeface="Century Gothic"/>
+                        </a:rPr>
+                        <a:t>ДА</a:t>
+                      </a:r>
+                    </a:p>
+                  </a:txBody>
+                  <a:tcPr anchor="ctr">
+                    <a:solidFill>
+                      <a:srgbClr val="92D050"/>
+                    </a:solidFill>
+                  </a:tcPr>
+                </a:tc>
+                <a:tc>
+                  <a:txBody>
+                    <a:bodyPr/>
+                    <a:lstStyle/>
+                    <a:p>
+                      <a:pPr lvl="0" algn="ctr">
+                        <a:buNone/>
+                      </a:pPr>
+                      <a:r>
+                        <a:rPr lang="en-US" sz="2000" dirty="0">
+                          <a:latin typeface="Century Gothic"/>
+                        </a:rPr>
+                        <a:t>НЕТ</a:t>
+                      </a:r>
+                    </a:p>
+                  </a:txBody>
+                  <a:tcPr anchor="ctr">
+                    <a:solidFill>
+                      <a:srgbClr val="FA3737"/>
+                    </a:solidFill>
+                  </a:tcPr>
+                </a:tc>
+                <a:tc>
+                  <a:txBody>
+                    <a:bodyPr/>
+                    <a:lstStyle/>
+                    <a:p>
+                      <a:pPr lvl="0" algn="ctr">
+                        <a:buNone/>
+                      </a:pPr>
+                      <a:r>
+                        <a:rPr lang="en-US" sz="2000" dirty="0">
+                          <a:latin typeface="Century Gothic"/>
+                        </a:rPr>
+                        <a:t>НЕТ</a:t>
+                      </a:r>
+                    </a:p>
+                  </a:txBody>
+                  <a:tcPr anchor="ctr">
+                    <a:solidFill>
+                      <a:srgbClr val="FA3737"/>
+                    </a:solidFill>
+                  </a:tcPr>
+                </a:tc>
+                <a:tc>
+                  <a:txBody>
+                    <a:bodyPr/>
+                    <a:lstStyle/>
+                    <a:p>
+                      <a:pPr lvl="0" algn="ctr">
+                        <a:buNone/>
+                      </a:pPr>
+                      <a:r>
+                        <a:rPr lang="en-US" sz="2000" dirty="0">
+                          <a:latin typeface="Century Gothic"/>
+                        </a:rPr>
+                        <a:t>ДА</a:t>
+                      </a:r>
+                    </a:p>
+                  </a:txBody>
+                  <a:tcPr anchor="ctr">
+                    <a:solidFill>
+                      <a:srgbClr val="92D050"/>
+                    </a:solidFill>
+                  </a:tcPr>
+                </a:tc>
+                <a:extLst>
+                  <a:ext uri="{0D108BD9-81ED-4DB2-BD59-A6C34878D82A}">
+                    <a16:rowId xmlns:a16="http://schemas.microsoft.com/office/drawing/2014/main" val="2935278011"/>
+                  </a:ext>
+                </a:extLst>
+              </a:tr>
+            </a:tbl>
+          </a:graphicData>
+        </a:graphic>
+      </p:graphicFrame>
     </p:spTree>
   </p:cSld>
   <p:clrMapOvr>
@@ -7846,7 +9602,7 @@
 
 <file path=ppt/slides/slide9.xml><?xml version="1.0" encoding="utf-8"?>
 <p:sld xmlns:a="http://schemas.openxmlformats.org/drawingml/2006/main" xmlns:r="http://schemas.openxmlformats.org/officeDocument/2006/relationships" xmlns:p="http://schemas.openxmlformats.org/presentationml/2006/main">
-  <p:cSld>
+  <p:cSld name="Slide 7">
     <p:spTree>
       <p:nvGrpSpPr>
         <p:cNvPr id="1" name=""/>
@@ -7869,8 +9625,8 @@
         </p:nvSpPr>
         <p:spPr>
           <a:xfrm>
-            <a:off x="2061924" y="722948"/>
-            <a:ext cx="9809702" cy="694373"/>
+            <a:off x="833199" y="1699022"/>
+            <a:ext cx="7525607" cy="694373"/>
           </a:xfrm>
           <a:prstGeom prst="rect">
             <a:avLst/>
@@ -7882,52 +9638,58 @@
           <a:bodyPr wrap="none" lIns="91440" tIns="45720" rIns="91440" bIns="45720" rtlCol="0" anchor="t"/>
           <a:lstStyle/>
           <a:p>
-            <a:pPr>
+            <a:pPr marL="0" indent="0">
               <a:lnSpc>
                 <a:spcPts val="5468"/>
               </a:lnSpc>
+              <a:buNone/>
             </a:pPr>
             <a:r>
               <a:rPr lang="en-US" sz="4400" b="1" dirty="0" err="1">
                 <a:latin typeface="Century Gothic"/>
-              </a:rPr>
-              <a:t>Недостатки</a:t>
-            </a:r>
-          </a:p>
-        </p:txBody>
-      </p:sp>
-      <p:sp>
-        <p:nvSpPr>
-          <p:cNvPr id="6" name="Shape 3"/>
+                <a:ea typeface="Raleway" pitchFamily="34" charset="-122"/>
+                <a:cs typeface="Raleway" pitchFamily="34" charset="-120"/>
+              </a:rPr>
+              <a:t>Демонстрация</a:t>
+            </a:r>
+            <a:r>
+              <a:rPr lang="en-US" sz="4400" b="1" dirty="0">
+                <a:latin typeface="Century Gothic"/>
+                <a:ea typeface="Raleway" pitchFamily="34" charset="-122"/>
+                <a:cs typeface="Raleway" pitchFamily="34" charset="-120"/>
+              </a:rPr>
+              <a:t> </a:t>
+            </a:r>
+            <a:r>
+              <a:rPr lang="en-US" sz="4400" b="1" dirty="0" err="1">
+                <a:latin typeface="Century Gothic"/>
+                <a:ea typeface="Raleway" pitchFamily="34" charset="-122"/>
+                <a:cs typeface="Raleway" pitchFamily="34" charset="-120"/>
+              </a:rPr>
+              <a:t>продукта</a:t>
+            </a:r>
+            <a:endParaRPr lang="en-US" sz="4400" dirty="0">
+              <a:latin typeface="Century Gothic"/>
+            </a:endParaRPr>
+          </a:p>
+        </p:txBody>
+      </p:sp>
+      <p:sp>
+        <p:nvSpPr>
+          <p:cNvPr id="10" name="Text 3">
+            <a:extLst>
+              <a:ext uri="{FF2B5EF4-FFF2-40B4-BE49-F238E27FC236}">
+                <a16:creationId xmlns:a16="http://schemas.microsoft.com/office/drawing/2014/main" id="{88BC1C06-F463-DA54-DD3E-5BC87A4A3F61}"/>
+              </a:ext>
+            </a:extLst>
+          </p:cNvPr>
           <p:cNvSpPr/>
           <p:nvPr/>
         </p:nvSpPr>
         <p:spPr>
           <a:xfrm>
-            <a:off x="2061924" y="1764863"/>
-            <a:ext cx="5227915" cy="3412569"/>
-          </a:xfrm>
-          <a:prstGeom prst="roundRect">
-            <a:avLst>
-              <a:gd name="adj" fmla="val 1953"/>
-            </a:avLst>
-          </a:prstGeom>
-          <a:solidFill>
-            <a:srgbClr val="F5EFEF"/>
-          </a:solidFill>
-          <a:ln/>
-        </p:spPr>
-      </p:sp>
-      <p:sp>
-        <p:nvSpPr>
-          <p:cNvPr id="7" name="Text 4"/>
-          <p:cNvSpPr/>
-          <p:nvPr/>
-        </p:nvSpPr>
-        <p:spPr>
-          <a:xfrm>
-            <a:off x="2481263" y="2823139"/>
-            <a:ext cx="4606862" cy="1293018"/>
+            <a:off x="833199" y="2940962"/>
+            <a:ext cx="7377588" cy="1848446"/>
           </a:xfrm>
           <a:prstGeom prst="rect">
             <a:avLst/>
@@ -7936,137 +9698,83 @@
           <a:ln/>
         </p:spPr>
         <p:txBody>
-          <a:bodyPr wrap="none" lIns="91440" tIns="45720" rIns="91440" bIns="45720" rtlCol="0" anchor="t"/>
+          <a:bodyPr wrap="square" lIns="91440" tIns="45720" rIns="91440" bIns="45720" rtlCol="0" anchor="t"/>
           <a:lstStyle/>
           <a:p>
-            <a:pPr algn="ctr"/>
-            <a:r>
-              <a:rPr lang="en-US" sz="3200" b="1" err="1">
-                <a:latin typeface="Century Gothic"/>
-              </a:rPr>
-              <a:t>Приложение</a:t>
-            </a:r>
-            <a:r>
-              <a:rPr lang="en-US" sz="3200" b="1" dirty="0">
-                <a:latin typeface="Century Gothic"/>
+            <a:pPr algn="ctr">
+              <a:lnSpc>
+                <a:spcPct val="150000"/>
+              </a:lnSpc>
+            </a:pPr>
+            <a:r>
+              <a:rPr lang="en-US" sz="3200" dirty="0" err="1">
+                <a:latin typeface="Century Gothic"/>
+                <a:ea typeface="Source Serif Pro"/>
+              </a:rPr>
+              <a:t>Управляй</a:t>
+            </a:r>
+            <a:r>
+              <a:rPr lang="en-US" sz="3200" dirty="0">
+                <a:latin typeface="Century Gothic"/>
+                <a:ea typeface="Source Serif Pro"/>
               </a:rPr>
               <a:t> </a:t>
             </a:r>
             <a:r>
-              <a:rPr lang="en-US" sz="3200" b="1" err="1">
-                <a:latin typeface="Century Gothic"/>
-              </a:rPr>
-              <a:t>только</a:t>
-            </a:r>
-            <a:endParaRPr lang="ru-RU" dirty="0" err="1">
-              <a:latin typeface="Calibri" panose="020F0502020204030204"/>
+              <a:rPr lang="en-US" sz="3200" dirty="0" err="1">
+                <a:latin typeface="Century Gothic"/>
+                <a:ea typeface="Source Serif Pro"/>
+              </a:rPr>
+              <a:t>заказами</a:t>
+            </a:r>
+            <a:r>
+              <a:rPr lang="en-US" sz="3200" dirty="0">
+                <a:latin typeface="Century Gothic"/>
+                <a:ea typeface="Source Serif Pro"/>
+              </a:rPr>
+              <a:t>!</a:t>
+            </a:r>
+            <a:endParaRPr lang="ru-RU" dirty="0">
               <a:cs typeface="Calibri" panose="020F0502020204030204"/>
             </a:endParaRPr>
           </a:p>
-          <a:p>
-            <a:pPr algn="ctr"/>
-            <a:r>
-              <a:rPr lang="en-US" sz="3200" b="1" dirty="0" err="1">
-                <a:latin typeface="Century Gothic"/>
-              </a:rPr>
-              <a:t>под</a:t>
-            </a:r>
-            <a:r>
-              <a:rPr lang="en-US" sz="3200" b="1" dirty="0">
-                <a:latin typeface="Century Gothic"/>
-              </a:rPr>
-              <a:t> Android</a:t>
-            </a:r>
-            <a:endParaRPr lang="ru-RU" dirty="0">
-              <a:cs typeface="Calibri"/>
-            </a:endParaRPr>
-          </a:p>
-        </p:txBody>
-      </p:sp>
-      <p:sp>
-        <p:nvSpPr>
-          <p:cNvPr id="9" name="Shape 6"/>
-          <p:cNvSpPr/>
-          <p:nvPr/>
-        </p:nvSpPr>
-        <p:spPr>
-          <a:xfrm>
-            <a:off x="7540585" y="1764863"/>
-            <a:ext cx="4542115" cy="3412569"/>
-          </a:xfrm>
-          <a:prstGeom prst="roundRect">
-            <a:avLst>
-              <a:gd name="adj" fmla="val 1953"/>
-            </a:avLst>
-          </a:prstGeom>
-          <a:solidFill>
-            <a:srgbClr val="F5EFEF"/>
-          </a:solidFill>
-          <a:ln/>
-        </p:spPr>
-      </p:sp>
-      <p:sp>
-        <p:nvSpPr>
-          <p:cNvPr id="10" name="Text 7"/>
-          <p:cNvSpPr/>
-          <p:nvPr/>
-        </p:nvSpPr>
-        <p:spPr>
-          <a:xfrm>
-            <a:off x="7746373" y="2679121"/>
-            <a:ext cx="4129753" cy="1589817"/>
-          </a:xfrm>
-          <a:prstGeom prst="rect">
-            <a:avLst/>
-          </a:prstGeom>
-          <a:noFill/>
-          <a:ln/>
-        </p:spPr>
-        <p:txBody>
-          <a:bodyPr wrap="none" lIns="91440" tIns="45720" rIns="91440" bIns="45720" rtlCol="0" anchor="t"/>
-          <a:lstStyle/>
-          <a:p>
-            <a:pPr algn="ctr"/>
-            <a:r>
-              <a:rPr lang="en-US" sz="3200" b="1" err="1">
-                <a:latin typeface="Century Gothic"/>
-              </a:rPr>
-              <a:t>Отсутствие</a:t>
-            </a:r>
-            <a:endParaRPr lang="ru-RU" err="1"/>
-          </a:p>
-          <a:p>
-            <a:pPr algn="ctr"/>
-            <a:r>
-              <a:rPr lang="en-US" sz="3200" b="1" dirty="0" err="1">
-                <a:latin typeface="Century Gothic"/>
-              </a:rPr>
-              <a:t>работы</a:t>
-            </a:r>
-            <a:r>
-              <a:rPr lang="en-US" sz="3200" b="1" dirty="0">
-                <a:latin typeface="Century Gothic"/>
-              </a:rPr>
-              <a:t> с</a:t>
-            </a:r>
-          </a:p>
-          <a:p>
-            <a:pPr algn="ctr"/>
-            <a:r>
-              <a:rPr lang="en-US" sz="3200" b="1">
-                <a:latin typeface="Century Gothic"/>
-              </a:rPr>
-              <a:t>клиентами</a:t>
-            </a:r>
-          </a:p>
-        </p:txBody>
-      </p:sp>
-      <p:sp>
-        <p:nvSpPr>
-          <p:cNvPr id="3" name="TextBox 2">
+        </p:txBody>
+      </p:sp>
+      <p:pic>
+        <p:nvPicPr>
+          <p:cNvPr id="12" name="Рисунок 11" descr="Изображение выглядит как текст, десерт, пирог, еда&#10;&#10;Автоматически созданное описание">
             <a:extLst>
               <a:ext uri="{FF2B5EF4-FFF2-40B4-BE49-F238E27FC236}">
-                <a16:creationId xmlns:a16="http://schemas.microsoft.com/office/drawing/2014/main" id="{F11D4A78-6F28-A3FF-B836-3999B5980135}"/>
+                <a16:creationId xmlns:a16="http://schemas.microsoft.com/office/drawing/2014/main" id="{9988B69E-710D-C8FB-E215-34FEB38C3F06}"/>
+              </a:ext>
+            </a:extLst>
+          </p:cNvPr>
+          <p:cNvPicPr>
+            <a:picLocks noChangeAspect="1"/>
+          </p:cNvPicPr>
+          <p:nvPr/>
+        </p:nvPicPr>
+        <p:blipFill rotWithShape="1">
+          <a:blip r:embed="rId3"/>
+          <a:srcRect l="-1" t="3750" r="-135" b="6300"/>
+          <a:stretch/>
+        </p:blipFill>
+        <p:spPr>
+          <a:xfrm>
+            <a:off x="9124037" y="0"/>
+            <a:ext cx="4210964" cy="8229600"/>
+          </a:xfrm>
+          <a:prstGeom prst="rect">
+            <a:avLst/>
+          </a:prstGeom>
+        </p:spPr>
+      </p:pic>
+      <p:sp>
+        <p:nvSpPr>
+          <p:cNvPr id="7" name="TextBox 6">
+            <a:extLst>
+              <a:ext uri="{FF2B5EF4-FFF2-40B4-BE49-F238E27FC236}">
+                <a16:creationId xmlns:a16="http://schemas.microsoft.com/office/drawing/2014/main" id="{19FD61CC-4181-5793-08FF-CB2387BF33CD}"/>
               </a:ext>
             </a:extLst>
           </p:cNvPr>
@@ -8112,111 +9820,7 @@
           </a:p>
         </p:txBody>
       </p:sp>
-      <p:sp>
-        <p:nvSpPr>
-          <p:cNvPr id="2" name="TextBox 1">
-            <a:extLst>
-              <a:ext uri="{FF2B5EF4-FFF2-40B4-BE49-F238E27FC236}">
-                <a16:creationId xmlns:a16="http://schemas.microsoft.com/office/drawing/2014/main" id="{94880BFB-BBBF-C941-AA3A-831E0C817AF7}"/>
-              </a:ext>
-            </a:extLst>
-          </p:cNvPr>
-          <p:cNvSpPr txBox="1"/>
-          <p:nvPr/>
-        </p:nvSpPr>
-        <p:spPr>
-          <a:xfrm>
-            <a:off x="1898467" y="5845628"/>
-            <a:ext cx="10189029" cy="1354217"/>
-          </a:xfrm>
-          <a:prstGeom prst="rect">
-            <a:avLst/>
-          </a:prstGeom>
-          <a:noFill/>
-        </p:spPr>
-        <p:txBody>
-          <a:bodyPr rot="0" spcFirstLastPara="0" vertOverflow="overflow" horzOverflow="overflow" vert="horz" wrap="square" lIns="91440" tIns="45720" rIns="91440" bIns="45720" numCol="1" spcCol="0" rtlCol="0" fromWordArt="0" anchor="t" anchorCtr="0" forceAA="0" compatLnSpc="1">
-            <a:prstTxWarp prst="textNoShape">
-              <a:avLst/>
-            </a:prstTxWarp>
-            <a:spAutoFit/>
-          </a:bodyPr>
-          <a:lstStyle/>
-          <a:p>
-            <a:r>
-              <a:rPr lang="ru-RU" sz="3200" dirty="0">
-                <a:latin typeface="Century Gothic"/>
-                <a:cs typeface="Calibri"/>
-              </a:rPr>
-              <a:t>В сравнении с: </a:t>
-            </a:r>
-            <a:r>
-              <a:rPr lang="ru-RU" sz="3200" err="1">
-                <a:latin typeface="Century Gothic"/>
-                <a:cs typeface="Calibri"/>
-              </a:rPr>
-              <a:t>Make</a:t>
-            </a:r>
-            <a:r>
-              <a:rPr lang="ru-RU" sz="3200" dirty="0">
-                <a:latin typeface="Century Gothic"/>
-                <a:cs typeface="Calibri"/>
-              </a:rPr>
-              <a:t> </a:t>
-            </a:r>
-            <a:r>
-              <a:rPr lang="ru-RU" sz="3200" err="1">
-                <a:latin typeface="Century Gothic"/>
-                <a:cs typeface="Calibri"/>
-              </a:rPr>
-              <a:t>Cake</a:t>
-            </a:r>
-            <a:r>
-              <a:rPr lang="ru-RU" sz="3200" dirty="0">
-                <a:latin typeface="Century Gothic"/>
-                <a:cs typeface="Calibri"/>
-              </a:rPr>
-              <a:t>, Candy School, </a:t>
-            </a:r>
-            <a:r>
-              <a:rPr lang="ru-RU" sz="3200" err="1">
-                <a:latin typeface="Century Gothic"/>
-                <a:cs typeface="Calibri"/>
-              </a:rPr>
-              <a:t>PastryPro</a:t>
-            </a:r>
-            <a:r>
-              <a:rPr lang="ru-RU" sz="3200" dirty="0">
-                <a:latin typeface="Century Gothic"/>
-                <a:cs typeface="Calibri"/>
-              </a:rPr>
-              <a:t>, </a:t>
-            </a:r>
-            <a:r>
-              <a:rPr lang="ru-RU" sz="3200" err="1">
-                <a:latin typeface="Century Gothic"/>
-                <a:cs typeface="Calibri"/>
-              </a:rPr>
-              <a:t>BakeMaster</a:t>
-            </a:r>
-            <a:endParaRPr lang="ru-RU" sz="3200">
-              <a:latin typeface="Century Gothic"/>
-              <a:cs typeface="Calibri"/>
-            </a:endParaRPr>
-          </a:p>
-          <a:p>
-            <a:endParaRPr lang="ru-RU" dirty="0">
-              <a:cs typeface="Calibri"/>
-            </a:endParaRPr>
-          </a:p>
-        </p:txBody>
-      </p:sp>
     </p:spTree>
-    <p:extLst>
-      <p:ext uri="{BB962C8B-B14F-4D97-AF65-F5344CB8AC3E}">
-        <p14:creationId xmlns:p14="http://schemas.microsoft.com/office/powerpoint/2010/main" val="3751540642"/>
-      </p:ext>
-    </p:extLst>
   </p:cSld>
   <p:clrMapOvr>
     <a:masterClrMapping/>
